--- a/oral_projet/revue_2/diaporama_revue_1_steven.pptx
+++ b/oral_projet/revue_2/diaporama_revue_1_steven.pptx
@@ -5830,6 +5830,1066 @@
       </p:transition>
     </mc:Fallback>
   </mc:AlternateContent>
+  <p:timing>
+    <p:tnLst>
+      <p:par>
+        <p:cTn id="1" dur="indefinite" restart="never" nodeType="tmRoot">
+          <p:childTnLst>
+            <p:seq concurrent="1" nextAc="seek">
+              <p:cTn id="2" dur="indefinite" nodeType="mainSeq">
+                <p:childTnLst>
+                  <p:par>
+                    <p:cTn id="3" fill="hold">
+                      <p:stCondLst>
+                        <p:cond delay="indefinite"/>
+                      </p:stCondLst>
+                      <p:childTnLst>
+                        <p:par>
+                          <p:cTn id="4" fill="hold">
+                            <p:stCondLst>
+                              <p:cond delay="0"/>
+                            </p:stCondLst>
+                            <p:childTnLst>
+                              <p:par>
+                                <p:cTn id="5" presetID="42" presetClass="entr" presetSubtype="0" fill="hold" nodeType="clickEffect">
+                                  <p:stCondLst>
+                                    <p:cond delay="0"/>
+                                  </p:stCondLst>
+                                  <p:childTnLst>
+                                    <p:set>
+                                      <p:cBhvr>
+                                        <p:cTn id="6" dur="1" fill="hold">
+                                          <p:stCondLst>
+                                            <p:cond delay="0"/>
+                                          </p:stCondLst>
+                                        </p:cTn>
+                                        <p:tgtEl>
+                                          <p:spTgt spid="67"/>
+                                        </p:tgtEl>
+                                        <p:attrNameLst>
+                                          <p:attrName>style.visibility</p:attrName>
+                                        </p:attrNameLst>
+                                      </p:cBhvr>
+                                      <p:to>
+                                        <p:strVal val="visible"/>
+                                      </p:to>
+                                    </p:set>
+                                    <p:animEffect transition="in" filter="fade">
+                                      <p:cBhvr>
+                                        <p:cTn id="7" dur="1000"/>
+                                        <p:tgtEl>
+                                          <p:spTgt spid="67"/>
+                                        </p:tgtEl>
+                                      </p:cBhvr>
+                                    </p:animEffect>
+                                    <p:anim calcmode="lin" valueType="num">
+                                      <p:cBhvr>
+                                        <p:cTn id="8" dur="1000" fill="hold"/>
+                                        <p:tgtEl>
+                                          <p:spTgt spid="67"/>
+                                        </p:tgtEl>
+                                        <p:attrNameLst>
+                                          <p:attrName>ppt_x</p:attrName>
+                                        </p:attrNameLst>
+                                      </p:cBhvr>
+                                      <p:tavLst>
+                                        <p:tav tm="0">
+                                          <p:val>
+                                            <p:strVal val="#ppt_x"/>
+                                          </p:val>
+                                        </p:tav>
+                                        <p:tav tm="100000">
+                                          <p:val>
+                                            <p:strVal val="#ppt_x"/>
+                                          </p:val>
+                                        </p:tav>
+                                      </p:tavLst>
+                                    </p:anim>
+                                    <p:anim calcmode="lin" valueType="num">
+                                      <p:cBhvr>
+                                        <p:cTn id="9" dur="1000" fill="hold"/>
+                                        <p:tgtEl>
+                                          <p:spTgt spid="67"/>
+                                        </p:tgtEl>
+                                        <p:attrNameLst>
+                                          <p:attrName>ppt_y</p:attrName>
+                                        </p:attrNameLst>
+                                      </p:cBhvr>
+                                      <p:tavLst>
+                                        <p:tav tm="0">
+                                          <p:val>
+                                            <p:strVal val="#ppt_y+.1"/>
+                                          </p:val>
+                                        </p:tav>
+                                        <p:tav tm="100000">
+                                          <p:val>
+                                            <p:strVal val="#ppt_y"/>
+                                          </p:val>
+                                        </p:tav>
+                                      </p:tavLst>
+                                    </p:anim>
+                                  </p:childTnLst>
+                                </p:cTn>
+                              </p:par>
+                              <p:par>
+                                <p:cTn id="10" presetID="42" presetClass="entr" presetSubtype="0" fill="hold" grpId="0" nodeType="withEffect">
+                                  <p:stCondLst>
+                                    <p:cond delay="0"/>
+                                  </p:stCondLst>
+                                  <p:childTnLst>
+                                    <p:set>
+                                      <p:cBhvr>
+                                        <p:cTn id="11" dur="1" fill="hold">
+                                          <p:stCondLst>
+                                            <p:cond delay="0"/>
+                                          </p:stCondLst>
+                                        </p:cTn>
+                                        <p:tgtEl>
+                                          <p:spTgt spid="68"/>
+                                        </p:tgtEl>
+                                        <p:attrNameLst>
+                                          <p:attrName>style.visibility</p:attrName>
+                                        </p:attrNameLst>
+                                      </p:cBhvr>
+                                      <p:to>
+                                        <p:strVal val="visible"/>
+                                      </p:to>
+                                    </p:set>
+                                    <p:animEffect transition="in" filter="fade">
+                                      <p:cBhvr>
+                                        <p:cTn id="12" dur="1000"/>
+                                        <p:tgtEl>
+                                          <p:spTgt spid="68"/>
+                                        </p:tgtEl>
+                                      </p:cBhvr>
+                                    </p:animEffect>
+                                    <p:anim calcmode="lin" valueType="num">
+                                      <p:cBhvr>
+                                        <p:cTn id="13" dur="1000" fill="hold"/>
+                                        <p:tgtEl>
+                                          <p:spTgt spid="68"/>
+                                        </p:tgtEl>
+                                        <p:attrNameLst>
+                                          <p:attrName>ppt_x</p:attrName>
+                                        </p:attrNameLst>
+                                      </p:cBhvr>
+                                      <p:tavLst>
+                                        <p:tav tm="0">
+                                          <p:val>
+                                            <p:strVal val="#ppt_x"/>
+                                          </p:val>
+                                        </p:tav>
+                                        <p:tav tm="100000">
+                                          <p:val>
+                                            <p:strVal val="#ppt_x"/>
+                                          </p:val>
+                                        </p:tav>
+                                      </p:tavLst>
+                                    </p:anim>
+                                    <p:anim calcmode="lin" valueType="num">
+                                      <p:cBhvr>
+                                        <p:cTn id="14" dur="1000" fill="hold"/>
+                                        <p:tgtEl>
+                                          <p:spTgt spid="68"/>
+                                        </p:tgtEl>
+                                        <p:attrNameLst>
+                                          <p:attrName>ppt_y</p:attrName>
+                                        </p:attrNameLst>
+                                      </p:cBhvr>
+                                      <p:tavLst>
+                                        <p:tav tm="0">
+                                          <p:val>
+                                            <p:strVal val="#ppt_y+.1"/>
+                                          </p:val>
+                                        </p:tav>
+                                        <p:tav tm="100000">
+                                          <p:val>
+                                            <p:strVal val="#ppt_y"/>
+                                          </p:val>
+                                        </p:tav>
+                                      </p:tavLst>
+                                    </p:anim>
+                                  </p:childTnLst>
+                                </p:cTn>
+                              </p:par>
+                            </p:childTnLst>
+                          </p:cTn>
+                        </p:par>
+                      </p:childTnLst>
+                    </p:cTn>
+                  </p:par>
+                  <p:par>
+                    <p:cTn id="15" fill="hold">
+                      <p:stCondLst>
+                        <p:cond delay="indefinite"/>
+                      </p:stCondLst>
+                      <p:childTnLst>
+                        <p:par>
+                          <p:cTn id="16" fill="hold">
+                            <p:stCondLst>
+                              <p:cond delay="0"/>
+                            </p:stCondLst>
+                            <p:childTnLst>
+                              <p:par>
+                                <p:cTn id="17" presetID="42" presetClass="entr" presetSubtype="0" fill="hold" nodeType="clickEffect">
+                                  <p:stCondLst>
+                                    <p:cond delay="0"/>
+                                  </p:stCondLst>
+                                  <p:childTnLst>
+                                    <p:set>
+                                      <p:cBhvr>
+                                        <p:cTn id="18" dur="1" fill="hold">
+                                          <p:stCondLst>
+                                            <p:cond delay="0"/>
+                                          </p:stCondLst>
+                                        </p:cTn>
+                                        <p:tgtEl>
+                                          <p:spTgt spid="78"/>
+                                        </p:tgtEl>
+                                        <p:attrNameLst>
+                                          <p:attrName>style.visibility</p:attrName>
+                                        </p:attrNameLst>
+                                      </p:cBhvr>
+                                      <p:to>
+                                        <p:strVal val="visible"/>
+                                      </p:to>
+                                    </p:set>
+                                    <p:animEffect transition="in" filter="fade">
+                                      <p:cBhvr>
+                                        <p:cTn id="19" dur="1000"/>
+                                        <p:tgtEl>
+                                          <p:spTgt spid="78"/>
+                                        </p:tgtEl>
+                                      </p:cBhvr>
+                                    </p:animEffect>
+                                    <p:anim calcmode="lin" valueType="num">
+                                      <p:cBhvr>
+                                        <p:cTn id="20" dur="1000" fill="hold"/>
+                                        <p:tgtEl>
+                                          <p:spTgt spid="78"/>
+                                        </p:tgtEl>
+                                        <p:attrNameLst>
+                                          <p:attrName>ppt_x</p:attrName>
+                                        </p:attrNameLst>
+                                      </p:cBhvr>
+                                      <p:tavLst>
+                                        <p:tav tm="0">
+                                          <p:val>
+                                            <p:strVal val="#ppt_x"/>
+                                          </p:val>
+                                        </p:tav>
+                                        <p:tav tm="100000">
+                                          <p:val>
+                                            <p:strVal val="#ppt_x"/>
+                                          </p:val>
+                                        </p:tav>
+                                      </p:tavLst>
+                                    </p:anim>
+                                    <p:anim calcmode="lin" valueType="num">
+                                      <p:cBhvr>
+                                        <p:cTn id="21" dur="1000" fill="hold"/>
+                                        <p:tgtEl>
+                                          <p:spTgt spid="78"/>
+                                        </p:tgtEl>
+                                        <p:attrNameLst>
+                                          <p:attrName>ppt_y</p:attrName>
+                                        </p:attrNameLst>
+                                      </p:cBhvr>
+                                      <p:tavLst>
+                                        <p:tav tm="0">
+                                          <p:val>
+                                            <p:strVal val="#ppt_y+.1"/>
+                                          </p:val>
+                                        </p:tav>
+                                        <p:tav tm="100000">
+                                          <p:val>
+                                            <p:strVal val="#ppt_y"/>
+                                          </p:val>
+                                        </p:tav>
+                                      </p:tavLst>
+                                    </p:anim>
+                                  </p:childTnLst>
+                                </p:cTn>
+                              </p:par>
+                              <p:par>
+                                <p:cTn id="22" presetID="42" presetClass="entr" presetSubtype="0" fill="hold" grpId="0" nodeType="withEffect">
+                                  <p:stCondLst>
+                                    <p:cond delay="0"/>
+                                  </p:stCondLst>
+                                  <p:childTnLst>
+                                    <p:set>
+                                      <p:cBhvr>
+                                        <p:cTn id="23" dur="1" fill="hold">
+                                          <p:stCondLst>
+                                            <p:cond delay="0"/>
+                                          </p:stCondLst>
+                                        </p:cTn>
+                                        <p:tgtEl>
+                                          <p:spTgt spid="69"/>
+                                        </p:tgtEl>
+                                        <p:attrNameLst>
+                                          <p:attrName>style.visibility</p:attrName>
+                                        </p:attrNameLst>
+                                      </p:cBhvr>
+                                      <p:to>
+                                        <p:strVal val="visible"/>
+                                      </p:to>
+                                    </p:set>
+                                    <p:animEffect transition="in" filter="fade">
+                                      <p:cBhvr>
+                                        <p:cTn id="24" dur="1000"/>
+                                        <p:tgtEl>
+                                          <p:spTgt spid="69"/>
+                                        </p:tgtEl>
+                                      </p:cBhvr>
+                                    </p:animEffect>
+                                    <p:anim calcmode="lin" valueType="num">
+                                      <p:cBhvr>
+                                        <p:cTn id="25" dur="1000" fill="hold"/>
+                                        <p:tgtEl>
+                                          <p:spTgt spid="69"/>
+                                        </p:tgtEl>
+                                        <p:attrNameLst>
+                                          <p:attrName>ppt_x</p:attrName>
+                                        </p:attrNameLst>
+                                      </p:cBhvr>
+                                      <p:tavLst>
+                                        <p:tav tm="0">
+                                          <p:val>
+                                            <p:strVal val="#ppt_x"/>
+                                          </p:val>
+                                        </p:tav>
+                                        <p:tav tm="100000">
+                                          <p:val>
+                                            <p:strVal val="#ppt_x"/>
+                                          </p:val>
+                                        </p:tav>
+                                      </p:tavLst>
+                                    </p:anim>
+                                    <p:anim calcmode="lin" valueType="num">
+                                      <p:cBhvr>
+                                        <p:cTn id="26" dur="1000" fill="hold"/>
+                                        <p:tgtEl>
+                                          <p:spTgt spid="69"/>
+                                        </p:tgtEl>
+                                        <p:attrNameLst>
+                                          <p:attrName>ppt_y</p:attrName>
+                                        </p:attrNameLst>
+                                      </p:cBhvr>
+                                      <p:tavLst>
+                                        <p:tav tm="0">
+                                          <p:val>
+                                            <p:strVal val="#ppt_y+.1"/>
+                                          </p:val>
+                                        </p:tav>
+                                        <p:tav tm="100000">
+                                          <p:val>
+                                            <p:strVal val="#ppt_y"/>
+                                          </p:val>
+                                        </p:tav>
+                                      </p:tavLst>
+                                    </p:anim>
+                                  </p:childTnLst>
+                                </p:cTn>
+                              </p:par>
+                              <p:par>
+                                <p:cTn id="27" presetID="42" presetClass="entr" presetSubtype="0" fill="hold" nodeType="withEffect">
+                                  <p:stCondLst>
+                                    <p:cond delay="0"/>
+                                  </p:stCondLst>
+                                  <p:childTnLst>
+                                    <p:set>
+                                      <p:cBhvr>
+                                        <p:cTn id="28" dur="1" fill="hold">
+                                          <p:stCondLst>
+                                            <p:cond delay="0"/>
+                                          </p:stCondLst>
+                                        </p:cTn>
+                                        <p:tgtEl>
+                                          <p:spTgt spid="74"/>
+                                        </p:tgtEl>
+                                        <p:attrNameLst>
+                                          <p:attrName>style.visibility</p:attrName>
+                                        </p:attrNameLst>
+                                      </p:cBhvr>
+                                      <p:to>
+                                        <p:strVal val="visible"/>
+                                      </p:to>
+                                    </p:set>
+                                    <p:animEffect transition="in" filter="fade">
+                                      <p:cBhvr>
+                                        <p:cTn id="29" dur="1000"/>
+                                        <p:tgtEl>
+                                          <p:spTgt spid="74"/>
+                                        </p:tgtEl>
+                                      </p:cBhvr>
+                                    </p:animEffect>
+                                    <p:anim calcmode="lin" valueType="num">
+                                      <p:cBhvr>
+                                        <p:cTn id="30" dur="1000" fill="hold"/>
+                                        <p:tgtEl>
+                                          <p:spTgt spid="74"/>
+                                        </p:tgtEl>
+                                        <p:attrNameLst>
+                                          <p:attrName>ppt_x</p:attrName>
+                                        </p:attrNameLst>
+                                      </p:cBhvr>
+                                      <p:tavLst>
+                                        <p:tav tm="0">
+                                          <p:val>
+                                            <p:strVal val="#ppt_x"/>
+                                          </p:val>
+                                        </p:tav>
+                                        <p:tav tm="100000">
+                                          <p:val>
+                                            <p:strVal val="#ppt_x"/>
+                                          </p:val>
+                                        </p:tav>
+                                      </p:tavLst>
+                                    </p:anim>
+                                    <p:anim calcmode="lin" valueType="num">
+                                      <p:cBhvr>
+                                        <p:cTn id="31" dur="1000" fill="hold"/>
+                                        <p:tgtEl>
+                                          <p:spTgt spid="74"/>
+                                        </p:tgtEl>
+                                        <p:attrNameLst>
+                                          <p:attrName>ppt_y</p:attrName>
+                                        </p:attrNameLst>
+                                      </p:cBhvr>
+                                      <p:tavLst>
+                                        <p:tav tm="0">
+                                          <p:val>
+                                            <p:strVal val="#ppt_y+.1"/>
+                                          </p:val>
+                                        </p:tav>
+                                        <p:tav tm="100000">
+                                          <p:val>
+                                            <p:strVal val="#ppt_y"/>
+                                          </p:val>
+                                        </p:tav>
+                                      </p:tavLst>
+                                    </p:anim>
+                                  </p:childTnLst>
+                                </p:cTn>
+                              </p:par>
+                              <p:par>
+                                <p:cTn id="32" presetID="42" presetClass="entr" presetSubtype="0" fill="hold" nodeType="withEffect">
+                                  <p:stCondLst>
+                                    <p:cond delay="0"/>
+                                  </p:stCondLst>
+                                  <p:childTnLst>
+                                    <p:set>
+                                      <p:cBhvr>
+                                        <p:cTn id="33" dur="1" fill="hold">
+                                          <p:stCondLst>
+                                            <p:cond delay="0"/>
+                                          </p:stCondLst>
+                                        </p:cTn>
+                                        <p:tgtEl>
+                                          <p:spTgt spid="75"/>
+                                        </p:tgtEl>
+                                        <p:attrNameLst>
+                                          <p:attrName>style.visibility</p:attrName>
+                                        </p:attrNameLst>
+                                      </p:cBhvr>
+                                      <p:to>
+                                        <p:strVal val="visible"/>
+                                      </p:to>
+                                    </p:set>
+                                    <p:animEffect transition="in" filter="fade">
+                                      <p:cBhvr>
+                                        <p:cTn id="34" dur="1000"/>
+                                        <p:tgtEl>
+                                          <p:spTgt spid="75"/>
+                                        </p:tgtEl>
+                                      </p:cBhvr>
+                                    </p:animEffect>
+                                    <p:anim calcmode="lin" valueType="num">
+                                      <p:cBhvr>
+                                        <p:cTn id="35" dur="1000" fill="hold"/>
+                                        <p:tgtEl>
+                                          <p:spTgt spid="75"/>
+                                        </p:tgtEl>
+                                        <p:attrNameLst>
+                                          <p:attrName>ppt_x</p:attrName>
+                                        </p:attrNameLst>
+                                      </p:cBhvr>
+                                      <p:tavLst>
+                                        <p:tav tm="0">
+                                          <p:val>
+                                            <p:strVal val="#ppt_x"/>
+                                          </p:val>
+                                        </p:tav>
+                                        <p:tav tm="100000">
+                                          <p:val>
+                                            <p:strVal val="#ppt_x"/>
+                                          </p:val>
+                                        </p:tav>
+                                      </p:tavLst>
+                                    </p:anim>
+                                    <p:anim calcmode="lin" valueType="num">
+                                      <p:cBhvr>
+                                        <p:cTn id="36" dur="1000" fill="hold"/>
+                                        <p:tgtEl>
+                                          <p:spTgt spid="75"/>
+                                        </p:tgtEl>
+                                        <p:attrNameLst>
+                                          <p:attrName>ppt_y</p:attrName>
+                                        </p:attrNameLst>
+                                      </p:cBhvr>
+                                      <p:tavLst>
+                                        <p:tav tm="0">
+                                          <p:val>
+                                            <p:strVal val="#ppt_y+.1"/>
+                                          </p:val>
+                                        </p:tav>
+                                        <p:tav tm="100000">
+                                          <p:val>
+                                            <p:strVal val="#ppt_y"/>
+                                          </p:val>
+                                        </p:tav>
+                                      </p:tavLst>
+                                    </p:anim>
+                                  </p:childTnLst>
+                                </p:cTn>
+                              </p:par>
+                              <p:par>
+                                <p:cTn id="37" presetID="42" presetClass="entr" presetSubtype="0" fill="hold" nodeType="withEffect">
+                                  <p:stCondLst>
+                                    <p:cond delay="0"/>
+                                  </p:stCondLst>
+                                  <p:childTnLst>
+                                    <p:set>
+                                      <p:cBhvr>
+                                        <p:cTn id="38" dur="1" fill="hold">
+                                          <p:stCondLst>
+                                            <p:cond delay="0"/>
+                                          </p:stCondLst>
+                                        </p:cTn>
+                                        <p:tgtEl>
+                                          <p:spTgt spid="76"/>
+                                        </p:tgtEl>
+                                        <p:attrNameLst>
+                                          <p:attrName>style.visibility</p:attrName>
+                                        </p:attrNameLst>
+                                      </p:cBhvr>
+                                      <p:to>
+                                        <p:strVal val="visible"/>
+                                      </p:to>
+                                    </p:set>
+                                    <p:animEffect transition="in" filter="fade">
+                                      <p:cBhvr>
+                                        <p:cTn id="39" dur="1000"/>
+                                        <p:tgtEl>
+                                          <p:spTgt spid="76"/>
+                                        </p:tgtEl>
+                                      </p:cBhvr>
+                                    </p:animEffect>
+                                    <p:anim calcmode="lin" valueType="num">
+                                      <p:cBhvr>
+                                        <p:cTn id="40" dur="1000" fill="hold"/>
+                                        <p:tgtEl>
+                                          <p:spTgt spid="76"/>
+                                        </p:tgtEl>
+                                        <p:attrNameLst>
+                                          <p:attrName>ppt_x</p:attrName>
+                                        </p:attrNameLst>
+                                      </p:cBhvr>
+                                      <p:tavLst>
+                                        <p:tav tm="0">
+                                          <p:val>
+                                            <p:strVal val="#ppt_x"/>
+                                          </p:val>
+                                        </p:tav>
+                                        <p:tav tm="100000">
+                                          <p:val>
+                                            <p:strVal val="#ppt_x"/>
+                                          </p:val>
+                                        </p:tav>
+                                      </p:tavLst>
+                                    </p:anim>
+                                    <p:anim calcmode="lin" valueType="num">
+                                      <p:cBhvr>
+                                        <p:cTn id="41" dur="1000" fill="hold"/>
+                                        <p:tgtEl>
+                                          <p:spTgt spid="76"/>
+                                        </p:tgtEl>
+                                        <p:attrNameLst>
+                                          <p:attrName>ppt_y</p:attrName>
+                                        </p:attrNameLst>
+                                      </p:cBhvr>
+                                      <p:tavLst>
+                                        <p:tav tm="0">
+                                          <p:val>
+                                            <p:strVal val="#ppt_y+.1"/>
+                                          </p:val>
+                                        </p:tav>
+                                        <p:tav tm="100000">
+                                          <p:val>
+                                            <p:strVal val="#ppt_y"/>
+                                          </p:val>
+                                        </p:tav>
+                                      </p:tavLst>
+                                    </p:anim>
+                                  </p:childTnLst>
+                                </p:cTn>
+                              </p:par>
+                              <p:par>
+                                <p:cTn id="42" presetID="42" presetClass="entr" presetSubtype="0" fill="hold" nodeType="withEffect">
+                                  <p:stCondLst>
+                                    <p:cond delay="0"/>
+                                  </p:stCondLst>
+                                  <p:childTnLst>
+                                    <p:set>
+                                      <p:cBhvr>
+                                        <p:cTn id="43" dur="1" fill="hold">
+                                          <p:stCondLst>
+                                            <p:cond delay="0"/>
+                                          </p:stCondLst>
+                                        </p:cTn>
+                                        <p:tgtEl>
+                                          <p:spTgt spid="77"/>
+                                        </p:tgtEl>
+                                        <p:attrNameLst>
+                                          <p:attrName>style.visibility</p:attrName>
+                                        </p:attrNameLst>
+                                      </p:cBhvr>
+                                      <p:to>
+                                        <p:strVal val="visible"/>
+                                      </p:to>
+                                    </p:set>
+                                    <p:animEffect transition="in" filter="fade">
+                                      <p:cBhvr>
+                                        <p:cTn id="44" dur="1000"/>
+                                        <p:tgtEl>
+                                          <p:spTgt spid="77"/>
+                                        </p:tgtEl>
+                                      </p:cBhvr>
+                                    </p:animEffect>
+                                    <p:anim calcmode="lin" valueType="num">
+                                      <p:cBhvr>
+                                        <p:cTn id="45" dur="1000" fill="hold"/>
+                                        <p:tgtEl>
+                                          <p:spTgt spid="77"/>
+                                        </p:tgtEl>
+                                        <p:attrNameLst>
+                                          <p:attrName>ppt_x</p:attrName>
+                                        </p:attrNameLst>
+                                      </p:cBhvr>
+                                      <p:tavLst>
+                                        <p:tav tm="0">
+                                          <p:val>
+                                            <p:strVal val="#ppt_x"/>
+                                          </p:val>
+                                        </p:tav>
+                                        <p:tav tm="100000">
+                                          <p:val>
+                                            <p:strVal val="#ppt_x"/>
+                                          </p:val>
+                                        </p:tav>
+                                      </p:tavLst>
+                                    </p:anim>
+                                    <p:anim calcmode="lin" valueType="num">
+                                      <p:cBhvr>
+                                        <p:cTn id="46" dur="1000" fill="hold"/>
+                                        <p:tgtEl>
+                                          <p:spTgt spid="77"/>
+                                        </p:tgtEl>
+                                        <p:attrNameLst>
+                                          <p:attrName>ppt_y</p:attrName>
+                                        </p:attrNameLst>
+                                      </p:cBhvr>
+                                      <p:tavLst>
+                                        <p:tav tm="0">
+                                          <p:val>
+                                            <p:strVal val="#ppt_y+.1"/>
+                                          </p:val>
+                                        </p:tav>
+                                        <p:tav tm="100000">
+                                          <p:val>
+                                            <p:strVal val="#ppt_y"/>
+                                          </p:val>
+                                        </p:tav>
+                                      </p:tavLst>
+                                    </p:anim>
+                                  </p:childTnLst>
+                                </p:cTn>
+                              </p:par>
+                            </p:childTnLst>
+                          </p:cTn>
+                        </p:par>
+                      </p:childTnLst>
+                    </p:cTn>
+                  </p:par>
+                  <p:par>
+                    <p:cTn id="47" fill="hold">
+                      <p:stCondLst>
+                        <p:cond delay="indefinite"/>
+                      </p:stCondLst>
+                      <p:childTnLst>
+                        <p:par>
+                          <p:cTn id="48" fill="hold">
+                            <p:stCondLst>
+                              <p:cond delay="0"/>
+                            </p:stCondLst>
+                            <p:childTnLst>
+                              <p:par>
+                                <p:cTn id="49" presetID="42" presetClass="entr" presetSubtype="0" fill="hold" nodeType="clickEffect">
+                                  <p:stCondLst>
+                                    <p:cond delay="0"/>
+                                  </p:stCondLst>
+                                  <p:childTnLst>
+                                    <p:set>
+                                      <p:cBhvr>
+                                        <p:cTn id="50" dur="1" fill="hold">
+                                          <p:stCondLst>
+                                            <p:cond delay="0"/>
+                                          </p:stCondLst>
+                                        </p:cTn>
+                                        <p:tgtEl>
+                                          <p:spTgt spid="71"/>
+                                        </p:tgtEl>
+                                        <p:attrNameLst>
+                                          <p:attrName>style.visibility</p:attrName>
+                                        </p:attrNameLst>
+                                      </p:cBhvr>
+                                      <p:to>
+                                        <p:strVal val="visible"/>
+                                      </p:to>
+                                    </p:set>
+                                    <p:animEffect transition="in" filter="fade">
+                                      <p:cBhvr>
+                                        <p:cTn id="51" dur="1000"/>
+                                        <p:tgtEl>
+                                          <p:spTgt spid="71"/>
+                                        </p:tgtEl>
+                                      </p:cBhvr>
+                                    </p:animEffect>
+                                    <p:anim calcmode="lin" valueType="num">
+                                      <p:cBhvr>
+                                        <p:cTn id="52" dur="1000" fill="hold"/>
+                                        <p:tgtEl>
+                                          <p:spTgt spid="71"/>
+                                        </p:tgtEl>
+                                        <p:attrNameLst>
+                                          <p:attrName>ppt_x</p:attrName>
+                                        </p:attrNameLst>
+                                      </p:cBhvr>
+                                      <p:tavLst>
+                                        <p:tav tm="0">
+                                          <p:val>
+                                            <p:strVal val="#ppt_x"/>
+                                          </p:val>
+                                        </p:tav>
+                                        <p:tav tm="100000">
+                                          <p:val>
+                                            <p:strVal val="#ppt_x"/>
+                                          </p:val>
+                                        </p:tav>
+                                      </p:tavLst>
+                                    </p:anim>
+                                    <p:anim calcmode="lin" valueType="num">
+                                      <p:cBhvr>
+                                        <p:cTn id="53" dur="1000" fill="hold"/>
+                                        <p:tgtEl>
+                                          <p:spTgt spid="71"/>
+                                        </p:tgtEl>
+                                        <p:attrNameLst>
+                                          <p:attrName>ppt_y</p:attrName>
+                                        </p:attrNameLst>
+                                      </p:cBhvr>
+                                      <p:tavLst>
+                                        <p:tav tm="0">
+                                          <p:val>
+                                            <p:strVal val="#ppt_y+.1"/>
+                                          </p:val>
+                                        </p:tav>
+                                        <p:tav tm="100000">
+                                          <p:val>
+                                            <p:strVal val="#ppt_y"/>
+                                          </p:val>
+                                        </p:tav>
+                                      </p:tavLst>
+                                    </p:anim>
+                                  </p:childTnLst>
+                                </p:cTn>
+                              </p:par>
+                              <p:par>
+                                <p:cTn id="54" presetID="42" presetClass="entr" presetSubtype="0" fill="hold" nodeType="withEffect">
+                                  <p:stCondLst>
+                                    <p:cond delay="0"/>
+                                  </p:stCondLst>
+                                  <p:childTnLst>
+                                    <p:set>
+                                      <p:cBhvr>
+                                        <p:cTn id="55" dur="1" fill="hold">
+                                          <p:stCondLst>
+                                            <p:cond delay="0"/>
+                                          </p:stCondLst>
+                                        </p:cTn>
+                                        <p:tgtEl>
+                                          <p:spTgt spid="70"/>
+                                        </p:tgtEl>
+                                        <p:attrNameLst>
+                                          <p:attrName>style.visibility</p:attrName>
+                                        </p:attrNameLst>
+                                      </p:cBhvr>
+                                      <p:to>
+                                        <p:strVal val="visible"/>
+                                      </p:to>
+                                    </p:set>
+                                    <p:animEffect transition="in" filter="fade">
+                                      <p:cBhvr>
+                                        <p:cTn id="56" dur="1000"/>
+                                        <p:tgtEl>
+                                          <p:spTgt spid="70"/>
+                                        </p:tgtEl>
+                                      </p:cBhvr>
+                                    </p:animEffect>
+                                    <p:anim calcmode="lin" valueType="num">
+                                      <p:cBhvr>
+                                        <p:cTn id="57" dur="1000" fill="hold"/>
+                                        <p:tgtEl>
+                                          <p:spTgt spid="70"/>
+                                        </p:tgtEl>
+                                        <p:attrNameLst>
+                                          <p:attrName>ppt_x</p:attrName>
+                                        </p:attrNameLst>
+                                      </p:cBhvr>
+                                      <p:tavLst>
+                                        <p:tav tm="0">
+                                          <p:val>
+                                            <p:strVal val="#ppt_x"/>
+                                          </p:val>
+                                        </p:tav>
+                                        <p:tav tm="100000">
+                                          <p:val>
+                                            <p:strVal val="#ppt_x"/>
+                                          </p:val>
+                                        </p:tav>
+                                      </p:tavLst>
+                                    </p:anim>
+                                    <p:anim calcmode="lin" valueType="num">
+                                      <p:cBhvr>
+                                        <p:cTn id="58" dur="1000" fill="hold"/>
+                                        <p:tgtEl>
+                                          <p:spTgt spid="70"/>
+                                        </p:tgtEl>
+                                        <p:attrNameLst>
+                                          <p:attrName>ppt_y</p:attrName>
+                                        </p:attrNameLst>
+                                      </p:cBhvr>
+                                      <p:tavLst>
+                                        <p:tav tm="0">
+                                          <p:val>
+                                            <p:strVal val="#ppt_y+.1"/>
+                                          </p:val>
+                                        </p:tav>
+                                        <p:tav tm="100000">
+                                          <p:val>
+                                            <p:strVal val="#ppt_y"/>
+                                          </p:val>
+                                        </p:tav>
+                                      </p:tavLst>
+                                    </p:anim>
+                                  </p:childTnLst>
+                                </p:cTn>
+                              </p:par>
+                              <p:par>
+                                <p:cTn id="59" presetID="42" presetClass="entr" presetSubtype="0" fill="hold" nodeType="withEffect">
+                                  <p:stCondLst>
+                                    <p:cond delay="0"/>
+                                  </p:stCondLst>
+                                  <p:childTnLst>
+                                    <p:set>
+                                      <p:cBhvr>
+                                        <p:cTn id="60" dur="1" fill="hold">
+                                          <p:stCondLst>
+                                            <p:cond delay="0"/>
+                                          </p:stCondLst>
+                                        </p:cTn>
+                                        <p:tgtEl>
+                                          <p:spTgt spid="73"/>
+                                        </p:tgtEl>
+                                        <p:attrNameLst>
+                                          <p:attrName>style.visibility</p:attrName>
+                                        </p:attrNameLst>
+                                      </p:cBhvr>
+                                      <p:to>
+                                        <p:strVal val="visible"/>
+                                      </p:to>
+                                    </p:set>
+                                    <p:animEffect transition="in" filter="fade">
+                                      <p:cBhvr>
+                                        <p:cTn id="61" dur="1000"/>
+                                        <p:tgtEl>
+                                          <p:spTgt spid="73"/>
+                                        </p:tgtEl>
+                                      </p:cBhvr>
+                                    </p:animEffect>
+                                    <p:anim calcmode="lin" valueType="num">
+                                      <p:cBhvr>
+                                        <p:cTn id="62" dur="1000" fill="hold"/>
+                                        <p:tgtEl>
+                                          <p:spTgt spid="73"/>
+                                        </p:tgtEl>
+                                        <p:attrNameLst>
+                                          <p:attrName>ppt_x</p:attrName>
+                                        </p:attrNameLst>
+                                      </p:cBhvr>
+                                      <p:tavLst>
+                                        <p:tav tm="0">
+                                          <p:val>
+                                            <p:strVal val="#ppt_x"/>
+                                          </p:val>
+                                        </p:tav>
+                                        <p:tav tm="100000">
+                                          <p:val>
+                                            <p:strVal val="#ppt_x"/>
+                                          </p:val>
+                                        </p:tav>
+                                      </p:tavLst>
+                                    </p:anim>
+                                    <p:anim calcmode="lin" valueType="num">
+                                      <p:cBhvr>
+                                        <p:cTn id="63" dur="1000" fill="hold"/>
+                                        <p:tgtEl>
+                                          <p:spTgt spid="73"/>
+                                        </p:tgtEl>
+                                        <p:attrNameLst>
+                                          <p:attrName>ppt_y</p:attrName>
+                                        </p:attrNameLst>
+                                      </p:cBhvr>
+                                      <p:tavLst>
+                                        <p:tav tm="0">
+                                          <p:val>
+                                            <p:strVal val="#ppt_y+.1"/>
+                                          </p:val>
+                                        </p:tav>
+                                        <p:tav tm="100000">
+                                          <p:val>
+                                            <p:strVal val="#ppt_y"/>
+                                          </p:val>
+                                        </p:tav>
+                                      </p:tavLst>
+                                    </p:anim>
+                                  </p:childTnLst>
+                                </p:cTn>
+                              </p:par>
+                              <p:par>
+                                <p:cTn id="64" presetID="42" presetClass="entr" presetSubtype="0" fill="hold" nodeType="withEffect">
+                                  <p:stCondLst>
+                                    <p:cond delay="0"/>
+                                  </p:stCondLst>
+                                  <p:childTnLst>
+                                    <p:set>
+                                      <p:cBhvr>
+                                        <p:cTn id="65" dur="1" fill="hold">
+                                          <p:stCondLst>
+                                            <p:cond delay="0"/>
+                                          </p:stCondLst>
+                                        </p:cTn>
+                                        <p:tgtEl>
+                                          <p:spTgt spid="72"/>
+                                        </p:tgtEl>
+                                        <p:attrNameLst>
+                                          <p:attrName>style.visibility</p:attrName>
+                                        </p:attrNameLst>
+                                      </p:cBhvr>
+                                      <p:to>
+                                        <p:strVal val="visible"/>
+                                      </p:to>
+                                    </p:set>
+                                    <p:animEffect transition="in" filter="fade">
+                                      <p:cBhvr>
+                                        <p:cTn id="66" dur="1000"/>
+                                        <p:tgtEl>
+                                          <p:spTgt spid="72"/>
+                                        </p:tgtEl>
+                                      </p:cBhvr>
+                                    </p:animEffect>
+                                    <p:anim calcmode="lin" valueType="num">
+                                      <p:cBhvr>
+                                        <p:cTn id="67" dur="1000" fill="hold"/>
+                                        <p:tgtEl>
+                                          <p:spTgt spid="72"/>
+                                        </p:tgtEl>
+                                        <p:attrNameLst>
+                                          <p:attrName>ppt_x</p:attrName>
+                                        </p:attrNameLst>
+                                      </p:cBhvr>
+                                      <p:tavLst>
+                                        <p:tav tm="0">
+                                          <p:val>
+                                            <p:strVal val="#ppt_x"/>
+                                          </p:val>
+                                        </p:tav>
+                                        <p:tav tm="100000">
+                                          <p:val>
+                                            <p:strVal val="#ppt_x"/>
+                                          </p:val>
+                                        </p:tav>
+                                      </p:tavLst>
+                                    </p:anim>
+                                    <p:anim calcmode="lin" valueType="num">
+                                      <p:cBhvr>
+                                        <p:cTn id="68" dur="1000" fill="hold"/>
+                                        <p:tgtEl>
+                                          <p:spTgt spid="72"/>
+                                        </p:tgtEl>
+                                        <p:attrNameLst>
+                                          <p:attrName>ppt_y</p:attrName>
+                                        </p:attrNameLst>
+                                      </p:cBhvr>
+                                      <p:tavLst>
+                                        <p:tav tm="0">
+                                          <p:val>
+                                            <p:strVal val="#ppt_y+.1"/>
+                                          </p:val>
+                                        </p:tav>
+                                        <p:tav tm="100000">
+                                          <p:val>
+                                            <p:strVal val="#ppt_y"/>
+                                          </p:val>
+                                        </p:tav>
+                                      </p:tavLst>
+                                    </p:anim>
+                                  </p:childTnLst>
+                                </p:cTn>
+                              </p:par>
+                            </p:childTnLst>
+                          </p:cTn>
+                        </p:par>
+                      </p:childTnLst>
+                    </p:cTn>
+                  </p:par>
+                </p:childTnLst>
+              </p:cTn>
+              <p:prevCondLst>
+                <p:cond evt="onPrev" delay="0">
+                  <p:tgtEl>
+                    <p:sldTgt/>
+                  </p:tgtEl>
+                </p:cond>
+              </p:prevCondLst>
+              <p:nextCondLst>
+                <p:cond evt="onNext" delay="0">
+                  <p:tgtEl>
+                    <p:sldTgt/>
+                  </p:tgtEl>
+                </p:cond>
+              </p:nextCondLst>
+            </p:seq>
+          </p:childTnLst>
+        </p:cTn>
+      </p:par>
+    </p:tnLst>
+    <p:bldLst>
+      <p:bldP spid="68" grpId="0"/>
+      <p:bldP spid="69" grpId="0"/>
+    </p:bldLst>
+  </p:timing>
 </p:sld>
 </file>
 
@@ -7643,6 +8703,410 @@
       </p:transition>
     </mc:Fallback>
   </mc:AlternateContent>
+  <p:timing>
+    <p:tnLst>
+      <p:par>
+        <p:cTn id="1" dur="indefinite" restart="never" nodeType="tmRoot">
+          <p:childTnLst>
+            <p:seq concurrent="1" nextAc="seek">
+              <p:cTn id="2" dur="indefinite" nodeType="mainSeq">
+                <p:childTnLst>
+                  <p:par>
+                    <p:cTn id="3" fill="hold">
+                      <p:stCondLst>
+                        <p:cond delay="indefinite"/>
+                      </p:stCondLst>
+                      <p:childTnLst>
+                        <p:par>
+                          <p:cTn id="4" fill="hold">
+                            <p:stCondLst>
+                              <p:cond delay="0"/>
+                            </p:stCondLst>
+                            <p:childTnLst>
+                              <p:par>
+                                <p:cTn id="5" presetID="10" presetClass="entr" presetSubtype="0" fill="hold" nodeType="clickEffect">
+                                  <p:stCondLst>
+                                    <p:cond delay="0"/>
+                                  </p:stCondLst>
+                                  <p:childTnLst>
+                                    <p:set>
+                                      <p:cBhvr>
+                                        <p:cTn id="6" dur="1" fill="hold">
+                                          <p:stCondLst>
+                                            <p:cond delay="0"/>
+                                          </p:stCondLst>
+                                        </p:cTn>
+                                        <p:tgtEl>
+                                          <p:spTgt spid="5"/>
+                                        </p:tgtEl>
+                                        <p:attrNameLst>
+                                          <p:attrName>style.visibility</p:attrName>
+                                        </p:attrNameLst>
+                                      </p:cBhvr>
+                                      <p:to>
+                                        <p:strVal val="visible"/>
+                                      </p:to>
+                                    </p:set>
+                                    <p:animEffect transition="in" filter="fade">
+                                      <p:cBhvr>
+                                        <p:cTn id="7" dur="500"/>
+                                        <p:tgtEl>
+                                          <p:spTgt spid="5"/>
+                                        </p:tgtEl>
+                                      </p:cBhvr>
+                                    </p:animEffect>
+                                  </p:childTnLst>
+                                </p:cTn>
+                              </p:par>
+                              <p:par>
+                                <p:cTn id="8" presetID="10" presetClass="entr" presetSubtype="0" fill="hold" grpId="0" nodeType="withEffect">
+                                  <p:stCondLst>
+                                    <p:cond delay="0"/>
+                                  </p:stCondLst>
+                                  <p:childTnLst>
+                                    <p:set>
+                                      <p:cBhvr>
+                                        <p:cTn id="9" dur="1" fill="hold">
+                                          <p:stCondLst>
+                                            <p:cond delay="0"/>
+                                          </p:stCondLst>
+                                        </p:cTn>
+                                        <p:tgtEl>
+                                          <p:spTgt spid="3"/>
+                                        </p:tgtEl>
+                                        <p:attrNameLst>
+                                          <p:attrName>style.visibility</p:attrName>
+                                        </p:attrNameLst>
+                                      </p:cBhvr>
+                                      <p:to>
+                                        <p:strVal val="visible"/>
+                                      </p:to>
+                                    </p:set>
+                                    <p:animEffect transition="in" filter="fade">
+                                      <p:cBhvr>
+                                        <p:cTn id="10" dur="500"/>
+                                        <p:tgtEl>
+                                          <p:spTgt spid="3"/>
+                                        </p:tgtEl>
+                                      </p:cBhvr>
+                                    </p:animEffect>
+                                  </p:childTnLst>
+                                </p:cTn>
+                              </p:par>
+                              <p:par>
+                                <p:cTn id="11" presetID="10" presetClass="entr" presetSubtype="0" fill="hold" nodeType="withEffect">
+                                  <p:stCondLst>
+                                    <p:cond delay="0"/>
+                                  </p:stCondLst>
+                                  <p:childTnLst>
+                                    <p:set>
+                                      <p:cBhvr>
+                                        <p:cTn id="12" dur="1" fill="hold">
+                                          <p:stCondLst>
+                                            <p:cond delay="0"/>
+                                          </p:stCondLst>
+                                        </p:cTn>
+                                        <p:tgtEl>
+                                          <p:spTgt spid="31"/>
+                                        </p:tgtEl>
+                                        <p:attrNameLst>
+                                          <p:attrName>style.visibility</p:attrName>
+                                        </p:attrNameLst>
+                                      </p:cBhvr>
+                                      <p:to>
+                                        <p:strVal val="visible"/>
+                                      </p:to>
+                                    </p:set>
+                                    <p:animEffect transition="in" filter="fade">
+                                      <p:cBhvr>
+                                        <p:cTn id="13" dur="500"/>
+                                        <p:tgtEl>
+                                          <p:spTgt spid="31"/>
+                                        </p:tgtEl>
+                                      </p:cBhvr>
+                                    </p:animEffect>
+                                  </p:childTnLst>
+                                </p:cTn>
+                              </p:par>
+                            </p:childTnLst>
+                          </p:cTn>
+                        </p:par>
+                      </p:childTnLst>
+                    </p:cTn>
+                  </p:par>
+                  <p:par>
+                    <p:cTn id="14" fill="hold">
+                      <p:stCondLst>
+                        <p:cond delay="indefinite"/>
+                      </p:stCondLst>
+                      <p:childTnLst>
+                        <p:par>
+                          <p:cTn id="15" fill="hold">
+                            <p:stCondLst>
+                              <p:cond delay="0"/>
+                            </p:stCondLst>
+                            <p:childTnLst>
+                              <p:par>
+                                <p:cTn id="16" presetID="10" presetClass="entr" presetSubtype="0" fill="hold" nodeType="clickEffect">
+                                  <p:stCondLst>
+                                    <p:cond delay="0"/>
+                                  </p:stCondLst>
+                                  <p:childTnLst>
+                                    <p:set>
+                                      <p:cBhvr>
+                                        <p:cTn id="17" dur="1" fill="hold">
+                                          <p:stCondLst>
+                                            <p:cond delay="0"/>
+                                          </p:stCondLst>
+                                        </p:cTn>
+                                        <p:tgtEl>
+                                          <p:spTgt spid="11"/>
+                                        </p:tgtEl>
+                                        <p:attrNameLst>
+                                          <p:attrName>style.visibility</p:attrName>
+                                        </p:attrNameLst>
+                                      </p:cBhvr>
+                                      <p:to>
+                                        <p:strVal val="visible"/>
+                                      </p:to>
+                                    </p:set>
+                                    <p:animEffect transition="in" filter="fade">
+                                      <p:cBhvr>
+                                        <p:cTn id="18" dur="500"/>
+                                        <p:tgtEl>
+                                          <p:spTgt spid="11"/>
+                                        </p:tgtEl>
+                                      </p:cBhvr>
+                                    </p:animEffect>
+                                  </p:childTnLst>
+                                </p:cTn>
+                              </p:par>
+                              <p:par>
+                                <p:cTn id="19" presetID="10" presetClass="entr" presetSubtype="0" fill="hold" grpId="0" nodeType="withEffect">
+                                  <p:stCondLst>
+                                    <p:cond delay="0"/>
+                                  </p:stCondLst>
+                                  <p:childTnLst>
+                                    <p:set>
+                                      <p:cBhvr>
+                                        <p:cTn id="20" dur="1" fill="hold">
+                                          <p:stCondLst>
+                                            <p:cond delay="0"/>
+                                          </p:stCondLst>
+                                        </p:cTn>
+                                        <p:tgtEl>
+                                          <p:spTgt spid="14"/>
+                                        </p:tgtEl>
+                                        <p:attrNameLst>
+                                          <p:attrName>style.visibility</p:attrName>
+                                        </p:attrNameLst>
+                                      </p:cBhvr>
+                                      <p:to>
+                                        <p:strVal val="visible"/>
+                                      </p:to>
+                                    </p:set>
+                                    <p:animEffect transition="in" filter="fade">
+                                      <p:cBhvr>
+                                        <p:cTn id="21" dur="500"/>
+                                        <p:tgtEl>
+                                          <p:spTgt spid="14"/>
+                                        </p:tgtEl>
+                                      </p:cBhvr>
+                                    </p:animEffect>
+                                  </p:childTnLst>
+                                </p:cTn>
+                              </p:par>
+                              <p:par>
+                                <p:cTn id="22" presetID="10" presetClass="entr" presetSubtype="0" fill="hold" nodeType="withEffect">
+                                  <p:stCondLst>
+                                    <p:cond delay="0"/>
+                                  </p:stCondLst>
+                                  <p:childTnLst>
+                                    <p:set>
+                                      <p:cBhvr>
+                                        <p:cTn id="23" dur="1" fill="hold">
+                                          <p:stCondLst>
+                                            <p:cond delay="0"/>
+                                          </p:stCondLst>
+                                        </p:cTn>
+                                        <p:tgtEl>
+                                          <p:spTgt spid="27"/>
+                                        </p:tgtEl>
+                                        <p:attrNameLst>
+                                          <p:attrName>style.visibility</p:attrName>
+                                        </p:attrNameLst>
+                                      </p:cBhvr>
+                                      <p:to>
+                                        <p:strVal val="visible"/>
+                                      </p:to>
+                                    </p:set>
+                                    <p:animEffect transition="in" filter="fade">
+                                      <p:cBhvr>
+                                        <p:cTn id="24" dur="500"/>
+                                        <p:tgtEl>
+                                          <p:spTgt spid="27"/>
+                                        </p:tgtEl>
+                                      </p:cBhvr>
+                                    </p:animEffect>
+                                  </p:childTnLst>
+                                </p:cTn>
+                              </p:par>
+                            </p:childTnLst>
+                          </p:cTn>
+                        </p:par>
+                      </p:childTnLst>
+                    </p:cTn>
+                  </p:par>
+                  <p:par>
+                    <p:cTn id="25" fill="hold">
+                      <p:stCondLst>
+                        <p:cond delay="indefinite"/>
+                      </p:stCondLst>
+                      <p:childTnLst>
+                        <p:par>
+                          <p:cTn id="26" fill="hold">
+                            <p:stCondLst>
+                              <p:cond delay="0"/>
+                            </p:stCondLst>
+                            <p:childTnLst>
+                              <p:par>
+                                <p:cTn id="27" presetID="10" presetClass="entr" presetSubtype="0" fill="hold" nodeType="clickEffect">
+                                  <p:stCondLst>
+                                    <p:cond delay="0"/>
+                                  </p:stCondLst>
+                                  <p:childTnLst>
+                                    <p:set>
+                                      <p:cBhvr>
+                                        <p:cTn id="28" dur="1" fill="hold">
+                                          <p:stCondLst>
+                                            <p:cond delay="0"/>
+                                          </p:stCondLst>
+                                        </p:cTn>
+                                        <p:tgtEl>
+                                          <p:spTgt spid="33"/>
+                                        </p:tgtEl>
+                                        <p:attrNameLst>
+                                          <p:attrName>style.visibility</p:attrName>
+                                        </p:attrNameLst>
+                                      </p:cBhvr>
+                                      <p:to>
+                                        <p:strVal val="visible"/>
+                                      </p:to>
+                                    </p:set>
+                                    <p:animEffect transition="in" filter="fade">
+                                      <p:cBhvr>
+                                        <p:cTn id="29" dur="500"/>
+                                        <p:tgtEl>
+                                          <p:spTgt spid="33"/>
+                                        </p:tgtEl>
+                                      </p:cBhvr>
+                                    </p:animEffect>
+                                  </p:childTnLst>
+                                </p:cTn>
+                              </p:par>
+                              <p:par>
+                                <p:cTn id="30" presetID="10" presetClass="entr" presetSubtype="0" fill="hold" nodeType="withEffect">
+                                  <p:stCondLst>
+                                    <p:cond delay="0"/>
+                                  </p:stCondLst>
+                                  <p:childTnLst>
+                                    <p:set>
+                                      <p:cBhvr>
+                                        <p:cTn id="31" dur="1" fill="hold">
+                                          <p:stCondLst>
+                                            <p:cond delay="0"/>
+                                          </p:stCondLst>
+                                        </p:cTn>
+                                        <p:tgtEl>
+                                          <p:spTgt spid="7"/>
+                                        </p:tgtEl>
+                                        <p:attrNameLst>
+                                          <p:attrName>style.visibility</p:attrName>
+                                        </p:attrNameLst>
+                                      </p:cBhvr>
+                                      <p:to>
+                                        <p:strVal val="visible"/>
+                                      </p:to>
+                                    </p:set>
+                                    <p:animEffect transition="in" filter="fade">
+                                      <p:cBhvr>
+                                        <p:cTn id="32" dur="500"/>
+                                        <p:tgtEl>
+                                          <p:spTgt spid="7"/>
+                                        </p:tgtEl>
+                                      </p:cBhvr>
+                                    </p:animEffect>
+                                  </p:childTnLst>
+                                </p:cTn>
+                              </p:par>
+                              <p:par>
+                                <p:cTn id="33" presetID="10" presetClass="entr" presetSubtype="0" fill="hold" grpId="0" nodeType="withEffect">
+                                  <p:stCondLst>
+                                    <p:cond delay="0"/>
+                                  </p:stCondLst>
+                                  <p:childTnLst>
+                                    <p:set>
+                                      <p:cBhvr>
+                                        <p:cTn id="34" dur="1" fill="hold">
+                                          <p:stCondLst>
+                                            <p:cond delay="0"/>
+                                          </p:stCondLst>
+                                        </p:cTn>
+                                        <p:tgtEl>
+                                          <p:spTgt spid="15"/>
+                                        </p:tgtEl>
+                                        <p:attrNameLst>
+                                          <p:attrName>style.visibility</p:attrName>
+                                        </p:attrNameLst>
+                                      </p:cBhvr>
+                                      <p:to>
+                                        <p:strVal val="visible"/>
+                                      </p:to>
+                                    </p:set>
+                                    <p:animEffect transition="in" filter="fade">
+                                      <p:cBhvr>
+                                        <p:cTn id="35" dur="500"/>
+                                        <p:tgtEl>
+                                          <p:spTgt spid="15"/>
+                                        </p:tgtEl>
+                                      </p:cBhvr>
+                                    </p:animEffect>
+                                  </p:childTnLst>
+                                </p:cTn>
+                              </p:par>
+                            </p:childTnLst>
+                          </p:cTn>
+                        </p:par>
+                      </p:childTnLst>
+                    </p:cTn>
+                  </p:par>
+                </p:childTnLst>
+              </p:cTn>
+              <p:prevCondLst>
+                <p:cond evt="onPrev" delay="0">
+                  <p:tgtEl>
+                    <p:sldTgt/>
+                  </p:tgtEl>
+                </p:cond>
+              </p:prevCondLst>
+              <p:nextCondLst>
+                <p:cond evt="onNext" delay="0">
+                  <p:tgtEl>
+                    <p:sldTgt/>
+                  </p:tgtEl>
+                </p:cond>
+              </p:nextCondLst>
+            </p:seq>
+          </p:childTnLst>
+        </p:cTn>
+      </p:par>
+    </p:tnLst>
+    <p:bldLst>
+      <p:bldP spid="3" grpId="0"/>
+      <p:bldP spid="14" grpId="0"/>
+      <p:bldP spid="15" grpId="0"/>
+    </p:bldLst>
+  </p:timing>
 </p:sld>
 </file>
 

--- a/oral_projet/revue_2/diaporama_revue_1_steven.pptx
+++ b/oral_projet/revue_2/diaporama_revue_1_steven.pptx
@@ -9080,6 +9080,129 @@
                       </p:childTnLst>
                     </p:cTn>
                   </p:par>
+                  <p:par>
+                    <p:cTn id="36" fill="hold">
+                      <p:stCondLst>
+                        <p:cond delay="indefinite"/>
+                      </p:stCondLst>
+                      <p:childTnLst>
+                        <p:par>
+                          <p:cTn id="37" fill="hold">
+                            <p:stCondLst>
+                              <p:cond delay="0"/>
+                            </p:stCondLst>
+                            <p:childTnLst>
+                              <p:par>
+                                <p:cTn id="38" presetID="10" presetClass="entr" presetSubtype="0" fill="hold" nodeType="clickEffect">
+                                  <p:stCondLst>
+                                    <p:cond delay="0"/>
+                                  </p:stCondLst>
+                                  <p:childTnLst>
+                                    <p:set>
+                                      <p:cBhvr>
+                                        <p:cTn id="39" dur="1" fill="hold">
+                                          <p:stCondLst>
+                                            <p:cond delay="0"/>
+                                          </p:stCondLst>
+                                        </p:cTn>
+                                        <p:tgtEl>
+                                          <p:spTgt spid="29"/>
+                                        </p:tgtEl>
+                                        <p:attrNameLst>
+                                          <p:attrName>style.visibility</p:attrName>
+                                        </p:attrNameLst>
+                                      </p:cBhvr>
+                                      <p:to>
+                                        <p:strVal val="visible"/>
+                                      </p:to>
+                                    </p:set>
+                                    <p:animEffect transition="in" filter="fade">
+                                      <p:cBhvr>
+                                        <p:cTn id="40" dur="500"/>
+                                        <p:tgtEl>
+                                          <p:spTgt spid="29"/>
+                                        </p:tgtEl>
+                                      </p:cBhvr>
+                                    </p:animEffect>
+                                  </p:childTnLst>
+                                </p:cTn>
+                              </p:par>
+                              <p:par>
+                                <p:cTn id="41" presetID="10" presetClass="entr" presetSubtype="0" fill="hold" grpId="0" nodeType="withEffect">
+                                  <p:stCondLst>
+                                    <p:cond delay="0"/>
+                                  </p:stCondLst>
+                                  <p:childTnLst>
+                                    <p:set>
+                                      <p:cBhvr>
+                                        <p:cTn id="42" dur="1" fill="hold">
+                                          <p:stCondLst>
+                                            <p:cond delay="0"/>
+                                          </p:stCondLst>
+                                        </p:cTn>
+                                        <p:tgtEl>
+                                          <p:spTgt spid="17"/>
+                                        </p:tgtEl>
+                                        <p:attrNameLst>
+                                          <p:attrName>style.visibility</p:attrName>
+                                        </p:attrNameLst>
+                                      </p:cBhvr>
+                                      <p:to>
+                                        <p:strVal val="visible"/>
+                                      </p:to>
+                                    </p:set>
+                                    <p:animEffect transition="in" filter="fade">
+                                      <p:cBhvr>
+                                        <p:cTn id="43" dur="500"/>
+                                        <p:tgtEl>
+                                          <p:spTgt spid="17"/>
+                                        </p:tgtEl>
+                                      </p:cBhvr>
+                                    </p:animEffect>
+                                  </p:childTnLst>
+                                </p:cTn>
+                              </p:par>
+                              <p:par>
+                                <p:cTn id="44" presetID="10" presetClass="entr" presetSubtype="0" fill="hold" nodeType="withEffect">
+                                  <p:stCondLst>
+                                    <p:cond delay="0"/>
+                                  </p:stCondLst>
+                                  <p:childTnLst>
+                                    <p:set>
+                                      <p:cBhvr>
+                                        <p:cTn id="45" dur="1" fill="hold">
+                                          <p:stCondLst>
+                                            <p:cond delay="0"/>
+                                          </p:stCondLst>
+                                        </p:cTn>
+                                        <p:tgtEl>
+                                          <p:spTgt spid="13"/>
+                                        </p:tgtEl>
+                                        <p:attrNameLst>
+                                          <p:attrName>style.visibility</p:attrName>
+                                        </p:attrNameLst>
+                                      </p:cBhvr>
+                                      <p:to>
+                                        <p:strVal val="visible"/>
+                                      </p:to>
+                                    </p:set>
+                                    <p:animEffect transition="in" filter="fade">
+                                      <p:cBhvr>
+                                        <p:cTn id="46" dur="500"/>
+                                        <p:tgtEl>
+                                          <p:spTgt spid="13"/>
+                                        </p:tgtEl>
+                                      </p:cBhvr>
+                                    </p:animEffect>
+                                  </p:childTnLst>
+                                </p:cTn>
+                              </p:par>
+                            </p:childTnLst>
+                          </p:cTn>
+                        </p:par>
+                      </p:childTnLst>
+                    </p:cTn>
+                  </p:par>
                 </p:childTnLst>
               </p:cTn>
               <p:prevCondLst>
@@ -9105,6 +9228,7 @@
       <p:bldP spid="3" grpId="0"/>
       <p:bldP spid="14" grpId="0"/>
       <p:bldP spid="15" grpId="0"/>
+      <p:bldP spid="17" grpId="0"/>
     </p:bldLst>
   </p:timing>
 </p:sld>

--- a/oral_projet/revue_2/diaporama_revue_1_steven.pptx
+++ b/oral_projet/revue_2/diaporama_revue_1_steven.pptx
@@ -9765,7 +9765,7 @@
         </p:blipFill>
         <p:spPr>
           <a:xfrm>
-            <a:off x="6236390" y="2738753"/>
+            <a:off x="6719022" y="2512865"/>
             <a:ext cx="728101" cy="728101"/>
           </a:xfrm>
           <a:prstGeom prst="rect">
@@ -9787,8 +9787,8 @@
         </p:nvSpPr>
         <p:spPr>
           <a:xfrm>
-            <a:off x="3041780" y="2125105"/>
-            <a:ext cx="7763069" cy="3416320"/>
+            <a:off x="3041778" y="1899845"/>
+            <a:ext cx="7763069" cy="1754326"/>
           </a:xfrm>
           <a:prstGeom prst="rect">
             <a:avLst/>
@@ -9809,6 +9809,188 @@
           <a:p>
             <a:endParaRPr lang="fr-FR" dirty="0"/>
           </a:p>
+          <a:p>
+            <a:endParaRPr lang="fr-FR" dirty="0"/>
+          </a:p>
+          <a:p>
+            <a:endParaRPr lang="fr-FR" dirty="0"/>
+          </a:p>
+          <a:p>
+            <a:endParaRPr lang="fr-FR" dirty="0"/>
+          </a:p>
+        </p:txBody>
+      </p:sp>
+      <p:pic>
+        <p:nvPicPr>
+          <p:cNvPr id="22" name="Image 21">
+            <a:extLst>
+              <a:ext uri="{FF2B5EF4-FFF2-40B4-BE49-F238E27FC236}">
+                <a16:creationId xmlns:a16="http://schemas.microsoft.com/office/drawing/2014/main" id="{515FFE8E-06D5-4115-85CF-F8EE5C74D522}"/>
+              </a:ext>
+            </a:extLst>
+          </p:cNvPr>
+          <p:cNvPicPr>
+            <a:picLocks noChangeAspect="1"/>
+          </p:cNvPicPr>
+          <p:nvPr/>
+        </p:nvPicPr>
+        <p:blipFill>
+          <a:blip r:embed="rId5">
+            <a:extLst>
+              <a:ext uri="{28A0092B-C50C-407E-A947-70E740481C1C}">
+                <a14:useLocalDpi xmlns:a14="http://schemas.microsoft.com/office/drawing/2010/main" val="0"/>
+              </a:ext>
+            </a:extLst>
+          </a:blip>
+          <a:stretch>
+            <a:fillRect/>
+          </a:stretch>
+        </p:blipFill>
+        <p:spPr>
+          <a:xfrm>
+            <a:off x="6959470" y="3223027"/>
+            <a:ext cx="487653" cy="487653"/>
+          </a:xfrm>
+          <a:prstGeom prst="rect">
+            <a:avLst/>
+          </a:prstGeom>
+        </p:spPr>
+      </p:pic>
+      <p:pic>
+        <p:nvPicPr>
+          <p:cNvPr id="25" name="Image 24">
+            <a:extLst>
+              <a:ext uri="{FF2B5EF4-FFF2-40B4-BE49-F238E27FC236}">
+                <a16:creationId xmlns:a16="http://schemas.microsoft.com/office/drawing/2014/main" id="{93BBF0E5-204B-42FF-9A5D-235230C6F27F}"/>
+              </a:ext>
+            </a:extLst>
+          </p:cNvPr>
+          <p:cNvPicPr>
+            <a:picLocks noChangeAspect="1"/>
+          </p:cNvPicPr>
+          <p:nvPr/>
+        </p:nvPicPr>
+        <p:blipFill>
+          <a:blip r:embed="rId6">
+            <a:extLst>
+              <a:ext uri="{28A0092B-C50C-407E-A947-70E740481C1C}">
+                <a14:useLocalDpi xmlns:a14="http://schemas.microsoft.com/office/drawing/2010/main" val="0"/>
+              </a:ext>
+            </a:extLst>
+          </a:blip>
+          <a:stretch>
+            <a:fillRect/>
+          </a:stretch>
+        </p:blipFill>
+        <p:spPr>
+          <a:xfrm>
+            <a:off x="6959469" y="3772894"/>
+            <a:ext cx="487653" cy="487653"/>
+          </a:xfrm>
+          <a:prstGeom prst="rect">
+            <a:avLst/>
+          </a:prstGeom>
+        </p:spPr>
+      </p:pic>
+      <p:pic>
+        <p:nvPicPr>
+          <p:cNvPr id="35" name="Image 34">
+            <a:extLst>
+              <a:ext uri="{FF2B5EF4-FFF2-40B4-BE49-F238E27FC236}">
+                <a16:creationId xmlns:a16="http://schemas.microsoft.com/office/drawing/2014/main" id="{3AA4106B-4FA4-4D66-995F-237DE6EAEF75}"/>
+              </a:ext>
+            </a:extLst>
+          </p:cNvPr>
+          <p:cNvPicPr>
+            <a:picLocks noChangeAspect="1"/>
+          </p:cNvPicPr>
+          <p:nvPr/>
+        </p:nvPicPr>
+        <p:blipFill>
+          <a:blip r:embed="rId7">
+            <a:extLst>
+              <a:ext uri="{28A0092B-C50C-407E-A947-70E740481C1C}">
+                <a14:useLocalDpi xmlns:a14="http://schemas.microsoft.com/office/drawing/2010/main" val="0"/>
+              </a:ext>
+            </a:extLst>
+          </a:blip>
+          <a:stretch>
+            <a:fillRect/>
+          </a:stretch>
+        </p:blipFill>
+        <p:spPr>
+          <a:xfrm>
+            <a:off x="7215446" y="4929137"/>
+            <a:ext cx="527336" cy="527336"/>
+          </a:xfrm>
+          <a:prstGeom prst="rect">
+            <a:avLst/>
+          </a:prstGeom>
+        </p:spPr>
+      </p:pic>
+      <p:pic>
+        <p:nvPicPr>
+          <p:cNvPr id="4" name="Image 3">
+            <a:extLst>
+              <a:ext uri="{FF2B5EF4-FFF2-40B4-BE49-F238E27FC236}">
+                <a16:creationId xmlns:a16="http://schemas.microsoft.com/office/drawing/2014/main" id="{225101B9-36CD-4BE6-A596-45C653C1A0BF}"/>
+              </a:ext>
+            </a:extLst>
+          </p:cNvPr>
+          <p:cNvPicPr>
+            <a:picLocks noChangeAspect="1"/>
+          </p:cNvPicPr>
+          <p:nvPr/>
+        </p:nvPicPr>
+        <p:blipFill>
+          <a:blip r:embed="rId8">
+            <a:extLst>
+              <a:ext uri="{28A0092B-C50C-407E-A947-70E740481C1C}">
+                <a14:useLocalDpi xmlns:a14="http://schemas.microsoft.com/office/drawing/2010/main" val="0"/>
+              </a:ext>
+            </a:extLst>
+          </a:blip>
+          <a:stretch>
+            <a:fillRect/>
+          </a:stretch>
+        </p:blipFill>
+        <p:spPr>
+          <a:xfrm>
+            <a:off x="7086558" y="4322761"/>
+            <a:ext cx="487653" cy="487653"/>
+          </a:xfrm>
+          <a:prstGeom prst="rect">
+            <a:avLst/>
+          </a:prstGeom>
+        </p:spPr>
+      </p:pic>
+      <p:sp>
+        <p:nvSpPr>
+          <p:cNvPr id="2" name="ZoneTexte 1">
+            <a:extLst>
+              <a:ext uri="{FF2B5EF4-FFF2-40B4-BE49-F238E27FC236}">
+                <a16:creationId xmlns:a16="http://schemas.microsoft.com/office/drawing/2014/main" id="{05E036AC-ACE8-48BF-BBAF-B4AEC36D3108}"/>
+              </a:ext>
+            </a:extLst>
+          </p:cNvPr>
+          <p:cNvSpPr txBox="1"/>
+          <p:nvPr/>
+        </p:nvSpPr>
+        <p:spPr>
+          <a:xfrm>
+            <a:off x="3041778" y="2692250"/>
+            <a:ext cx="3322041" cy="369332"/>
+          </a:xfrm>
+          <a:prstGeom prst="rect">
+            <a:avLst/>
+          </a:prstGeom>
+          <a:noFill/>
+        </p:spPr>
+        <p:txBody>
+          <a:bodyPr wrap="square" rtlCol="0">
+            <a:spAutoFit/>
+          </a:bodyPr>
+          <a:lstStyle/>
           <a:p>
             <a:pPr marL="285750" indent="-285750">
               <a:buFontTx/>
@@ -9819,62 +10001,150 @@
               <a:t>Démarrer l'acquisition</a:t>
             </a:r>
           </a:p>
-          <a:p>
-            <a:pPr marL="285750" indent="-285750">
-              <a:buFontTx/>
-              <a:buChar char="-"/>
-            </a:pPr>
-            <a:endParaRPr lang="fr-FR" dirty="0"/>
-          </a:p>
-          <a:p>
-            <a:pPr marL="285750" indent="-285750">
-              <a:buFontTx/>
-              <a:buChar char="-"/>
-            </a:pPr>
+        </p:txBody>
+      </p:sp>
+      <p:sp>
+        <p:nvSpPr>
+          <p:cNvPr id="5" name="ZoneTexte 4">
+            <a:extLst>
+              <a:ext uri="{FF2B5EF4-FFF2-40B4-BE49-F238E27FC236}">
+                <a16:creationId xmlns:a16="http://schemas.microsoft.com/office/drawing/2014/main" id="{542281A4-00AF-4DEE-83C9-52B2A9F880D0}"/>
+              </a:ext>
+            </a:extLst>
+          </p:cNvPr>
+          <p:cNvSpPr txBox="1"/>
+          <p:nvPr/>
+        </p:nvSpPr>
+        <p:spPr>
+          <a:xfrm>
+            <a:off x="3041778" y="3264661"/>
+            <a:ext cx="3250607" cy="646331"/>
+          </a:xfrm>
+          <a:prstGeom prst="rect">
+            <a:avLst/>
+          </a:prstGeom>
+          <a:noFill/>
+        </p:spPr>
+        <p:txBody>
+          <a:bodyPr wrap="square" rtlCol="0">
+            <a:spAutoFit/>
+          </a:bodyPr>
+          <a:lstStyle/>
+          <a:p>
             <a:r>
               <a:rPr lang="fr-FR" dirty="0"/>
-              <a:t>Mesurer la direction du vent</a:t>
+              <a:t>-    Mesurer la direction du vent</a:t>
             </a:r>
           </a:p>
           <a:p>
-            <a:pPr marL="285750" indent="-285750">
-              <a:buFontTx/>
-              <a:buChar char="-"/>
-            </a:pPr>
             <a:endParaRPr lang="fr-FR" dirty="0"/>
           </a:p>
-          <a:p>
-            <a:pPr marL="285750" indent="-285750">
-              <a:buFontTx/>
-              <a:buChar char="-"/>
-            </a:pPr>
+        </p:txBody>
+      </p:sp>
+      <p:sp>
+        <p:nvSpPr>
+          <p:cNvPr id="6" name="ZoneTexte 5">
+            <a:extLst>
+              <a:ext uri="{FF2B5EF4-FFF2-40B4-BE49-F238E27FC236}">
+                <a16:creationId xmlns:a16="http://schemas.microsoft.com/office/drawing/2014/main" id="{7850E2D6-F8C4-40F5-98CF-62074DCA6F4B}"/>
+              </a:ext>
+            </a:extLst>
+          </p:cNvPr>
+          <p:cNvSpPr txBox="1"/>
+          <p:nvPr/>
+        </p:nvSpPr>
+        <p:spPr>
+          <a:xfrm>
+            <a:off x="3041778" y="3854470"/>
+            <a:ext cx="2861108" cy="646331"/>
+          </a:xfrm>
+          <a:prstGeom prst="rect">
+            <a:avLst/>
+          </a:prstGeom>
+          <a:noFill/>
+        </p:spPr>
+        <p:txBody>
+          <a:bodyPr wrap="square" rtlCol="0">
+            <a:spAutoFit/>
+          </a:bodyPr>
+          <a:lstStyle/>
+          <a:p>
             <a:r>
               <a:rPr lang="fr-FR" dirty="0"/>
-              <a:t>Mesurer la force du vent</a:t>
+              <a:t>-    Mesurer la force du vent</a:t>
             </a:r>
           </a:p>
           <a:p>
-            <a:pPr marL="285750" indent="-285750">
-              <a:buFontTx/>
-              <a:buChar char="-"/>
-            </a:pPr>
             <a:endParaRPr lang="fr-FR" dirty="0"/>
           </a:p>
-          <a:p>
-            <a:pPr marL="285750" indent="-285750">
-              <a:buFontTx/>
-              <a:buChar char="-"/>
-            </a:pPr>
+        </p:txBody>
+      </p:sp>
+      <p:sp>
+        <p:nvSpPr>
+          <p:cNvPr id="7" name="ZoneTexte 6">
+            <a:extLst>
+              <a:ext uri="{FF2B5EF4-FFF2-40B4-BE49-F238E27FC236}">
+                <a16:creationId xmlns:a16="http://schemas.microsoft.com/office/drawing/2014/main" id="{8BECE744-1AC3-40E4-AAE7-4BE4A8A4A5D5}"/>
+              </a:ext>
+            </a:extLst>
+          </p:cNvPr>
+          <p:cNvSpPr txBox="1"/>
+          <p:nvPr/>
+        </p:nvSpPr>
+        <p:spPr>
+          <a:xfrm>
+            <a:off x="3041778" y="4429503"/>
+            <a:ext cx="3514988" cy="646331"/>
+          </a:xfrm>
+          <a:prstGeom prst="rect">
+            <a:avLst/>
+          </a:prstGeom>
+          <a:noFill/>
+        </p:spPr>
+        <p:txBody>
+          <a:bodyPr wrap="square" rtlCol="0">
+            <a:spAutoFit/>
+          </a:bodyPr>
+          <a:lstStyle/>
+          <a:p>
             <a:r>
               <a:rPr lang="fr-FR" dirty="0"/>
-              <a:t>Définir la période des mesures</a:t>
+              <a:t>-    Définir la période des mesures</a:t>
             </a:r>
           </a:p>
           <a:p>
-            <a:pPr marL="285750" indent="-285750">
-              <a:buFontTx/>
-              <a:buChar char="-"/>
-            </a:pPr>
+            <a:endParaRPr lang="fr-FR" dirty="0"/>
+          </a:p>
+        </p:txBody>
+      </p:sp>
+      <p:sp>
+        <p:nvSpPr>
+          <p:cNvPr id="11" name="ZoneTexte 10">
+            <a:extLst>
+              <a:ext uri="{FF2B5EF4-FFF2-40B4-BE49-F238E27FC236}">
+                <a16:creationId xmlns:a16="http://schemas.microsoft.com/office/drawing/2014/main" id="{307C9646-6910-4ED9-89DA-0D27774FC650}"/>
+              </a:ext>
+            </a:extLst>
+          </p:cNvPr>
+          <p:cNvSpPr txBox="1"/>
+          <p:nvPr/>
+        </p:nvSpPr>
+        <p:spPr>
+          <a:xfrm>
+            <a:off x="3041778" y="4752669"/>
+            <a:ext cx="3677244" cy="923330"/>
+          </a:xfrm>
+          <a:prstGeom prst="rect">
+            <a:avLst/>
+          </a:prstGeom>
+          <a:noFill/>
+        </p:spPr>
+        <p:txBody>
+          <a:bodyPr wrap="square" rtlCol="0">
+            <a:spAutoFit/>
+          </a:bodyPr>
+          <a:lstStyle/>
+          <a:p>
             <a:endParaRPr lang="fr-FR" dirty="0"/>
           </a:p>
           <a:p>
@@ -9883,152 +10153,11 @@
               <a:t>-     Envoyer les mesures dans la BDD</a:t>
             </a:r>
           </a:p>
+          <a:p>
+            <a:endParaRPr lang="fr-FR" dirty="0"/>
+          </a:p>
         </p:txBody>
       </p:sp>
-      <p:pic>
-        <p:nvPicPr>
-          <p:cNvPr id="22" name="Image 21">
-            <a:extLst>
-              <a:ext uri="{FF2B5EF4-FFF2-40B4-BE49-F238E27FC236}">
-                <a16:creationId xmlns:a16="http://schemas.microsoft.com/office/drawing/2014/main" id="{515FFE8E-06D5-4115-85CF-F8EE5C74D522}"/>
-              </a:ext>
-            </a:extLst>
-          </p:cNvPr>
-          <p:cNvPicPr>
-            <a:picLocks noChangeAspect="1"/>
-          </p:cNvPicPr>
-          <p:nvPr/>
-        </p:nvPicPr>
-        <p:blipFill>
-          <a:blip r:embed="rId5">
-            <a:extLst>
-              <a:ext uri="{28A0092B-C50C-407E-A947-70E740481C1C}">
-                <a14:useLocalDpi xmlns:a14="http://schemas.microsoft.com/office/drawing/2010/main" val="0"/>
-              </a:ext>
-            </a:extLst>
-          </a:blip>
-          <a:stretch>
-            <a:fillRect/>
-          </a:stretch>
-        </p:blipFill>
-        <p:spPr>
-          <a:xfrm>
-            <a:off x="6679487" y="3904921"/>
-            <a:ext cx="487653" cy="487653"/>
-          </a:xfrm>
-          <a:prstGeom prst="rect">
-            <a:avLst/>
-          </a:prstGeom>
-        </p:spPr>
-      </p:pic>
-      <p:pic>
-        <p:nvPicPr>
-          <p:cNvPr id="25" name="Image 24">
-            <a:extLst>
-              <a:ext uri="{FF2B5EF4-FFF2-40B4-BE49-F238E27FC236}">
-                <a16:creationId xmlns:a16="http://schemas.microsoft.com/office/drawing/2014/main" id="{93BBF0E5-204B-42FF-9A5D-235230C6F27F}"/>
-              </a:ext>
-            </a:extLst>
-          </p:cNvPr>
-          <p:cNvPicPr>
-            <a:picLocks noChangeAspect="1"/>
-          </p:cNvPicPr>
-          <p:nvPr/>
-        </p:nvPicPr>
-        <p:blipFill>
-          <a:blip r:embed="rId6">
-            <a:extLst>
-              <a:ext uri="{28A0092B-C50C-407E-A947-70E740481C1C}">
-                <a14:useLocalDpi xmlns:a14="http://schemas.microsoft.com/office/drawing/2010/main" val="0"/>
-              </a:ext>
-            </a:extLst>
-          </a:blip>
-          <a:stretch>
-            <a:fillRect/>
-          </a:stretch>
-        </p:blipFill>
-        <p:spPr>
-          <a:xfrm>
-            <a:off x="6553369" y="3420647"/>
-            <a:ext cx="487653" cy="487653"/>
-          </a:xfrm>
-          <a:prstGeom prst="rect">
-            <a:avLst/>
-          </a:prstGeom>
-        </p:spPr>
-      </p:pic>
-      <p:pic>
-        <p:nvPicPr>
-          <p:cNvPr id="35" name="Image 34">
-            <a:extLst>
-              <a:ext uri="{FF2B5EF4-FFF2-40B4-BE49-F238E27FC236}">
-                <a16:creationId xmlns:a16="http://schemas.microsoft.com/office/drawing/2014/main" id="{3AA4106B-4FA4-4D66-995F-237DE6EAEF75}"/>
-              </a:ext>
-            </a:extLst>
-          </p:cNvPr>
-          <p:cNvPicPr>
-            <a:picLocks noChangeAspect="1"/>
-          </p:cNvPicPr>
-          <p:nvPr/>
-        </p:nvPicPr>
-        <p:blipFill>
-          <a:blip r:embed="rId7">
-            <a:extLst>
-              <a:ext uri="{28A0092B-C50C-407E-A947-70E740481C1C}">
-                <a14:useLocalDpi xmlns:a14="http://schemas.microsoft.com/office/drawing/2010/main" val="0"/>
-              </a:ext>
-            </a:extLst>
-          </a:blip>
-          <a:stretch>
-            <a:fillRect/>
-          </a:stretch>
-        </p:blipFill>
-        <p:spPr>
-          <a:xfrm>
-            <a:off x="6797195" y="5014089"/>
-            <a:ext cx="527336" cy="527336"/>
-          </a:xfrm>
-          <a:prstGeom prst="rect">
-            <a:avLst/>
-          </a:prstGeom>
-        </p:spPr>
-      </p:pic>
-      <p:pic>
-        <p:nvPicPr>
-          <p:cNvPr id="4" name="Image 3">
-            <a:extLst>
-              <a:ext uri="{FF2B5EF4-FFF2-40B4-BE49-F238E27FC236}">
-                <a16:creationId xmlns:a16="http://schemas.microsoft.com/office/drawing/2014/main" id="{225101B9-36CD-4BE6-A596-45C653C1A0BF}"/>
-              </a:ext>
-            </a:extLst>
-          </p:cNvPr>
-          <p:cNvPicPr>
-            <a:picLocks noChangeAspect="1"/>
-          </p:cNvPicPr>
-          <p:nvPr/>
-        </p:nvPicPr>
-        <p:blipFill>
-          <a:blip r:embed="rId8">
-            <a:extLst>
-              <a:ext uri="{28A0092B-C50C-407E-A947-70E740481C1C}">
-                <a14:useLocalDpi xmlns:a14="http://schemas.microsoft.com/office/drawing/2010/main" val="0"/>
-              </a:ext>
-            </a:extLst>
-          </a:blip>
-          <a:stretch>
-            <a:fillRect/>
-          </a:stretch>
-        </p:blipFill>
-        <p:spPr>
-          <a:xfrm>
-            <a:off x="6612056" y="4451195"/>
-            <a:ext cx="487653" cy="487653"/>
-          </a:xfrm>
-          <a:prstGeom prst="rect">
-            <a:avLst/>
-          </a:prstGeom>
-        </p:spPr>
-      </p:pic>
     </p:spTree>
     <p:extLst>
       <p:ext uri="{BB962C8B-B14F-4D97-AF65-F5344CB8AC3E}">

--- a/oral_projet/revue_2/diaporama_revue_1_steven.pptx
+++ b/oral_projet/revue_2/diaporama_revue_1_steven.pptx
@@ -9773,53 +9773,6 @@
           </a:prstGeom>
         </p:spPr>
       </p:pic>
-      <p:sp>
-        <p:nvSpPr>
-          <p:cNvPr id="18" name="ZoneTexte 17">
-            <a:extLst>
-              <a:ext uri="{FF2B5EF4-FFF2-40B4-BE49-F238E27FC236}">
-                <a16:creationId xmlns:a16="http://schemas.microsoft.com/office/drawing/2014/main" id="{B11D4D18-9B36-4362-A9C7-DE1BCD4F443A}"/>
-              </a:ext>
-            </a:extLst>
-          </p:cNvPr>
-          <p:cNvSpPr txBox="1"/>
-          <p:nvPr/>
-        </p:nvSpPr>
-        <p:spPr>
-          <a:xfrm>
-            <a:off x="3041778" y="1899845"/>
-            <a:ext cx="7763069" cy="1754326"/>
-          </a:xfrm>
-          <a:prstGeom prst="rect">
-            <a:avLst/>
-          </a:prstGeom>
-          <a:noFill/>
-        </p:spPr>
-        <p:txBody>
-          <a:bodyPr wrap="square" rtlCol="0">
-            <a:spAutoFit/>
-          </a:bodyPr>
-          <a:lstStyle/>
-          <a:p>
-            <a:r>
-              <a:rPr lang="fr-FR" dirty="0"/>
-              <a:t>Un système (raspberry) récupèrera automatiquement les différentes mesures énoncées ci-dessus.</a:t>
-            </a:r>
-          </a:p>
-          <a:p>
-            <a:endParaRPr lang="fr-FR" dirty="0"/>
-          </a:p>
-          <a:p>
-            <a:endParaRPr lang="fr-FR" dirty="0"/>
-          </a:p>
-          <a:p>
-            <a:endParaRPr lang="fr-FR" dirty="0"/>
-          </a:p>
-          <a:p>
-            <a:endParaRPr lang="fr-FR" dirty="0"/>
-          </a:p>
-        </p:txBody>
-      </p:sp>
       <p:pic>
         <p:nvPicPr>
           <p:cNvPr id="22" name="Image 21">
@@ -10151,6 +10104,52 @@
             <a:r>
               <a:rPr lang="fr-FR" dirty="0"/>
               <a:t>-     Envoyer les mesures dans la BDD</a:t>
+            </a:r>
+          </a:p>
+          <a:p>
+            <a:endParaRPr lang="fr-FR" dirty="0"/>
+          </a:p>
+        </p:txBody>
+      </p:sp>
+      <p:sp>
+        <p:nvSpPr>
+          <p:cNvPr id="12" name="ZoneTexte 11">
+            <a:extLst>
+              <a:ext uri="{FF2B5EF4-FFF2-40B4-BE49-F238E27FC236}">
+                <a16:creationId xmlns:a16="http://schemas.microsoft.com/office/drawing/2014/main" id="{A055705F-59A8-43B2-B070-22F171CD9E9B}"/>
+              </a:ext>
+            </a:extLst>
+          </p:cNvPr>
+          <p:cNvSpPr txBox="1"/>
+          <p:nvPr/>
+        </p:nvSpPr>
+        <p:spPr>
+          <a:xfrm>
+            <a:off x="3041778" y="1789374"/>
+            <a:ext cx="7373922" cy="923330"/>
+          </a:xfrm>
+          <a:prstGeom prst="rect">
+            <a:avLst/>
+          </a:prstGeom>
+          <a:noFill/>
+        </p:spPr>
+        <p:txBody>
+          <a:bodyPr wrap="square" rtlCol="0">
+            <a:spAutoFit/>
+          </a:bodyPr>
+          <a:lstStyle/>
+          <a:p>
+            <a:r>
+              <a:rPr lang="fr-FR" dirty="0"/>
+              <a:t>Un système (</a:t>
+            </a:r>
+            <a:r>
+              <a:rPr lang="fr-FR" dirty="0" err="1"/>
+              <a:t>raspberry</a:t>
+            </a:r>
+            <a:r>
+              <a:rPr lang="fr-FR" dirty="0"/>
+              <a:t>) récupèrera automatiquement les différentes mesures énoncées ci-dessus.</a:t>
             </a:r>
           </a:p>
           <a:p>
@@ -10180,6 +10179,943 @@
       </p:transition>
     </mc:Fallback>
   </mc:AlternateContent>
+  <p:timing>
+    <p:tnLst>
+      <p:par>
+        <p:cTn id="1" dur="indefinite" restart="never" nodeType="tmRoot">
+          <p:childTnLst>
+            <p:seq concurrent="1" nextAc="seek">
+              <p:cTn id="2" dur="indefinite" nodeType="mainSeq">
+                <p:childTnLst>
+                  <p:par>
+                    <p:cTn id="3" fill="hold">
+                      <p:stCondLst>
+                        <p:cond delay="indefinite"/>
+                      </p:stCondLst>
+                      <p:childTnLst>
+                        <p:par>
+                          <p:cTn id="4" fill="hold">
+                            <p:stCondLst>
+                              <p:cond delay="0"/>
+                            </p:stCondLst>
+                            <p:childTnLst>
+                              <p:par>
+                                <p:cTn id="5" presetID="42" presetClass="entr" presetSubtype="0" fill="hold" nodeType="clickEffect">
+                                  <p:stCondLst>
+                                    <p:cond delay="0"/>
+                                  </p:stCondLst>
+                                  <p:childTnLst>
+                                    <p:set>
+                                      <p:cBhvr>
+                                        <p:cTn id="6" dur="1" fill="hold">
+                                          <p:stCondLst>
+                                            <p:cond delay="0"/>
+                                          </p:stCondLst>
+                                        </p:cTn>
+                                        <p:tgtEl>
+                                          <p:spTgt spid="29"/>
+                                        </p:tgtEl>
+                                        <p:attrNameLst>
+                                          <p:attrName>style.visibility</p:attrName>
+                                        </p:attrNameLst>
+                                      </p:cBhvr>
+                                      <p:to>
+                                        <p:strVal val="visible"/>
+                                      </p:to>
+                                    </p:set>
+                                    <p:animEffect transition="in" filter="fade">
+                                      <p:cBhvr>
+                                        <p:cTn id="7" dur="1000"/>
+                                        <p:tgtEl>
+                                          <p:spTgt spid="29"/>
+                                        </p:tgtEl>
+                                      </p:cBhvr>
+                                    </p:animEffect>
+                                    <p:anim calcmode="lin" valueType="num">
+                                      <p:cBhvr>
+                                        <p:cTn id="8" dur="1000" fill="hold"/>
+                                        <p:tgtEl>
+                                          <p:spTgt spid="29"/>
+                                        </p:tgtEl>
+                                        <p:attrNameLst>
+                                          <p:attrName>ppt_x</p:attrName>
+                                        </p:attrNameLst>
+                                      </p:cBhvr>
+                                      <p:tavLst>
+                                        <p:tav tm="0">
+                                          <p:val>
+                                            <p:strVal val="#ppt_x"/>
+                                          </p:val>
+                                        </p:tav>
+                                        <p:tav tm="100000">
+                                          <p:val>
+                                            <p:strVal val="#ppt_x"/>
+                                          </p:val>
+                                        </p:tav>
+                                      </p:tavLst>
+                                    </p:anim>
+                                    <p:anim calcmode="lin" valueType="num">
+                                      <p:cBhvr>
+                                        <p:cTn id="9" dur="1000" fill="hold"/>
+                                        <p:tgtEl>
+                                          <p:spTgt spid="29"/>
+                                        </p:tgtEl>
+                                        <p:attrNameLst>
+                                          <p:attrName>ppt_y</p:attrName>
+                                        </p:attrNameLst>
+                                      </p:cBhvr>
+                                      <p:tavLst>
+                                        <p:tav tm="0">
+                                          <p:val>
+                                            <p:strVal val="#ppt_y+.1"/>
+                                          </p:val>
+                                        </p:tav>
+                                        <p:tav tm="100000">
+                                          <p:val>
+                                            <p:strVal val="#ppt_y"/>
+                                          </p:val>
+                                        </p:tav>
+                                      </p:tavLst>
+                                    </p:anim>
+                                  </p:childTnLst>
+                                </p:cTn>
+                              </p:par>
+                              <p:par>
+                                <p:cTn id="10" presetID="42" presetClass="entr" presetSubtype="0" fill="hold" grpId="0" nodeType="withEffect">
+                                  <p:stCondLst>
+                                    <p:cond delay="0"/>
+                                  </p:stCondLst>
+                                  <p:childTnLst>
+                                    <p:set>
+                                      <p:cBhvr>
+                                        <p:cTn id="11" dur="1" fill="hold">
+                                          <p:stCondLst>
+                                            <p:cond delay="0"/>
+                                          </p:stCondLst>
+                                        </p:cTn>
+                                        <p:tgtEl>
+                                          <p:spTgt spid="2"/>
+                                        </p:tgtEl>
+                                        <p:attrNameLst>
+                                          <p:attrName>style.visibility</p:attrName>
+                                        </p:attrNameLst>
+                                      </p:cBhvr>
+                                      <p:to>
+                                        <p:strVal val="visible"/>
+                                      </p:to>
+                                    </p:set>
+                                    <p:animEffect transition="in" filter="fade">
+                                      <p:cBhvr>
+                                        <p:cTn id="12" dur="1000"/>
+                                        <p:tgtEl>
+                                          <p:spTgt spid="2"/>
+                                        </p:tgtEl>
+                                      </p:cBhvr>
+                                    </p:animEffect>
+                                    <p:anim calcmode="lin" valueType="num">
+                                      <p:cBhvr>
+                                        <p:cTn id="13" dur="1000" fill="hold"/>
+                                        <p:tgtEl>
+                                          <p:spTgt spid="2"/>
+                                        </p:tgtEl>
+                                        <p:attrNameLst>
+                                          <p:attrName>ppt_x</p:attrName>
+                                        </p:attrNameLst>
+                                      </p:cBhvr>
+                                      <p:tavLst>
+                                        <p:tav tm="0">
+                                          <p:val>
+                                            <p:strVal val="#ppt_x"/>
+                                          </p:val>
+                                        </p:tav>
+                                        <p:tav tm="100000">
+                                          <p:val>
+                                            <p:strVal val="#ppt_x"/>
+                                          </p:val>
+                                        </p:tav>
+                                      </p:tavLst>
+                                    </p:anim>
+                                    <p:anim calcmode="lin" valueType="num">
+                                      <p:cBhvr>
+                                        <p:cTn id="14" dur="1000" fill="hold"/>
+                                        <p:tgtEl>
+                                          <p:spTgt spid="2"/>
+                                        </p:tgtEl>
+                                        <p:attrNameLst>
+                                          <p:attrName>ppt_y</p:attrName>
+                                        </p:attrNameLst>
+                                      </p:cBhvr>
+                                      <p:tavLst>
+                                        <p:tav tm="0">
+                                          <p:val>
+                                            <p:strVal val="#ppt_y+.1"/>
+                                          </p:val>
+                                        </p:tav>
+                                        <p:tav tm="100000">
+                                          <p:val>
+                                            <p:strVal val="#ppt_y"/>
+                                          </p:val>
+                                        </p:tav>
+                                      </p:tavLst>
+                                    </p:anim>
+                                  </p:childTnLst>
+                                </p:cTn>
+                              </p:par>
+                            </p:childTnLst>
+                          </p:cTn>
+                        </p:par>
+                      </p:childTnLst>
+                    </p:cTn>
+                  </p:par>
+                  <p:par>
+                    <p:cTn id="15" fill="hold">
+                      <p:stCondLst>
+                        <p:cond delay="indefinite"/>
+                      </p:stCondLst>
+                      <p:childTnLst>
+                        <p:par>
+                          <p:cTn id="16" fill="hold">
+                            <p:stCondLst>
+                              <p:cond delay="0"/>
+                            </p:stCondLst>
+                            <p:childTnLst>
+                              <p:par>
+                                <p:cTn id="17" presetID="42" presetClass="entr" presetSubtype="0" fill="hold" grpId="0" nodeType="clickEffect">
+                                  <p:stCondLst>
+                                    <p:cond delay="0"/>
+                                  </p:stCondLst>
+                                  <p:childTnLst>
+                                    <p:set>
+                                      <p:cBhvr>
+                                        <p:cTn id="18" dur="1" fill="hold">
+                                          <p:stCondLst>
+                                            <p:cond delay="0"/>
+                                          </p:stCondLst>
+                                        </p:cTn>
+                                        <p:tgtEl>
+                                          <p:spTgt spid="5"/>
+                                        </p:tgtEl>
+                                        <p:attrNameLst>
+                                          <p:attrName>style.visibility</p:attrName>
+                                        </p:attrNameLst>
+                                      </p:cBhvr>
+                                      <p:to>
+                                        <p:strVal val="visible"/>
+                                      </p:to>
+                                    </p:set>
+                                    <p:animEffect transition="in" filter="fade">
+                                      <p:cBhvr>
+                                        <p:cTn id="19" dur="1000"/>
+                                        <p:tgtEl>
+                                          <p:spTgt spid="5"/>
+                                        </p:tgtEl>
+                                      </p:cBhvr>
+                                    </p:animEffect>
+                                    <p:anim calcmode="lin" valueType="num">
+                                      <p:cBhvr>
+                                        <p:cTn id="20" dur="1000" fill="hold"/>
+                                        <p:tgtEl>
+                                          <p:spTgt spid="5"/>
+                                        </p:tgtEl>
+                                        <p:attrNameLst>
+                                          <p:attrName>ppt_x</p:attrName>
+                                        </p:attrNameLst>
+                                      </p:cBhvr>
+                                      <p:tavLst>
+                                        <p:tav tm="0">
+                                          <p:val>
+                                            <p:strVal val="#ppt_x"/>
+                                          </p:val>
+                                        </p:tav>
+                                        <p:tav tm="100000">
+                                          <p:val>
+                                            <p:strVal val="#ppt_x"/>
+                                          </p:val>
+                                        </p:tav>
+                                      </p:tavLst>
+                                    </p:anim>
+                                    <p:anim calcmode="lin" valueType="num">
+                                      <p:cBhvr>
+                                        <p:cTn id="21" dur="1000" fill="hold"/>
+                                        <p:tgtEl>
+                                          <p:spTgt spid="5"/>
+                                        </p:tgtEl>
+                                        <p:attrNameLst>
+                                          <p:attrName>ppt_y</p:attrName>
+                                        </p:attrNameLst>
+                                      </p:cBhvr>
+                                      <p:tavLst>
+                                        <p:tav tm="0">
+                                          <p:val>
+                                            <p:strVal val="#ppt_y+.1"/>
+                                          </p:val>
+                                        </p:tav>
+                                        <p:tav tm="100000">
+                                          <p:val>
+                                            <p:strVal val="#ppt_y"/>
+                                          </p:val>
+                                        </p:tav>
+                                      </p:tavLst>
+                                    </p:anim>
+                                  </p:childTnLst>
+                                </p:cTn>
+                              </p:par>
+                              <p:par>
+                                <p:cTn id="22" presetID="42" presetClass="entr" presetSubtype="0" fill="hold" nodeType="withEffect">
+                                  <p:stCondLst>
+                                    <p:cond delay="0"/>
+                                  </p:stCondLst>
+                                  <p:childTnLst>
+                                    <p:set>
+                                      <p:cBhvr>
+                                        <p:cTn id="23" dur="1" fill="hold">
+                                          <p:stCondLst>
+                                            <p:cond delay="0"/>
+                                          </p:stCondLst>
+                                        </p:cTn>
+                                        <p:tgtEl>
+                                          <p:spTgt spid="22"/>
+                                        </p:tgtEl>
+                                        <p:attrNameLst>
+                                          <p:attrName>style.visibility</p:attrName>
+                                        </p:attrNameLst>
+                                      </p:cBhvr>
+                                      <p:to>
+                                        <p:strVal val="visible"/>
+                                      </p:to>
+                                    </p:set>
+                                    <p:animEffect transition="in" filter="fade">
+                                      <p:cBhvr>
+                                        <p:cTn id="24" dur="1000"/>
+                                        <p:tgtEl>
+                                          <p:spTgt spid="22"/>
+                                        </p:tgtEl>
+                                      </p:cBhvr>
+                                    </p:animEffect>
+                                    <p:anim calcmode="lin" valueType="num">
+                                      <p:cBhvr>
+                                        <p:cTn id="25" dur="1000" fill="hold"/>
+                                        <p:tgtEl>
+                                          <p:spTgt spid="22"/>
+                                        </p:tgtEl>
+                                        <p:attrNameLst>
+                                          <p:attrName>ppt_x</p:attrName>
+                                        </p:attrNameLst>
+                                      </p:cBhvr>
+                                      <p:tavLst>
+                                        <p:tav tm="0">
+                                          <p:val>
+                                            <p:strVal val="#ppt_x"/>
+                                          </p:val>
+                                        </p:tav>
+                                        <p:tav tm="100000">
+                                          <p:val>
+                                            <p:strVal val="#ppt_x"/>
+                                          </p:val>
+                                        </p:tav>
+                                      </p:tavLst>
+                                    </p:anim>
+                                    <p:anim calcmode="lin" valueType="num">
+                                      <p:cBhvr>
+                                        <p:cTn id="26" dur="1000" fill="hold"/>
+                                        <p:tgtEl>
+                                          <p:spTgt spid="22"/>
+                                        </p:tgtEl>
+                                        <p:attrNameLst>
+                                          <p:attrName>ppt_y</p:attrName>
+                                        </p:attrNameLst>
+                                      </p:cBhvr>
+                                      <p:tavLst>
+                                        <p:tav tm="0">
+                                          <p:val>
+                                            <p:strVal val="#ppt_y+.1"/>
+                                          </p:val>
+                                        </p:tav>
+                                        <p:tav tm="100000">
+                                          <p:val>
+                                            <p:strVal val="#ppt_y"/>
+                                          </p:val>
+                                        </p:tav>
+                                      </p:tavLst>
+                                    </p:anim>
+                                  </p:childTnLst>
+                                </p:cTn>
+                              </p:par>
+                            </p:childTnLst>
+                          </p:cTn>
+                        </p:par>
+                      </p:childTnLst>
+                    </p:cTn>
+                  </p:par>
+                  <p:par>
+                    <p:cTn id="27" fill="hold">
+                      <p:stCondLst>
+                        <p:cond delay="indefinite"/>
+                      </p:stCondLst>
+                      <p:childTnLst>
+                        <p:par>
+                          <p:cTn id="28" fill="hold">
+                            <p:stCondLst>
+                              <p:cond delay="0"/>
+                            </p:stCondLst>
+                            <p:childTnLst>
+                              <p:par>
+                                <p:cTn id="29" presetID="42" presetClass="entr" presetSubtype="0" fill="hold" grpId="0" nodeType="clickEffect">
+                                  <p:stCondLst>
+                                    <p:cond delay="0"/>
+                                  </p:stCondLst>
+                                  <p:childTnLst>
+                                    <p:set>
+                                      <p:cBhvr>
+                                        <p:cTn id="30" dur="1" fill="hold">
+                                          <p:stCondLst>
+                                            <p:cond delay="0"/>
+                                          </p:stCondLst>
+                                        </p:cTn>
+                                        <p:tgtEl>
+                                          <p:spTgt spid="6"/>
+                                        </p:tgtEl>
+                                        <p:attrNameLst>
+                                          <p:attrName>style.visibility</p:attrName>
+                                        </p:attrNameLst>
+                                      </p:cBhvr>
+                                      <p:to>
+                                        <p:strVal val="visible"/>
+                                      </p:to>
+                                    </p:set>
+                                    <p:animEffect transition="in" filter="fade">
+                                      <p:cBhvr>
+                                        <p:cTn id="31" dur="1000"/>
+                                        <p:tgtEl>
+                                          <p:spTgt spid="6"/>
+                                        </p:tgtEl>
+                                      </p:cBhvr>
+                                    </p:animEffect>
+                                    <p:anim calcmode="lin" valueType="num">
+                                      <p:cBhvr>
+                                        <p:cTn id="32" dur="1000" fill="hold"/>
+                                        <p:tgtEl>
+                                          <p:spTgt spid="6"/>
+                                        </p:tgtEl>
+                                        <p:attrNameLst>
+                                          <p:attrName>ppt_x</p:attrName>
+                                        </p:attrNameLst>
+                                      </p:cBhvr>
+                                      <p:tavLst>
+                                        <p:tav tm="0">
+                                          <p:val>
+                                            <p:strVal val="#ppt_x"/>
+                                          </p:val>
+                                        </p:tav>
+                                        <p:tav tm="100000">
+                                          <p:val>
+                                            <p:strVal val="#ppt_x"/>
+                                          </p:val>
+                                        </p:tav>
+                                      </p:tavLst>
+                                    </p:anim>
+                                    <p:anim calcmode="lin" valueType="num">
+                                      <p:cBhvr>
+                                        <p:cTn id="33" dur="1000" fill="hold"/>
+                                        <p:tgtEl>
+                                          <p:spTgt spid="6"/>
+                                        </p:tgtEl>
+                                        <p:attrNameLst>
+                                          <p:attrName>ppt_y</p:attrName>
+                                        </p:attrNameLst>
+                                      </p:cBhvr>
+                                      <p:tavLst>
+                                        <p:tav tm="0">
+                                          <p:val>
+                                            <p:strVal val="#ppt_y+.1"/>
+                                          </p:val>
+                                        </p:tav>
+                                        <p:tav tm="100000">
+                                          <p:val>
+                                            <p:strVal val="#ppt_y"/>
+                                          </p:val>
+                                        </p:tav>
+                                      </p:tavLst>
+                                    </p:anim>
+                                  </p:childTnLst>
+                                </p:cTn>
+                              </p:par>
+                              <p:par>
+                                <p:cTn id="34" presetID="42" presetClass="entr" presetSubtype="0" fill="hold" nodeType="withEffect">
+                                  <p:stCondLst>
+                                    <p:cond delay="0"/>
+                                  </p:stCondLst>
+                                  <p:childTnLst>
+                                    <p:set>
+                                      <p:cBhvr>
+                                        <p:cTn id="35" dur="1" fill="hold">
+                                          <p:stCondLst>
+                                            <p:cond delay="0"/>
+                                          </p:stCondLst>
+                                        </p:cTn>
+                                        <p:tgtEl>
+                                          <p:spTgt spid="25"/>
+                                        </p:tgtEl>
+                                        <p:attrNameLst>
+                                          <p:attrName>style.visibility</p:attrName>
+                                        </p:attrNameLst>
+                                      </p:cBhvr>
+                                      <p:to>
+                                        <p:strVal val="visible"/>
+                                      </p:to>
+                                    </p:set>
+                                    <p:animEffect transition="in" filter="fade">
+                                      <p:cBhvr>
+                                        <p:cTn id="36" dur="1000"/>
+                                        <p:tgtEl>
+                                          <p:spTgt spid="25"/>
+                                        </p:tgtEl>
+                                      </p:cBhvr>
+                                    </p:animEffect>
+                                    <p:anim calcmode="lin" valueType="num">
+                                      <p:cBhvr>
+                                        <p:cTn id="37" dur="1000" fill="hold"/>
+                                        <p:tgtEl>
+                                          <p:spTgt spid="25"/>
+                                        </p:tgtEl>
+                                        <p:attrNameLst>
+                                          <p:attrName>ppt_x</p:attrName>
+                                        </p:attrNameLst>
+                                      </p:cBhvr>
+                                      <p:tavLst>
+                                        <p:tav tm="0">
+                                          <p:val>
+                                            <p:strVal val="#ppt_x"/>
+                                          </p:val>
+                                        </p:tav>
+                                        <p:tav tm="100000">
+                                          <p:val>
+                                            <p:strVal val="#ppt_x"/>
+                                          </p:val>
+                                        </p:tav>
+                                      </p:tavLst>
+                                    </p:anim>
+                                    <p:anim calcmode="lin" valueType="num">
+                                      <p:cBhvr>
+                                        <p:cTn id="38" dur="1000" fill="hold"/>
+                                        <p:tgtEl>
+                                          <p:spTgt spid="25"/>
+                                        </p:tgtEl>
+                                        <p:attrNameLst>
+                                          <p:attrName>ppt_y</p:attrName>
+                                        </p:attrNameLst>
+                                      </p:cBhvr>
+                                      <p:tavLst>
+                                        <p:tav tm="0">
+                                          <p:val>
+                                            <p:strVal val="#ppt_y+.1"/>
+                                          </p:val>
+                                        </p:tav>
+                                        <p:tav tm="100000">
+                                          <p:val>
+                                            <p:strVal val="#ppt_y"/>
+                                          </p:val>
+                                        </p:tav>
+                                      </p:tavLst>
+                                    </p:anim>
+                                  </p:childTnLst>
+                                </p:cTn>
+                              </p:par>
+                            </p:childTnLst>
+                          </p:cTn>
+                        </p:par>
+                      </p:childTnLst>
+                    </p:cTn>
+                  </p:par>
+                  <p:par>
+                    <p:cTn id="39" fill="hold">
+                      <p:stCondLst>
+                        <p:cond delay="indefinite"/>
+                      </p:stCondLst>
+                      <p:childTnLst>
+                        <p:par>
+                          <p:cTn id="40" fill="hold">
+                            <p:stCondLst>
+                              <p:cond delay="0"/>
+                            </p:stCondLst>
+                            <p:childTnLst>
+                              <p:par>
+                                <p:cTn id="41" presetID="42" presetClass="entr" presetSubtype="0" fill="hold" grpId="0" nodeType="clickEffect">
+                                  <p:stCondLst>
+                                    <p:cond delay="0"/>
+                                  </p:stCondLst>
+                                  <p:childTnLst>
+                                    <p:set>
+                                      <p:cBhvr>
+                                        <p:cTn id="42" dur="1" fill="hold">
+                                          <p:stCondLst>
+                                            <p:cond delay="0"/>
+                                          </p:stCondLst>
+                                        </p:cTn>
+                                        <p:tgtEl>
+                                          <p:spTgt spid="7"/>
+                                        </p:tgtEl>
+                                        <p:attrNameLst>
+                                          <p:attrName>style.visibility</p:attrName>
+                                        </p:attrNameLst>
+                                      </p:cBhvr>
+                                      <p:to>
+                                        <p:strVal val="visible"/>
+                                      </p:to>
+                                    </p:set>
+                                    <p:animEffect transition="in" filter="fade">
+                                      <p:cBhvr>
+                                        <p:cTn id="43" dur="1000"/>
+                                        <p:tgtEl>
+                                          <p:spTgt spid="7"/>
+                                        </p:tgtEl>
+                                      </p:cBhvr>
+                                    </p:animEffect>
+                                    <p:anim calcmode="lin" valueType="num">
+                                      <p:cBhvr>
+                                        <p:cTn id="44" dur="1000" fill="hold"/>
+                                        <p:tgtEl>
+                                          <p:spTgt spid="7"/>
+                                        </p:tgtEl>
+                                        <p:attrNameLst>
+                                          <p:attrName>ppt_x</p:attrName>
+                                        </p:attrNameLst>
+                                      </p:cBhvr>
+                                      <p:tavLst>
+                                        <p:tav tm="0">
+                                          <p:val>
+                                            <p:strVal val="#ppt_x"/>
+                                          </p:val>
+                                        </p:tav>
+                                        <p:tav tm="100000">
+                                          <p:val>
+                                            <p:strVal val="#ppt_x"/>
+                                          </p:val>
+                                        </p:tav>
+                                      </p:tavLst>
+                                    </p:anim>
+                                    <p:anim calcmode="lin" valueType="num">
+                                      <p:cBhvr>
+                                        <p:cTn id="45" dur="1000" fill="hold"/>
+                                        <p:tgtEl>
+                                          <p:spTgt spid="7"/>
+                                        </p:tgtEl>
+                                        <p:attrNameLst>
+                                          <p:attrName>ppt_y</p:attrName>
+                                        </p:attrNameLst>
+                                      </p:cBhvr>
+                                      <p:tavLst>
+                                        <p:tav tm="0">
+                                          <p:val>
+                                            <p:strVal val="#ppt_y+.1"/>
+                                          </p:val>
+                                        </p:tav>
+                                        <p:tav tm="100000">
+                                          <p:val>
+                                            <p:strVal val="#ppt_y"/>
+                                          </p:val>
+                                        </p:tav>
+                                      </p:tavLst>
+                                    </p:anim>
+                                  </p:childTnLst>
+                                </p:cTn>
+                              </p:par>
+                              <p:par>
+                                <p:cTn id="46" presetID="42" presetClass="entr" presetSubtype="0" fill="hold" nodeType="withEffect">
+                                  <p:stCondLst>
+                                    <p:cond delay="0"/>
+                                  </p:stCondLst>
+                                  <p:childTnLst>
+                                    <p:set>
+                                      <p:cBhvr>
+                                        <p:cTn id="47" dur="1" fill="hold">
+                                          <p:stCondLst>
+                                            <p:cond delay="0"/>
+                                          </p:stCondLst>
+                                        </p:cTn>
+                                        <p:tgtEl>
+                                          <p:spTgt spid="4"/>
+                                        </p:tgtEl>
+                                        <p:attrNameLst>
+                                          <p:attrName>style.visibility</p:attrName>
+                                        </p:attrNameLst>
+                                      </p:cBhvr>
+                                      <p:to>
+                                        <p:strVal val="visible"/>
+                                      </p:to>
+                                    </p:set>
+                                    <p:animEffect transition="in" filter="fade">
+                                      <p:cBhvr>
+                                        <p:cTn id="48" dur="1000"/>
+                                        <p:tgtEl>
+                                          <p:spTgt spid="4"/>
+                                        </p:tgtEl>
+                                      </p:cBhvr>
+                                    </p:animEffect>
+                                    <p:anim calcmode="lin" valueType="num">
+                                      <p:cBhvr>
+                                        <p:cTn id="49" dur="1000" fill="hold"/>
+                                        <p:tgtEl>
+                                          <p:spTgt spid="4"/>
+                                        </p:tgtEl>
+                                        <p:attrNameLst>
+                                          <p:attrName>ppt_x</p:attrName>
+                                        </p:attrNameLst>
+                                      </p:cBhvr>
+                                      <p:tavLst>
+                                        <p:tav tm="0">
+                                          <p:val>
+                                            <p:strVal val="#ppt_x"/>
+                                          </p:val>
+                                        </p:tav>
+                                        <p:tav tm="100000">
+                                          <p:val>
+                                            <p:strVal val="#ppt_x"/>
+                                          </p:val>
+                                        </p:tav>
+                                      </p:tavLst>
+                                    </p:anim>
+                                    <p:anim calcmode="lin" valueType="num">
+                                      <p:cBhvr>
+                                        <p:cTn id="50" dur="1000" fill="hold"/>
+                                        <p:tgtEl>
+                                          <p:spTgt spid="4"/>
+                                        </p:tgtEl>
+                                        <p:attrNameLst>
+                                          <p:attrName>ppt_y</p:attrName>
+                                        </p:attrNameLst>
+                                      </p:cBhvr>
+                                      <p:tavLst>
+                                        <p:tav tm="0">
+                                          <p:val>
+                                            <p:strVal val="#ppt_y+.1"/>
+                                          </p:val>
+                                        </p:tav>
+                                        <p:tav tm="100000">
+                                          <p:val>
+                                            <p:strVal val="#ppt_y"/>
+                                          </p:val>
+                                        </p:tav>
+                                      </p:tavLst>
+                                    </p:anim>
+                                  </p:childTnLst>
+                                </p:cTn>
+                              </p:par>
+                            </p:childTnLst>
+                          </p:cTn>
+                        </p:par>
+                      </p:childTnLst>
+                    </p:cTn>
+                  </p:par>
+                  <p:par>
+                    <p:cTn id="51" fill="hold">
+                      <p:stCondLst>
+                        <p:cond delay="indefinite"/>
+                      </p:stCondLst>
+                      <p:childTnLst>
+                        <p:par>
+                          <p:cTn id="52" fill="hold">
+                            <p:stCondLst>
+                              <p:cond delay="0"/>
+                            </p:stCondLst>
+                            <p:childTnLst>
+                              <p:par>
+                                <p:cTn id="53" presetID="42" presetClass="entr" presetSubtype="0" fill="hold" grpId="0" nodeType="clickEffect">
+                                  <p:stCondLst>
+                                    <p:cond delay="0"/>
+                                  </p:stCondLst>
+                                  <p:childTnLst>
+                                    <p:set>
+                                      <p:cBhvr>
+                                        <p:cTn id="54" dur="1" fill="hold">
+                                          <p:stCondLst>
+                                            <p:cond delay="0"/>
+                                          </p:stCondLst>
+                                        </p:cTn>
+                                        <p:tgtEl>
+                                          <p:spTgt spid="11"/>
+                                        </p:tgtEl>
+                                        <p:attrNameLst>
+                                          <p:attrName>style.visibility</p:attrName>
+                                        </p:attrNameLst>
+                                      </p:cBhvr>
+                                      <p:to>
+                                        <p:strVal val="visible"/>
+                                      </p:to>
+                                    </p:set>
+                                    <p:animEffect transition="in" filter="fade">
+                                      <p:cBhvr>
+                                        <p:cTn id="55" dur="1000"/>
+                                        <p:tgtEl>
+                                          <p:spTgt spid="11"/>
+                                        </p:tgtEl>
+                                      </p:cBhvr>
+                                    </p:animEffect>
+                                    <p:anim calcmode="lin" valueType="num">
+                                      <p:cBhvr>
+                                        <p:cTn id="56" dur="1000" fill="hold"/>
+                                        <p:tgtEl>
+                                          <p:spTgt spid="11"/>
+                                        </p:tgtEl>
+                                        <p:attrNameLst>
+                                          <p:attrName>ppt_x</p:attrName>
+                                        </p:attrNameLst>
+                                      </p:cBhvr>
+                                      <p:tavLst>
+                                        <p:tav tm="0">
+                                          <p:val>
+                                            <p:strVal val="#ppt_x"/>
+                                          </p:val>
+                                        </p:tav>
+                                        <p:tav tm="100000">
+                                          <p:val>
+                                            <p:strVal val="#ppt_x"/>
+                                          </p:val>
+                                        </p:tav>
+                                      </p:tavLst>
+                                    </p:anim>
+                                    <p:anim calcmode="lin" valueType="num">
+                                      <p:cBhvr>
+                                        <p:cTn id="57" dur="1000" fill="hold"/>
+                                        <p:tgtEl>
+                                          <p:spTgt spid="11"/>
+                                        </p:tgtEl>
+                                        <p:attrNameLst>
+                                          <p:attrName>ppt_y</p:attrName>
+                                        </p:attrNameLst>
+                                      </p:cBhvr>
+                                      <p:tavLst>
+                                        <p:tav tm="0">
+                                          <p:val>
+                                            <p:strVal val="#ppt_y+.1"/>
+                                          </p:val>
+                                        </p:tav>
+                                        <p:tav tm="100000">
+                                          <p:val>
+                                            <p:strVal val="#ppt_y"/>
+                                          </p:val>
+                                        </p:tav>
+                                      </p:tavLst>
+                                    </p:anim>
+                                  </p:childTnLst>
+                                </p:cTn>
+                              </p:par>
+                              <p:par>
+                                <p:cTn id="58" presetID="42" presetClass="entr" presetSubtype="0" fill="hold" nodeType="withEffect">
+                                  <p:stCondLst>
+                                    <p:cond delay="0"/>
+                                  </p:stCondLst>
+                                  <p:childTnLst>
+                                    <p:set>
+                                      <p:cBhvr>
+                                        <p:cTn id="59" dur="1" fill="hold">
+                                          <p:stCondLst>
+                                            <p:cond delay="0"/>
+                                          </p:stCondLst>
+                                        </p:cTn>
+                                        <p:tgtEl>
+                                          <p:spTgt spid="35"/>
+                                        </p:tgtEl>
+                                        <p:attrNameLst>
+                                          <p:attrName>style.visibility</p:attrName>
+                                        </p:attrNameLst>
+                                      </p:cBhvr>
+                                      <p:to>
+                                        <p:strVal val="visible"/>
+                                      </p:to>
+                                    </p:set>
+                                    <p:animEffect transition="in" filter="fade">
+                                      <p:cBhvr>
+                                        <p:cTn id="60" dur="1000"/>
+                                        <p:tgtEl>
+                                          <p:spTgt spid="35"/>
+                                        </p:tgtEl>
+                                      </p:cBhvr>
+                                    </p:animEffect>
+                                    <p:anim calcmode="lin" valueType="num">
+                                      <p:cBhvr>
+                                        <p:cTn id="61" dur="1000" fill="hold"/>
+                                        <p:tgtEl>
+                                          <p:spTgt spid="35"/>
+                                        </p:tgtEl>
+                                        <p:attrNameLst>
+                                          <p:attrName>ppt_x</p:attrName>
+                                        </p:attrNameLst>
+                                      </p:cBhvr>
+                                      <p:tavLst>
+                                        <p:tav tm="0">
+                                          <p:val>
+                                            <p:strVal val="#ppt_x"/>
+                                          </p:val>
+                                        </p:tav>
+                                        <p:tav tm="100000">
+                                          <p:val>
+                                            <p:strVal val="#ppt_x"/>
+                                          </p:val>
+                                        </p:tav>
+                                      </p:tavLst>
+                                    </p:anim>
+                                    <p:anim calcmode="lin" valueType="num">
+                                      <p:cBhvr>
+                                        <p:cTn id="62" dur="1000" fill="hold"/>
+                                        <p:tgtEl>
+                                          <p:spTgt spid="35"/>
+                                        </p:tgtEl>
+                                        <p:attrNameLst>
+                                          <p:attrName>ppt_y</p:attrName>
+                                        </p:attrNameLst>
+                                      </p:cBhvr>
+                                      <p:tavLst>
+                                        <p:tav tm="0">
+                                          <p:val>
+                                            <p:strVal val="#ppt_y+.1"/>
+                                          </p:val>
+                                        </p:tav>
+                                        <p:tav tm="100000">
+                                          <p:val>
+                                            <p:strVal val="#ppt_y"/>
+                                          </p:val>
+                                        </p:tav>
+                                      </p:tavLst>
+                                    </p:anim>
+                                  </p:childTnLst>
+                                </p:cTn>
+                              </p:par>
+                            </p:childTnLst>
+                          </p:cTn>
+                        </p:par>
+                      </p:childTnLst>
+                    </p:cTn>
+                  </p:par>
+                </p:childTnLst>
+              </p:cTn>
+              <p:prevCondLst>
+                <p:cond evt="onPrev" delay="0">
+                  <p:tgtEl>
+                    <p:sldTgt/>
+                  </p:tgtEl>
+                </p:cond>
+              </p:prevCondLst>
+              <p:nextCondLst>
+                <p:cond evt="onNext" delay="0">
+                  <p:tgtEl>
+                    <p:sldTgt/>
+                  </p:tgtEl>
+                </p:cond>
+              </p:nextCondLst>
+            </p:seq>
+          </p:childTnLst>
+        </p:cTn>
+      </p:par>
+    </p:tnLst>
+    <p:bldLst>
+      <p:bldP spid="2" grpId="0"/>
+      <p:bldP spid="5" grpId="0"/>
+      <p:bldP spid="6" grpId="0"/>
+      <p:bldP spid="7" grpId="0"/>
+      <p:bldP spid="11" grpId="0"/>
+    </p:bldLst>
+  </p:timing>
 </p:sld>
 </file>
 

--- a/oral_projet/revue_2/diaporama_revue_1_steven.pptx
+++ b/oral_projet/revue_2/diaporama_revue_1_steven.pptx
@@ -5,7 +5,7 @@
     <p:sldMasterId id="2147483648" r:id="rId1"/>
   </p:sldMasterIdLst>
   <p:notesMasterIdLst>
-    <p:notesMasterId r:id="rId8"/>
+    <p:notesMasterId r:id="rId11"/>
   </p:notesMasterIdLst>
   <p:sldIdLst>
     <p:sldId id="256" r:id="rId2"/>
@@ -14,6 +14,9 @@
     <p:sldId id="258" r:id="rId5"/>
     <p:sldId id="260" r:id="rId6"/>
     <p:sldId id="262" r:id="rId7"/>
+    <p:sldId id="263" r:id="rId8"/>
+    <p:sldId id="264" r:id="rId9"/>
+    <p:sldId id="265" r:id="rId10"/>
   </p:sldIdLst>
   <p:sldSz cx="12192000" cy="6858000"/>
   <p:notesSz cx="6858000" cy="9144000"/>
@@ -3887,7 +3890,7 @@
         </p:nvSpPr>
         <p:spPr>
           <a:xfrm>
-            <a:off x="3669181" y="1157890"/>
+            <a:off x="3425695" y="575643"/>
             <a:ext cx="4853637" cy="769441"/>
           </a:xfrm>
           <a:prstGeom prst="rect">
@@ -5312,7 +5315,7 @@
         </p:nvSpPr>
         <p:spPr>
           <a:xfrm>
-            <a:off x="2894202" y="1367406"/>
+            <a:off x="2909987" y="712782"/>
             <a:ext cx="5632597" cy="769441"/>
           </a:xfrm>
           <a:prstGeom prst="rect">
@@ -7692,7 +7695,7 @@
         </p:blipFill>
         <p:spPr>
           <a:xfrm>
-            <a:off x="2011509" y="1080274"/>
+            <a:off x="1892238" y="1366032"/>
             <a:ext cx="8191450" cy="5500573"/>
           </a:xfrm>
           <a:prstGeom prst="rect">
@@ -7700,6 +7703,43 @@
           </a:prstGeom>
         </p:spPr>
       </p:pic>
+      <p:sp>
+        <p:nvSpPr>
+          <p:cNvPr id="2" name="ZoneTexte 1">
+            <a:extLst>
+              <a:ext uri="{FF2B5EF4-FFF2-40B4-BE49-F238E27FC236}">
+                <a16:creationId xmlns:a16="http://schemas.microsoft.com/office/drawing/2014/main" id="{63718871-5263-4630-A9A0-F2F743B5633D}"/>
+              </a:ext>
+            </a:extLst>
+          </p:cNvPr>
+          <p:cNvSpPr txBox="1"/>
+          <p:nvPr/>
+        </p:nvSpPr>
+        <p:spPr>
+          <a:xfrm>
+            <a:off x="3056330" y="596591"/>
+            <a:ext cx="5534593" cy="769441"/>
+          </a:xfrm>
+          <a:prstGeom prst="rect">
+            <a:avLst/>
+          </a:prstGeom>
+          <a:noFill/>
+        </p:spPr>
+        <p:txBody>
+          <a:bodyPr wrap="square" rtlCol="0">
+            <a:spAutoFit/>
+          </a:bodyPr>
+          <a:lstStyle/>
+          <a:p>
+            <a:r>
+              <a:rPr lang="fr-FR" sz="4400" dirty="0">
+                <a:latin typeface="Berlin Sans FB" panose="020E0602020502020306" pitchFamily="34" charset="0"/>
+              </a:rPr>
+              <a:t>Synoptique du projet</a:t>
+            </a:r>
+          </a:p>
+        </p:txBody>
+      </p:sp>
     </p:spTree>
     <p:extLst>
       <p:ext uri="{BB962C8B-B14F-4D97-AF65-F5344CB8AC3E}">
@@ -8170,7 +8210,7 @@
         </p:nvSpPr>
         <p:spPr>
           <a:xfrm>
-            <a:off x="3422708" y="1384184"/>
+            <a:off x="3216457" y="729745"/>
             <a:ext cx="5632597" cy="769441"/>
           </a:xfrm>
           <a:prstGeom prst="rect">
@@ -9714,7 +9754,7 @@
         </p:nvSpPr>
         <p:spPr>
           <a:xfrm>
-            <a:off x="3852234" y="1187412"/>
+            <a:off x="3362957" y="583565"/>
             <a:ext cx="7253761" cy="769441"/>
           </a:xfrm>
           <a:prstGeom prst="rect">
@@ -11890,10 +11930,2544 @@
           </a:fontRef>
         </p:style>
       </p:cxnSp>
+      <p:pic>
+        <p:nvPicPr>
+          <p:cNvPr id="24" name="Image 23">
+            <a:extLst>
+              <a:ext uri="{FF2B5EF4-FFF2-40B4-BE49-F238E27FC236}">
+                <a16:creationId xmlns:a16="http://schemas.microsoft.com/office/drawing/2014/main" id="{7A11CD42-93A2-4CE9-8917-661C6FDC8EB2}"/>
+              </a:ext>
+            </a:extLst>
+          </p:cNvPr>
+          <p:cNvPicPr>
+            <a:picLocks noChangeAspect="1"/>
+          </p:cNvPicPr>
+          <p:nvPr/>
+        </p:nvPicPr>
+        <p:blipFill>
+          <a:blip r:embed="rId4">
+            <a:extLst>
+              <a:ext uri="{28A0092B-C50C-407E-A947-70E740481C1C}">
+                <a14:useLocalDpi xmlns:a14="http://schemas.microsoft.com/office/drawing/2010/main" val="0"/>
+              </a:ext>
+            </a:extLst>
+          </a:blip>
+          <a:stretch>
+            <a:fillRect/>
+          </a:stretch>
+        </p:blipFill>
+        <p:spPr>
+          <a:xfrm>
+            <a:off x="1655727" y="2046914"/>
+            <a:ext cx="7028292" cy="4777614"/>
+          </a:xfrm>
+          <a:prstGeom prst="rect">
+            <a:avLst/>
+          </a:prstGeom>
+        </p:spPr>
+      </p:pic>
+      <p:sp>
+        <p:nvSpPr>
+          <p:cNvPr id="4" name="ZoneTexte 3">
+            <a:extLst>
+              <a:ext uri="{FF2B5EF4-FFF2-40B4-BE49-F238E27FC236}">
+                <a16:creationId xmlns:a16="http://schemas.microsoft.com/office/drawing/2014/main" id="{E77BD0C0-B104-436D-A198-D80CD647A659}"/>
+              </a:ext>
+            </a:extLst>
+          </p:cNvPr>
+          <p:cNvSpPr txBox="1"/>
+          <p:nvPr/>
+        </p:nvSpPr>
+        <p:spPr>
+          <a:xfrm>
+            <a:off x="2988527" y="691412"/>
+            <a:ext cx="6243927" cy="1446550"/>
+          </a:xfrm>
+          <a:prstGeom prst="rect">
+            <a:avLst/>
+          </a:prstGeom>
+          <a:noFill/>
+        </p:spPr>
+        <p:txBody>
+          <a:bodyPr wrap="square" rtlCol="0">
+            <a:spAutoFit/>
+          </a:bodyPr>
+          <a:lstStyle/>
+          <a:p>
+            <a:r>
+              <a:rPr lang="fr-FR" sz="4400" dirty="0">
+                <a:latin typeface="Berlin Sans FB" panose="020E0602020502020306" pitchFamily="34" charset="0"/>
+              </a:rPr>
+              <a:t>Diagramme de cas d’utilisation</a:t>
+            </a:r>
+          </a:p>
+        </p:txBody>
+      </p:sp>
     </p:spTree>
     <p:extLst>
       <p:ext uri="{BB962C8B-B14F-4D97-AF65-F5344CB8AC3E}">
         <p14:creationId xmlns:p14="http://schemas.microsoft.com/office/powerpoint/2010/main" val="2016876074"/>
+      </p:ext>
+    </p:extLst>
+  </p:cSld>
+  <p:clrMapOvr>
+    <a:masterClrMapping/>
+  </p:clrMapOvr>
+  <mc:AlternateContent xmlns:mc="http://schemas.openxmlformats.org/markup-compatibility/2006" xmlns:p14="http://schemas.microsoft.com/office/powerpoint/2010/main">
+    <mc:Choice Requires="p14">
+      <p:transition spd="slow">
+        <p14:reveal/>
+      </p:transition>
+    </mc:Choice>
+    <mc:Fallback xmlns="">
+      <p:transition spd="slow">
+        <p:fade/>
+      </p:transition>
+    </mc:Fallback>
+  </mc:AlternateContent>
+</p:sld>
+</file>
+
+<file path=ppt/slides/slide7.xml><?xml version="1.0" encoding="utf-8"?>
+<p:sld xmlns:a="http://schemas.openxmlformats.org/drawingml/2006/main" xmlns:r="http://schemas.openxmlformats.org/officeDocument/2006/relationships" xmlns:p="http://schemas.openxmlformats.org/presentationml/2006/main">
+  <p:cSld>
+    <p:spTree>
+      <p:nvGrpSpPr>
+        <p:cNvPr id="1" name=""/>
+        <p:cNvGrpSpPr/>
+        <p:nvPr/>
+      </p:nvGrpSpPr>
+      <p:grpSpPr>
+        <a:xfrm>
+          <a:off x="0" y="0"/>
+          <a:ext cx="0" cy="0"/>
+          <a:chOff x="0" y="0"/>
+          <a:chExt cx="0" cy="0"/>
+        </a:xfrm>
+      </p:grpSpPr>
+      <p:pic>
+        <p:nvPicPr>
+          <p:cNvPr id="8" name="Image 7">
+            <a:extLst>
+              <a:ext uri="{FF2B5EF4-FFF2-40B4-BE49-F238E27FC236}">
+                <a16:creationId xmlns:a16="http://schemas.microsoft.com/office/drawing/2014/main" id="{2BB825C5-31DA-4A56-85EA-536DBF510A31}"/>
+              </a:ext>
+            </a:extLst>
+          </p:cNvPr>
+          <p:cNvPicPr>
+            <a:picLocks noChangeAspect="1"/>
+          </p:cNvPicPr>
+          <p:nvPr/>
+        </p:nvPicPr>
+        <p:blipFill>
+          <a:blip r:embed="rId2">
+            <a:extLst>
+              <a:ext uri="{28A0092B-C50C-407E-A947-70E740481C1C}">
+                <a14:useLocalDpi xmlns:a14="http://schemas.microsoft.com/office/drawing/2010/main" val="0"/>
+              </a:ext>
+            </a:extLst>
+          </a:blip>
+          <a:stretch>
+            <a:fillRect/>
+          </a:stretch>
+        </p:blipFill>
+        <p:spPr>
+          <a:xfrm>
+            <a:off x="1068751" y="66457"/>
+            <a:ext cx="1259497" cy="776690"/>
+          </a:xfrm>
+          <a:prstGeom prst="rect">
+            <a:avLst/>
+          </a:prstGeom>
+        </p:spPr>
+      </p:pic>
+      <p:pic>
+        <p:nvPicPr>
+          <p:cNvPr id="10" name="Image 9">
+            <a:extLst>
+              <a:ext uri="{FF2B5EF4-FFF2-40B4-BE49-F238E27FC236}">
+                <a16:creationId xmlns:a16="http://schemas.microsoft.com/office/drawing/2014/main" id="{8EE7436F-49F2-41E0-93E4-D247B4705294}"/>
+              </a:ext>
+            </a:extLst>
+          </p:cNvPr>
+          <p:cNvPicPr>
+            <a:picLocks noChangeAspect="1"/>
+          </p:cNvPicPr>
+          <p:nvPr/>
+        </p:nvPicPr>
+        <p:blipFill>
+          <a:blip r:embed="rId3">
+            <a:extLst>
+              <a:ext uri="{28A0092B-C50C-407E-A947-70E740481C1C}">
+                <a14:useLocalDpi xmlns:a14="http://schemas.microsoft.com/office/drawing/2010/main" val="0"/>
+              </a:ext>
+            </a:extLst>
+          </a:blip>
+          <a:stretch>
+            <a:fillRect/>
+          </a:stretch>
+        </p:blipFill>
+        <p:spPr>
+          <a:xfrm>
+            <a:off x="9681085" y="238153"/>
+            <a:ext cx="1802101" cy="569807"/>
+          </a:xfrm>
+          <a:prstGeom prst="rect">
+            <a:avLst/>
+          </a:prstGeom>
+        </p:spPr>
+      </p:pic>
+      <p:cxnSp>
+        <p:nvCxnSpPr>
+          <p:cNvPr id="16" name="Connecteur droit 15">
+            <a:extLst>
+              <a:ext uri="{FF2B5EF4-FFF2-40B4-BE49-F238E27FC236}">
+                <a16:creationId xmlns:a16="http://schemas.microsoft.com/office/drawing/2014/main" id="{7319284A-BD6F-4A96-8E2B-E0A4B52E53C6}"/>
+              </a:ext>
+            </a:extLst>
+          </p:cNvPr>
+          <p:cNvCxnSpPr>
+            <a:cxnSpLocks/>
+          </p:cNvCxnSpPr>
+          <p:nvPr/>
+        </p:nvCxnSpPr>
+        <p:spPr>
+          <a:xfrm flipV="1">
+            <a:off x="0" y="454803"/>
+            <a:ext cx="738231" cy="1798"/>
+          </a:xfrm>
+          <a:prstGeom prst="line">
+            <a:avLst/>
+          </a:prstGeom>
+        </p:spPr>
+        <p:style>
+          <a:lnRef idx="3">
+            <a:schemeClr val="dk1"/>
+          </a:lnRef>
+          <a:fillRef idx="0">
+            <a:schemeClr val="dk1"/>
+          </a:fillRef>
+          <a:effectRef idx="2">
+            <a:schemeClr val="dk1"/>
+          </a:effectRef>
+          <a:fontRef idx="minor">
+            <a:schemeClr val="tx1"/>
+          </a:fontRef>
+        </p:style>
+      </p:cxnSp>
+      <p:cxnSp>
+        <p:nvCxnSpPr>
+          <p:cNvPr id="20" name="Connecteur droit 19">
+            <a:extLst>
+              <a:ext uri="{FF2B5EF4-FFF2-40B4-BE49-F238E27FC236}">
+                <a16:creationId xmlns:a16="http://schemas.microsoft.com/office/drawing/2014/main" id="{08874CF7-F149-4C81-B61E-74E18342BA8A}"/>
+              </a:ext>
+            </a:extLst>
+          </p:cNvPr>
+          <p:cNvCxnSpPr>
+            <a:cxnSpLocks/>
+          </p:cNvCxnSpPr>
+          <p:nvPr/>
+        </p:nvCxnSpPr>
+        <p:spPr>
+          <a:xfrm>
+            <a:off x="2573222" y="454803"/>
+            <a:ext cx="6829482" cy="10398"/>
+          </a:xfrm>
+          <a:prstGeom prst="line">
+            <a:avLst/>
+          </a:prstGeom>
+        </p:spPr>
+        <p:style>
+          <a:lnRef idx="3">
+            <a:schemeClr val="dk1"/>
+          </a:lnRef>
+          <a:fillRef idx="0">
+            <a:schemeClr val="dk1"/>
+          </a:fillRef>
+          <a:effectRef idx="2">
+            <a:schemeClr val="dk1"/>
+          </a:effectRef>
+          <a:fontRef idx="minor">
+            <a:schemeClr val="tx1"/>
+          </a:fontRef>
+        </p:style>
+      </p:cxnSp>
+      <p:cxnSp>
+        <p:nvCxnSpPr>
+          <p:cNvPr id="26" name="Connecteur droit 25">
+            <a:extLst>
+              <a:ext uri="{FF2B5EF4-FFF2-40B4-BE49-F238E27FC236}">
+                <a16:creationId xmlns:a16="http://schemas.microsoft.com/office/drawing/2014/main" id="{BB3B35CC-057B-48C1-880F-3306A6559175}"/>
+              </a:ext>
+            </a:extLst>
+          </p:cNvPr>
+          <p:cNvCxnSpPr>
+            <a:cxnSpLocks/>
+          </p:cNvCxnSpPr>
+          <p:nvPr/>
+        </p:nvCxnSpPr>
+        <p:spPr>
+          <a:xfrm>
+            <a:off x="738231" y="454803"/>
+            <a:ext cx="344203" cy="484764"/>
+          </a:xfrm>
+          <a:prstGeom prst="line">
+            <a:avLst/>
+          </a:prstGeom>
+        </p:spPr>
+        <p:style>
+          <a:lnRef idx="3">
+            <a:schemeClr val="dk1"/>
+          </a:lnRef>
+          <a:fillRef idx="0">
+            <a:schemeClr val="dk1"/>
+          </a:fillRef>
+          <a:effectRef idx="2">
+            <a:schemeClr val="dk1"/>
+          </a:effectRef>
+          <a:fontRef idx="minor">
+            <a:schemeClr val="tx1"/>
+          </a:fontRef>
+        </p:style>
+      </p:cxnSp>
+      <p:cxnSp>
+        <p:nvCxnSpPr>
+          <p:cNvPr id="32" name="Connecteur droit 31">
+            <a:extLst>
+              <a:ext uri="{FF2B5EF4-FFF2-40B4-BE49-F238E27FC236}">
+                <a16:creationId xmlns:a16="http://schemas.microsoft.com/office/drawing/2014/main" id="{4AD96496-1EB6-4E48-9BB2-5C255495C686}"/>
+              </a:ext>
+            </a:extLst>
+          </p:cNvPr>
+          <p:cNvCxnSpPr>
+            <a:cxnSpLocks/>
+          </p:cNvCxnSpPr>
+          <p:nvPr/>
+        </p:nvCxnSpPr>
+        <p:spPr>
+          <a:xfrm>
+            <a:off x="1082434" y="938268"/>
+            <a:ext cx="1146585" cy="0"/>
+          </a:xfrm>
+          <a:prstGeom prst="line">
+            <a:avLst/>
+          </a:prstGeom>
+        </p:spPr>
+        <p:style>
+          <a:lnRef idx="3">
+            <a:schemeClr val="dk1"/>
+          </a:lnRef>
+          <a:fillRef idx="0">
+            <a:schemeClr val="dk1"/>
+          </a:fillRef>
+          <a:effectRef idx="2">
+            <a:schemeClr val="dk1"/>
+          </a:effectRef>
+          <a:fontRef idx="minor">
+            <a:schemeClr val="tx1"/>
+          </a:fontRef>
+        </p:style>
+      </p:cxnSp>
+      <p:cxnSp>
+        <p:nvCxnSpPr>
+          <p:cNvPr id="51" name="Connecteur droit 50">
+            <a:extLst>
+              <a:ext uri="{FF2B5EF4-FFF2-40B4-BE49-F238E27FC236}">
+                <a16:creationId xmlns:a16="http://schemas.microsoft.com/office/drawing/2014/main" id="{C035BFA6-ECBF-4775-BA81-19D2CA41AA8D}"/>
+              </a:ext>
+            </a:extLst>
+          </p:cNvPr>
+          <p:cNvCxnSpPr>
+            <a:cxnSpLocks/>
+          </p:cNvCxnSpPr>
+          <p:nvPr/>
+        </p:nvCxnSpPr>
+        <p:spPr>
+          <a:xfrm>
+            <a:off x="9402704" y="465201"/>
+            <a:ext cx="344203" cy="495163"/>
+          </a:xfrm>
+          <a:prstGeom prst="line">
+            <a:avLst/>
+          </a:prstGeom>
+        </p:spPr>
+        <p:style>
+          <a:lnRef idx="3">
+            <a:schemeClr val="dk1"/>
+          </a:lnRef>
+          <a:fillRef idx="0">
+            <a:schemeClr val="dk1"/>
+          </a:fillRef>
+          <a:effectRef idx="2">
+            <a:schemeClr val="dk1"/>
+          </a:effectRef>
+          <a:fontRef idx="minor">
+            <a:schemeClr val="tx1"/>
+          </a:fontRef>
+        </p:style>
+      </p:cxnSp>
+      <p:cxnSp>
+        <p:nvCxnSpPr>
+          <p:cNvPr id="52" name="Connecteur droit 51">
+            <a:extLst>
+              <a:ext uri="{FF2B5EF4-FFF2-40B4-BE49-F238E27FC236}">
+                <a16:creationId xmlns:a16="http://schemas.microsoft.com/office/drawing/2014/main" id="{FA310BC7-694B-4984-99A2-61A1F4F6EBF9}"/>
+              </a:ext>
+            </a:extLst>
+          </p:cNvPr>
+          <p:cNvCxnSpPr>
+            <a:cxnSpLocks/>
+          </p:cNvCxnSpPr>
+          <p:nvPr/>
+        </p:nvCxnSpPr>
+        <p:spPr>
+          <a:xfrm flipH="1">
+            <a:off x="11370469" y="448308"/>
+            <a:ext cx="364332" cy="501657"/>
+          </a:xfrm>
+          <a:prstGeom prst="line">
+            <a:avLst/>
+          </a:prstGeom>
+        </p:spPr>
+        <p:style>
+          <a:lnRef idx="3">
+            <a:schemeClr val="dk1"/>
+          </a:lnRef>
+          <a:fillRef idx="0">
+            <a:schemeClr val="dk1"/>
+          </a:fillRef>
+          <a:effectRef idx="2">
+            <a:schemeClr val="dk1"/>
+          </a:effectRef>
+          <a:fontRef idx="minor">
+            <a:schemeClr val="tx1"/>
+          </a:fontRef>
+        </p:style>
+      </p:cxnSp>
+      <p:cxnSp>
+        <p:nvCxnSpPr>
+          <p:cNvPr id="53" name="Connecteur droit 52">
+            <a:extLst>
+              <a:ext uri="{FF2B5EF4-FFF2-40B4-BE49-F238E27FC236}">
+                <a16:creationId xmlns:a16="http://schemas.microsoft.com/office/drawing/2014/main" id="{BE0649BD-EE59-4DDA-960F-95B2572F9F13}"/>
+              </a:ext>
+            </a:extLst>
+          </p:cNvPr>
+          <p:cNvCxnSpPr>
+            <a:cxnSpLocks/>
+          </p:cNvCxnSpPr>
+          <p:nvPr/>
+        </p:nvCxnSpPr>
+        <p:spPr>
+          <a:xfrm>
+            <a:off x="9743203" y="949965"/>
+            <a:ext cx="1627266" cy="0"/>
+          </a:xfrm>
+          <a:prstGeom prst="line">
+            <a:avLst/>
+          </a:prstGeom>
+        </p:spPr>
+        <p:style>
+          <a:lnRef idx="3">
+            <a:schemeClr val="dk1"/>
+          </a:lnRef>
+          <a:fillRef idx="0">
+            <a:schemeClr val="dk1"/>
+          </a:fillRef>
+          <a:effectRef idx="2">
+            <a:schemeClr val="dk1"/>
+          </a:effectRef>
+          <a:fontRef idx="minor">
+            <a:schemeClr val="tx1"/>
+          </a:fontRef>
+        </p:style>
+      </p:cxnSp>
+      <p:cxnSp>
+        <p:nvCxnSpPr>
+          <p:cNvPr id="55" name="Connecteur droit 54">
+            <a:extLst>
+              <a:ext uri="{FF2B5EF4-FFF2-40B4-BE49-F238E27FC236}">
+                <a16:creationId xmlns:a16="http://schemas.microsoft.com/office/drawing/2014/main" id="{52AA9200-DAFA-4EEF-AC13-4C7CE82A59EC}"/>
+              </a:ext>
+            </a:extLst>
+          </p:cNvPr>
+          <p:cNvCxnSpPr>
+            <a:cxnSpLocks/>
+          </p:cNvCxnSpPr>
+          <p:nvPr/>
+        </p:nvCxnSpPr>
+        <p:spPr>
+          <a:xfrm>
+            <a:off x="11715750" y="454801"/>
+            <a:ext cx="476249" cy="10400"/>
+          </a:xfrm>
+          <a:prstGeom prst="line">
+            <a:avLst/>
+          </a:prstGeom>
+        </p:spPr>
+        <p:style>
+          <a:lnRef idx="3">
+            <a:schemeClr val="dk1"/>
+          </a:lnRef>
+          <a:fillRef idx="0">
+            <a:schemeClr val="dk1"/>
+          </a:fillRef>
+          <a:effectRef idx="2">
+            <a:schemeClr val="dk1"/>
+          </a:effectRef>
+          <a:fontRef idx="minor">
+            <a:schemeClr val="tx1"/>
+          </a:fontRef>
+        </p:style>
+      </p:cxnSp>
+      <p:cxnSp>
+        <p:nvCxnSpPr>
+          <p:cNvPr id="23" name="Connecteur droit 22">
+            <a:extLst>
+              <a:ext uri="{FF2B5EF4-FFF2-40B4-BE49-F238E27FC236}">
+                <a16:creationId xmlns:a16="http://schemas.microsoft.com/office/drawing/2014/main" id="{BCB092C8-0080-4E56-957E-0046D4C83988}"/>
+              </a:ext>
+            </a:extLst>
+          </p:cNvPr>
+          <p:cNvCxnSpPr>
+            <a:cxnSpLocks/>
+          </p:cNvCxnSpPr>
+          <p:nvPr/>
+        </p:nvCxnSpPr>
+        <p:spPr>
+          <a:xfrm flipH="1">
+            <a:off x="2216372" y="446356"/>
+            <a:ext cx="364332" cy="501657"/>
+          </a:xfrm>
+          <a:prstGeom prst="line">
+            <a:avLst/>
+          </a:prstGeom>
+        </p:spPr>
+        <p:style>
+          <a:lnRef idx="3">
+            <a:schemeClr val="dk1"/>
+          </a:lnRef>
+          <a:fillRef idx="0">
+            <a:schemeClr val="dk1"/>
+          </a:fillRef>
+          <a:effectRef idx="2">
+            <a:schemeClr val="dk1"/>
+          </a:effectRef>
+          <a:fontRef idx="minor">
+            <a:schemeClr val="tx1"/>
+          </a:fontRef>
+        </p:style>
+      </p:cxnSp>
+      <p:pic>
+        <p:nvPicPr>
+          <p:cNvPr id="57" name="Image 56">
+            <a:extLst>
+              <a:ext uri="{FF2B5EF4-FFF2-40B4-BE49-F238E27FC236}">
+                <a16:creationId xmlns:a16="http://schemas.microsoft.com/office/drawing/2014/main" id="{12B16FB2-5844-4B92-AE69-9BAC858C22BB}"/>
+              </a:ext>
+            </a:extLst>
+          </p:cNvPr>
+          <p:cNvPicPr>
+            <a:picLocks noChangeAspect="1"/>
+          </p:cNvPicPr>
+          <p:nvPr/>
+        </p:nvPicPr>
+        <p:blipFill>
+          <a:blip r:embed="rId3">
+            <a:extLst>
+              <a:ext uri="{28A0092B-C50C-407E-A947-70E740481C1C}">
+                <a14:useLocalDpi xmlns:a14="http://schemas.microsoft.com/office/drawing/2010/main" val="0"/>
+              </a:ext>
+            </a:extLst>
+          </a:blip>
+          <a:stretch>
+            <a:fillRect/>
+          </a:stretch>
+        </p:blipFill>
+        <p:spPr>
+          <a:xfrm>
+            <a:off x="9681085" y="238153"/>
+            <a:ext cx="1802101" cy="569807"/>
+          </a:xfrm>
+          <a:prstGeom prst="rect">
+            <a:avLst/>
+          </a:prstGeom>
+        </p:spPr>
+      </p:pic>
+      <p:cxnSp>
+        <p:nvCxnSpPr>
+          <p:cNvPr id="58" name="Connecteur droit 57">
+            <a:extLst>
+              <a:ext uri="{FF2B5EF4-FFF2-40B4-BE49-F238E27FC236}">
+                <a16:creationId xmlns:a16="http://schemas.microsoft.com/office/drawing/2014/main" id="{01599350-F8B0-4FDC-B003-981189A8D654}"/>
+              </a:ext>
+            </a:extLst>
+          </p:cNvPr>
+          <p:cNvCxnSpPr>
+            <a:cxnSpLocks/>
+          </p:cNvCxnSpPr>
+          <p:nvPr/>
+        </p:nvCxnSpPr>
+        <p:spPr>
+          <a:xfrm>
+            <a:off x="2573222" y="454803"/>
+            <a:ext cx="6829482" cy="10398"/>
+          </a:xfrm>
+          <a:prstGeom prst="line">
+            <a:avLst/>
+          </a:prstGeom>
+        </p:spPr>
+        <p:style>
+          <a:lnRef idx="3">
+            <a:schemeClr val="dk1"/>
+          </a:lnRef>
+          <a:fillRef idx="0">
+            <a:schemeClr val="dk1"/>
+          </a:fillRef>
+          <a:effectRef idx="2">
+            <a:schemeClr val="dk1"/>
+          </a:effectRef>
+          <a:fontRef idx="minor">
+            <a:schemeClr val="tx1"/>
+          </a:fontRef>
+        </p:style>
+      </p:cxnSp>
+      <p:cxnSp>
+        <p:nvCxnSpPr>
+          <p:cNvPr id="59" name="Connecteur droit 58">
+            <a:extLst>
+              <a:ext uri="{FF2B5EF4-FFF2-40B4-BE49-F238E27FC236}">
+                <a16:creationId xmlns:a16="http://schemas.microsoft.com/office/drawing/2014/main" id="{BC6E6150-6054-4785-84EC-0C46D82034C2}"/>
+              </a:ext>
+            </a:extLst>
+          </p:cNvPr>
+          <p:cNvCxnSpPr>
+            <a:cxnSpLocks/>
+          </p:cNvCxnSpPr>
+          <p:nvPr/>
+        </p:nvCxnSpPr>
+        <p:spPr>
+          <a:xfrm>
+            <a:off x="738231" y="454803"/>
+            <a:ext cx="344203" cy="484764"/>
+          </a:xfrm>
+          <a:prstGeom prst="line">
+            <a:avLst/>
+          </a:prstGeom>
+        </p:spPr>
+        <p:style>
+          <a:lnRef idx="3">
+            <a:schemeClr val="dk1"/>
+          </a:lnRef>
+          <a:fillRef idx="0">
+            <a:schemeClr val="dk1"/>
+          </a:fillRef>
+          <a:effectRef idx="2">
+            <a:schemeClr val="dk1"/>
+          </a:effectRef>
+          <a:fontRef idx="minor">
+            <a:schemeClr val="tx1"/>
+          </a:fontRef>
+        </p:style>
+      </p:cxnSp>
+      <p:cxnSp>
+        <p:nvCxnSpPr>
+          <p:cNvPr id="60" name="Connecteur droit 59">
+            <a:extLst>
+              <a:ext uri="{FF2B5EF4-FFF2-40B4-BE49-F238E27FC236}">
+                <a16:creationId xmlns:a16="http://schemas.microsoft.com/office/drawing/2014/main" id="{CBC9961A-8EC2-4287-A398-BCA4138D409D}"/>
+              </a:ext>
+            </a:extLst>
+          </p:cNvPr>
+          <p:cNvCxnSpPr>
+            <a:cxnSpLocks/>
+          </p:cNvCxnSpPr>
+          <p:nvPr/>
+        </p:nvCxnSpPr>
+        <p:spPr>
+          <a:xfrm>
+            <a:off x="1082434" y="938268"/>
+            <a:ext cx="1146585" cy="0"/>
+          </a:xfrm>
+          <a:prstGeom prst="line">
+            <a:avLst/>
+          </a:prstGeom>
+        </p:spPr>
+        <p:style>
+          <a:lnRef idx="3">
+            <a:schemeClr val="dk1"/>
+          </a:lnRef>
+          <a:fillRef idx="0">
+            <a:schemeClr val="dk1"/>
+          </a:fillRef>
+          <a:effectRef idx="2">
+            <a:schemeClr val="dk1"/>
+          </a:effectRef>
+          <a:fontRef idx="minor">
+            <a:schemeClr val="tx1"/>
+          </a:fontRef>
+        </p:style>
+      </p:cxnSp>
+      <p:cxnSp>
+        <p:nvCxnSpPr>
+          <p:cNvPr id="61" name="Connecteur droit 60">
+            <a:extLst>
+              <a:ext uri="{FF2B5EF4-FFF2-40B4-BE49-F238E27FC236}">
+                <a16:creationId xmlns:a16="http://schemas.microsoft.com/office/drawing/2014/main" id="{152B7C45-2543-4665-BC07-4DB71CA9F337}"/>
+              </a:ext>
+            </a:extLst>
+          </p:cNvPr>
+          <p:cNvCxnSpPr>
+            <a:cxnSpLocks/>
+          </p:cNvCxnSpPr>
+          <p:nvPr/>
+        </p:nvCxnSpPr>
+        <p:spPr>
+          <a:xfrm>
+            <a:off x="9402704" y="465201"/>
+            <a:ext cx="344203" cy="495163"/>
+          </a:xfrm>
+          <a:prstGeom prst="line">
+            <a:avLst/>
+          </a:prstGeom>
+        </p:spPr>
+        <p:style>
+          <a:lnRef idx="3">
+            <a:schemeClr val="dk1"/>
+          </a:lnRef>
+          <a:fillRef idx="0">
+            <a:schemeClr val="dk1"/>
+          </a:fillRef>
+          <a:effectRef idx="2">
+            <a:schemeClr val="dk1"/>
+          </a:effectRef>
+          <a:fontRef idx="minor">
+            <a:schemeClr val="tx1"/>
+          </a:fontRef>
+        </p:style>
+      </p:cxnSp>
+      <p:cxnSp>
+        <p:nvCxnSpPr>
+          <p:cNvPr id="62" name="Connecteur droit 61">
+            <a:extLst>
+              <a:ext uri="{FF2B5EF4-FFF2-40B4-BE49-F238E27FC236}">
+                <a16:creationId xmlns:a16="http://schemas.microsoft.com/office/drawing/2014/main" id="{00A84DC3-A112-46A3-B71C-04D85339323D}"/>
+              </a:ext>
+            </a:extLst>
+          </p:cNvPr>
+          <p:cNvCxnSpPr>
+            <a:cxnSpLocks/>
+          </p:cNvCxnSpPr>
+          <p:nvPr/>
+        </p:nvCxnSpPr>
+        <p:spPr>
+          <a:xfrm flipH="1">
+            <a:off x="11370469" y="448308"/>
+            <a:ext cx="364332" cy="501657"/>
+          </a:xfrm>
+          <a:prstGeom prst="line">
+            <a:avLst/>
+          </a:prstGeom>
+        </p:spPr>
+        <p:style>
+          <a:lnRef idx="3">
+            <a:schemeClr val="dk1"/>
+          </a:lnRef>
+          <a:fillRef idx="0">
+            <a:schemeClr val="dk1"/>
+          </a:fillRef>
+          <a:effectRef idx="2">
+            <a:schemeClr val="dk1"/>
+          </a:effectRef>
+          <a:fontRef idx="minor">
+            <a:schemeClr val="tx1"/>
+          </a:fontRef>
+        </p:style>
+      </p:cxnSp>
+      <p:cxnSp>
+        <p:nvCxnSpPr>
+          <p:cNvPr id="63" name="Connecteur droit 62">
+            <a:extLst>
+              <a:ext uri="{FF2B5EF4-FFF2-40B4-BE49-F238E27FC236}">
+                <a16:creationId xmlns:a16="http://schemas.microsoft.com/office/drawing/2014/main" id="{C50788C6-8F68-44EC-AB54-94C1D2FE554D}"/>
+              </a:ext>
+            </a:extLst>
+          </p:cNvPr>
+          <p:cNvCxnSpPr>
+            <a:cxnSpLocks/>
+          </p:cNvCxnSpPr>
+          <p:nvPr/>
+        </p:nvCxnSpPr>
+        <p:spPr>
+          <a:xfrm>
+            <a:off x="9743203" y="949965"/>
+            <a:ext cx="1627266" cy="0"/>
+          </a:xfrm>
+          <a:prstGeom prst="line">
+            <a:avLst/>
+          </a:prstGeom>
+        </p:spPr>
+        <p:style>
+          <a:lnRef idx="3">
+            <a:schemeClr val="dk1"/>
+          </a:lnRef>
+          <a:fillRef idx="0">
+            <a:schemeClr val="dk1"/>
+          </a:fillRef>
+          <a:effectRef idx="2">
+            <a:schemeClr val="dk1"/>
+          </a:effectRef>
+          <a:fontRef idx="minor">
+            <a:schemeClr val="tx1"/>
+          </a:fontRef>
+        </p:style>
+      </p:cxnSp>
+      <p:cxnSp>
+        <p:nvCxnSpPr>
+          <p:cNvPr id="64" name="Connecteur droit 63">
+            <a:extLst>
+              <a:ext uri="{FF2B5EF4-FFF2-40B4-BE49-F238E27FC236}">
+                <a16:creationId xmlns:a16="http://schemas.microsoft.com/office/drawing/2014/main" id="{BC4D4E5F-5636-45CB-873C-EC085AB307A3}"/>
+              </a:ext>
+            </a:extLst>
+          </p:cNvPr>
+          <p:cNvCxnSpPr>
+            <a:cxnSpLocks/>
+          </p:cNvCxnSpPr>
+          <p:nvPr/>
+        </p:nvCxnSpPr>
+        <p:spPr>
+          <a:xfrm>
+            <a:off x="11715750" y="454801"/>
+            <a:ext cx="476249" cy="10400"/>
+          </a:xfrm>
+          <a:prstGeom prst="line">
+            <a:avLst/>
+          </a:prstGeom>
+        </p:spPr>
+        <p:style>
+          <a:lnRef idx="3">
+            <a:schemeClr val="dk1"/>
+          </a:lnRef>
+          <a:fillRef idx="0">
+            <a:schemeClr val="dk1"/>
+          </a:fillRef>
+          <a:effectRef idx="2">
+            <a:schemeClr val="dk1"/>
+          </a:effectRef>
+          <a:fontRef idx="minor">
+            <a:schemeClr val="tx1"/>
+          </a:fontRef>
+        </p:style>
+      </p:cxnSp>
+      <p:cxnSp>
+        <p:nvCxnSpPr>
+          <p:cNvPr id="65" name="Connecteur droit 64">
+            <a:extLst>
+              <a:ext uri="{FF2B5EF4-FFF2-40B4-BE49-F238E27FC236}">
+                <a16:creationId xmlns:a16="http://schemas.microsoft.com/office/drawing/2014/main" id="{E6F6B4C5-0E3B-46C9-859D-EE774175D36F}"/>
+              </a:ext>
+            </a:extLst>
+          </p:cNvPr>
+          <p:cNvCxnSpPr>
+            <a:cxnSpLocks/>
+          </p:cNvCxnSpPr>
+          <p:nvPr/>
+        </p:nvCxnSpPr>
+        <p:spPr>
+          <a:xfrm flipH="1">
+            <a:off x="2216372" y="446356"/>
+            <a:ext cx="364332" cy="501657"/>
+          </a:xfrm>
+          <a:prstGeom prst="line">
+            <a:avLst/>
+          </a:prstGeom>
+        </p:spPr>
+        <p:style>
+          <a:lnRef idx="3">
+            <a:schemeClr val="dk1"/>
+          </a:lnRef>
+          <a:fillRef idx="0">
+            <a:schemeClr val="dk1"/>
+          </a:fillRef>
+          <a:effectRef idx="2">
+            <a:schemeClr val="dk1"/>
+          </a:effectRef>
+          <a:fontRef idx="minor">
+            <a:schemeClr val="tx1"/>
+          </a:fontRef>
+        </p:style>
+      </p:cxnSp>
+      <p:pic>
+        <p:nvPicPr>
+          <p:cNvPr id="3" name="Image 2">
+            <a:extLst>
+              <a:ext uri="{FF2B5EF4-FFF2-40B4-BE49-F238E27FC236}">
+                <a16:creationId xmlns:a16="http://schemas.microsoft.com/office/drawing/2014/main" id="{04E31E68-0170-4EA9-8F23-BD47A71E51B5}"/>
+              </a:ext>
+            </a:extLst>
+          </p:cNvPr>
+          <p:cNvPicPr>
+            <a:picLocks noChangeAspect="1"/>
+          </p:cNvPicPr>
+          <p:nvPr/>
+        </p:nvPicPr>
+        <p:blipFill>
+          <a:blip r:embed="rId4">
+            <a:extLst>
+              <a:ext uri="{28A0092B-C50C-407E-A947-70E740481C1C}">
+                <a14:useLocalDpi xmlns:a14="http://schemas.microsoft.com/office/drawing/2010/main" val="0"/>
+              </a:ext>
+            </a:extLst>
+          </a:blip>
+          <a:stretch>
+            <a:fillRect/>
+          </a:stretch>
+        </p:blipFill>
+        <p:spPr>
+          <a:xfrm>
+            <a:off x="3221372" y="1380930"/>
+            <a:ext cx="4828358" cy="5303833"/>
+          </a:xfrm>
+          <a:prstGeom prst="rect">
+            <a:avLst/>
+          </a:prstGeom>
+        </p:spPr>
+      </p:pic>
+      <p:sp>
+        <p:nvSpPr>
+          <p:cNvPr id="4" name="ZoneTexte 3">
+            <a:extLst>
+              <a:ext uri="{FF2B5EF4-FFF2-40B4-BE49-F238E27FC236}">
+                <a16:creationId xmlns:a16="http://schemas.microsoft.com/office/drawing/2014/main" id="{6F856B2B-03F4-4FE3-A57C-C9CAAF971B24}"/>
+              </a:ext>
+            </a:extLst>
+          </p:cNvPr>
+          <p:cNvSpPr txBox="1"/>
+          <p:nvPr/>
+        </p:nvSpPr>
+        <p:spPr>
+          <a:xfrm>
+            <a:off x="2952925" y="637563"/>
+            <a:ext cx="6199464" cy="769441"/>
+          </a:xfrm>
+          <a:prstGeom prst="rect">
+            <a:avLst/>
+          </a:prstGeom>
+          <a:noFill/>
+        </p:spPr>
+        <p:txBody>
+          <a:bodyPr wrap="square" rtlCol="0">
+            <a:spAutoFit/>
+          </a:bodyPr>
+          <a:lstStyle/>
+          <a:p>
+            <a:r>
+              <a:rPr lang="fr-FR" sz="4400" dirty="0">
+                <a:latin typeface="Berlin Sans FB" panose="020E0602020502020306" pitchFamily="34" charset="0"/>
+              </a:rPr>
+              <a:t>Diagramme de séquence</a:t>
+            </a:r>
+          </a:p>
+        </p:txBody>
+      </p:sp>
+    </p:spTree>
+    <p:extLst>
+      <p:ext uri="{BB962C8B-B14F-4D97-AF65-F5344CB8AC3E}">
+        <p14:creationId xmlns:p14="http://schemas.microsoft.com/office/powerpoint/2010/main" val="1412701524"/>
+      </p:ext>
+    </p:extLst>
+  </p:cSld>
+  <p:clrMapOvr>
+    <a:masterClrMapping/>
+  </p:clrMapOvr>
+  <mc:AlternateContent xmlns:mc="http://schemas.openxmlformats.org/markup-compatibility/2006" xmlns:p14="http://schemas.microsoft.com/office/powerpoint/2010/main">
+    <mc:Choice Requires="p14">
+      <p:transition spd="slow">
+        <p14:reveal/>
+      </p:transition>
+    </mc:Choice>
+    <mc:Fallback xmlns="">
+      <p:transition spd="slow">
+        <p:fade/>
+      </p:transition>
+    </mc:Fallback>
+  </mc:AlternateContent>
+</p:sld>
+</file>
+
+<file path=ppt/slides/slide8.xml><?xml version="1.0" encoding="utf-8"?>
+<p:sld xmlns:a="http://schemas.openxmlformats.org/drawingml/2006/main" xmlns:r="http://schemas.openxmlformats.org/officeDocument/2006/relationships" xmlns:p="http://schemas.openxmlformats.org/presentationml/2006/main">
+  <p:cSld>
+    <p:spTree>
+      <p:nvGrpSpPr>
+        <p:cNvPr id="1" name=""/>
+        <p:cNvGrpSpPr/>
+        <p:nvPr/>
+      </p:nvGrpSpPr>
+      <p:grpSpPr>
+        <a:xfrm>
+          <a:off x="0" y="0"/>
+          <a:ext cx="0" cy="0"/>
+          <a:chOff x="0" y="0"/>
+          <a:chExt cx="0" cy="0"/>
+        </a:xfrm>
+      </p:grpSpPr>
+      <p:pic>
+        <p:nvPicPr>
+          <p:cNvPr id="8" name="Image 7">
+            <a:extLst>
+              <a:ext uri="{FF2B5EF4-FFF2-40B4-BE49-F238E27FC236}">
+                <a16:creationId xmlns:a16="http://schemas.microsoft.com/office/drawing/2014/main" id="{2BB825C5-31DA-4A56-85EA-536DBF510A31}"/>
+              </a:ext>
+            </a:extLst>
+          </p:cNvPr>
+          <p:cNvPicPr>
+            <a:picLocks noChangeAspect="1"/>
+          </p:cNvPicPr>
+          <p:nvPr/>
+        </p:nvPicPr>
+        <p:blipFill>
+          <a:blip r:embed="rId2">
+            <a:extLst>
+              <a:ext uri="{28A0092B-C50C-407E-A947-70E740481C1C}">
+                <a14:useLocalDpi xmlns:a14="http://schemas.microsoft.com/office/drawing/2010/main" val="0"/>
+              </a:ext>
+            </a:extLst>
+          </a:blip>
+          <a:stretch>
+            <a:fillRect/>
+          </a:stretch>
+        </p:blipFill>
+        <p:spPr>
+          <a:xfrm>
+            <a:off x="1068751" y="66457"/>
+            <a:ext cx="1259497" cy="776690"/>
+          </a:xfrm>
+          <a:prstGeom prst="rect">
+            <a:avLst/>
+          </a:prstGeom>
+        </p:spPr>
+      </p:pic>
+      <p:pic>
+        <p:nvPicPr>
+          <p:cNvPr id="10" name="Image 9">
+            <a:extLst>
+              <a:ext uri="{FF2B5EF4-FFF2-40B4-BE49-F238E27FC236}">
+                <a16:creationId xmlns:a16="http://schemas.microsoft.com/office/drawing/2014/main" id="{8EE7436F-49F2-41E0-93E4-D247B4705294}"/>
+              </a:ext>
+            </a:extLst>
+          </p:cNvPr>
+          <p:cNvPicPr>
+            <a:picLocks noChangeAspect="1"/>
+          </p:cNvPicPr>
+          <p:nvPr/>
+        </p:nvPicPr>
+        <p:blipFill>
+          <a:blip r:embed="rId3">
+            <a:extLst>
+              <a:ext uri="{28A0092B-C50C-407E-A947-70E740481C1C}">
+                <a14:useLocalDpi xmlns:a14="http://schemas.microsoft.com/office/drawing/2010/main" val="0"/>
+              </a:ext>
+            </a:extLst>
+          </a:blip>
+          <a:stretch>
+            <a:fillRect/>
+          </a:stretch>
+        </p:blipFill>
+        <p:spPr>
+          <a:xfrm>
+            <a:off x="9681085" y="238153"/>
+            <a:ext cx="1802101" cy="569807"/>
+          </a:xfrm>
+          <a:prstGeom prst="rect">
+            <a:avLst/>
+          </a:prstGeom>
+        </p:spPr>
+      </p:pic>
+      <p:cxnSp>
+        <p:nvCxnSpPr>
+          <p:cNvPr id="16" name="Connecteur droit 15">
+            <a:extLst>
+              <a:ext uri="{FF2B5EF4-FFF2-40B4-BE49-F238E27FC236}">
+                <a16:creationId xmlns:a16="http://schemas.microsoft.com/office/drawing/2014/main" id="{7319284A-BD6F-4A96-8E2B-E0A4B52E53C6}"/>
+              </a:ext>
+            </a:extLst>
+          </p:cNvPr>
+          <p:cNvCxnSpPr>
+            <a:cxnSpLocks/>
+          </p:cNvCxnSpPr>
+          <p:nvPr/>
+        </p:nvCxnSpPr>
+        <p:spPr>
+          <a:xfrm flipV="1">
+            <a:off x="0" y="454803"/>
+            <a:ext cx="738231" cy="1798"/>
+          </a:xfrm>
+          <a:prstGeom prst="line">
+            <a:avLst/>
+          </a:prstGeom>
+        </p:spPr>
+        <p:style>
+          <a:lnRef idx="3">
+            <a:schemeClr val="dk1"/>
+          </a:lnRef>
+          <a:fillRef idx="0">
+            <a:schemeClr val="dk1"/>
+          </a:fillRef>
+          <a:effectRef idx="2">
+            <a:schemeClr val="dk1"/>
+          </a:effectRef>
+          <a:fontRef idx="minor">
+            <a:schemeClr val="tx1"/>
+          </a:fontRef>
+        </p:style>
+      </p:cxnSp>
+      <p:cxnSp>
+        <p:nvCxnSpPr>
+          <p:cNvPr id="20" name="Connecteur droit 19">
+            <a:extLst>
+              <a:ext uri="{FF2B5EF4-FFF2-40B4-BE49-F238E27FC236}">
+                <a16:creationId xmlns:a16="http://schemas.microsoft.com/office/drawing/2014/main" id="{08874CF7-F149-4C81-B61E-74E18342BA8A}"/>
+              </a:ext>
+            </a:extLst>
+          </p:cNvPr>
+          <p:cNvCxnSpPr>
+            <a:cxnSpLocks/>
+          </p:cNvCxnSpPr>
+          <p:nvPr/>
+        </p:nvCxnSpPr>
+        <p:spPr>
+          <a:xfrm>
+            <a:off x="2573222" y="454803"/>
+            <a:ext cx="6829482" cy="10398"/>
+          </a:xfrm>
+          <a:prstGeom prst="line">
+            <a:avLst/>
+          </a:prstGeom>
+        </p:spPr>
+        <p:style>
+          <a:lnRef idx="3">
+            <a:schemeClr val="dk1"/>
+          </a:lnRef>
+          <a:fillRef idx="0">
+            <a:schemeClr val="dk1"/>
+          </a:fillRef>
+          <a:effectRef idx="2">
+            <a:schemeClr val="dk1"/>
+          </a:effectRef>
+          <a:fontRef idx="minor">
+            <a:schemeClr val="tx1"/>
+          </a:fontRef>
+        </p:style>
+      </p:cxnSp>
+      <p:cxnSp>
+        <p:nvCxnSpPr>
+          <p:cNvPr id="26" name="Connecteur droit 25">
+            <a:extLst>
+              <a:ext uri="{FF2B5EF4-FFF2-40B4-BE49-F238E27FC236}">
+                <a16:creationId xmlns:a16="http://schemas.microsoft.com/office/drawing/2014/main" id="{BB3B35CC-057B-48C1-880F-3306A6559175}"/>
+              </a:ext>
+            </a:extLst>
+          </p:cNvPr>
+          <p:cNvCxnSpPr>
+            <a:cxnSpLocks/>
+          </p:cNvCxnSpPr>
+          <p:nvPr/>
+        </p:nvCxnSpPr>
+        <p:spPr>
+          <a:xfrm>
+            <a:off x="738231" y="454803"/>
+            <a:ext cx="344203" cy="484764"/>
+          </a:xfrm>
+          <a:prstGeom prst="line">
+            <a:avLst/>
+          </a:prstGeom>
+        </p:spPr>
+        <p:style>
+          <a:lnRef idx="3">
+            <a:schemeClr val="dk1"/>
+          </a:lnRef>
+          <a:fillRef idx="0">
+            <a:schemeClr val="dk1"/>
+          </a:fillRef>
+          <a:effectRef idx="2">
+            <a:schemeClr val="dk1"/>
+          </a:effectRef>
+          <a:fontRef idx="minor">
+            <a:schemeClr val="tx1"/>
+          </a:fontRef>
+        </p:style>
+      </p:cxnSp>
+      <p:cxnSp>
+        <p:nvCxnSpPr>
+          <p:cNvPr id="32" name="Connecteur droit 31">
+            <a:extLst>
+              <a:ext uri="{FF2B5EF4-FFF2-40B4-BE49-F238E27FC236}">
+                <a16:creationId xmlns:a16="http://schemas.microsoft.com/office/drawing/2014/main" id="{4AD96496-1EB6-4E48-9BB2-5C255495C686}"/>
+              </a:ext>
+            </a:extLst>
+          </p:cNvPr>
+          <p:cNvCxnSpPr>
+            <a:cxnSpLocks/>
+          </p:cNvCxnSpPr>
+          <p:nvPr/>
+        </p:nvCxnSpPr>
+        <p:spPr>
+          <a:xfrm>
+            <a:off x="1082434" y="938268"/>
+            <a:ext cx="1146585" cy="0"/>
+          </a:xfrm>
+          <a:prstGeom prst="line">
+            <a:avLst/>
+          </a:prstGeom>
+        </p:spPr>
+        <p:style>
+          <a:lnRef idx="3">
+            <a:schemeClr val="dk1"/>
+          </a:lnRef>
+          <a:fillRef idx="0">
+            <a:schemeClr val="dk1"/>
+          </a:fillRef>
+          <a:effectRef idx="2">
+            <a:schemeClr val="dk1"/>
+          </a:effectRef>
+          <a:fontRef idx="minor">
+            <a:schemeClr val="tx1"/>
+          </a:fontRef>
+        </p:style>
+      </p:cxnSp>
+      <p:cxnSp>
+        <p:nvCxnSpPr>
+          <p:cNvPr id="51" name="Connecteur droit 50">
+            <a:extLst>
+              <a:ext uri="{FF2B5EF4-FFF2-40B4-BE49-F238E27FC236}">
+                <a16:creationId xmlns:a16="http://schemas.microsoft.com/office/drawing/2014/main" id="{C035BFA6-ECBF-4775-BA81-19D2CA41AA8D}"/>
+              </a:ext>
+            </a:extLst>
+          </p:cNvPr>
+          <p:cNvCxnSpPr>
+            <a:cxnSpLocks/>
+          </p:cNvCxnSpPr>
+          <p:nvPr/>
+        </p:nvCxnSpPr>
+        <p:spPr>
+          <a:xfrm>
+            <a:off x="9402704" y="465201"/>
+            <a:ext cx="344203" cy="495163"/>
+          </a:xfrm>
+          <a:prstGeom prst="line">
+            <a:avLst/>
+          </a:prstGeom>
+        </p:spPr>
+        <p:style>
+          <a:lnRef idx="3">
+            <a:schemeClr val="dk1"/>
+          </a:lnRef>
+          <a:fillRef idx="0">
+            <a:schemeClr val="dk1"/>
+          </a:fillRef>
+          <a:effectRef idx="2">
+            <a:schemeClr val="dk1"/>
+          </a:effectRef>
+          <a:fontRef idx="minor">
+            <a:schemeClr val="tx1"/>
+          </a:fontRef>
+        </p:style>
+      </p:cxnSp>
+      <p:cxnSp>
+        <p:nvCxnSpPr>
+          <p:cNvPr id="52" name="Connecteur droit 51">
+            <a:extLst>
+              <a:ext uri="{FF2B5EF4-FFF2-40B4-BE49-F238E27FC236}">
+                <a16:creationId xmlns:a16="http://schemas.microsoft.com/office/drawing/2014/main" id="{FA310BC7-694B-4984-99A2-61A1F4F6EBF9}"/>
+              </a:ext>
+            </a:extLst>
+          </p:cNvPr>
+          <p:cNvCxnSpPr>
+            <a:cxnSpLocks/>
+          </p:cNvCxnSpPr>
+          <p:nvPr/>
+        </p:nvCxnSpPr>
+        <p:spPr>
+          <a:xfrm flipH="1">
+            <a:off x="11370469" y="448308"/>
+            <a:ext cx="364332" cy="501657"/>
+          </a:xfrm>
+          <a:prstGeom prst="line">
+            <a:avLst/>
+          </a:prstGeom>
+        </p:spPr>
+        <p:style>
+          <a:lnRef idx="3">
+            <a:schemeClr val="dk1"/>
+          </a:lnRef>
+          <a:fillRef idx="0">
+            <a:schemeClr val="dk1"/>
+          </a:fillRef>
+          <a:effectRef idx="2">
+            <a:schemeClr val="dk1"/>
+          </a:effectRef>
+          <a:fontRef idx="minor">
+            <a:schemeClr val="tx1"/>
+          </a:fontRef>
+        </p:style>
+      </p:cxnSp>
+      <p:cxnSp>
+        <p:nvCxnSpPr>
+          <p:cNvPr id="53" name="Connecteur droit 52">
+            <a:extLst>
+              <a:ext uri="{FF2B5EF4-FFF2-40B4-BE49-F238E27FC236}">
+                <a16:creationId xmlns:a16="http://schemas.microsoft.com/office/drawing/2014/main" id="{BE0649BD-EE59-4DDA-960F-95B2572F9F13}"/>
+              </a:ext>
+            </a:extLst>
+          </p:cNvPr>
+          <p:cNvCxnSpPr>
+            <a:cxnSpLocks/>
+          </p:cNvCxnSpPr>
+          <p:nvPr/>
+        </p:nvCxnSpPr>
+        <p:spPr>
+          <a:xfrm>
+            <a:off x="9743203" y="949965"/>
+            <a:ext cx="1627266" cy="0"/>
+          </a:xfrm>
+          <a:prstGeom prst="line">
+            <a:avLst/>
+          </a:prstGeom>
+        </p:spPr>
+        <p:style>
+          <a:lnRef idx="3">
+            <a:schemeClr val="dk1"/>
+          </a:lnRef>
+          <a:fillRef idx="0">
+            <a:schemeClr val="dk1"/>
+          </a:fillRef>
+          <a:effectRef idx="2">
+            <a:schemeClr val="dk1"/>
+          </a:effectRef>
+          <a:fontRef idx="minor">
+            <a:schemeClr val="tx1"/>
+          </a:fontRef>
+        </p:style>
+      </p:cxnSp>
+      <p:cxnSp>
+        <p:nvCxnSpPr>
+          <p:cNvPr id="55" name="Connecteur droit 54">
+            <a:extLst>
+              <a:ext uri="{FF2B5EF4-FFF2-40B4-BE49-F238E27FC236}">
+                <a16:creationId xmlns:a16="http://schemas.microsoft.com/office/drawing/2014/main" id="{52AA9200-DAFA-4EEF-AC13-4C7CE82A59EC}"/>
+              </a:ext>
+            </a:extLst>
+          </p:cNvPr>
+          <p:cNvCxnSpPr>
+            <a:cxnSpLocks/>
+          </p:cNvCxnSpPr>
+          <p:nvPr/>
+        </p:nvCxnSpPr>
+        <p:spPr>
+          <a:xfrm>
+            <a:off x="11715750" y="454801"/>
+            <a:ext cx="476249" cy="10400"/>
+          </a:xfrm>
+          <a:prstGeom prst="line">
+            <a:avLst/>
+          </a:prstGeom>
+        </p:spPr>
+        <p:style>
+          <a:lnRef idx="3">
+            <a:schemeClr val="dk1"/>
+          </a:lnRef>
+          <a:fillRef idx="0">
+            <a:schemeClr val="dk1"/>
+          </a:fillRef>
+          <a:effectRef idx="2">
+            <a:schemeClr val="dk1"/>
+          </a:effectRef>
+          <a:fontRef idx="minor">
+            <a:schemeClr val="tx1"/>
+          </a:fontRef>
+        </p:style>
+      </p:cxnSp>
+      <p:cxnSp>
+        <p:nvCxnSpPr>
+          <p:cNvPr id="23" name="Connecteur droit 22">
+            <a:extLst>
+              <a:ext uri="{FF2B5EF4-FFF2-40B4-BE49-F238E27FC236}">
+                <a16:creationId xmlns:a16="http://schemas.microsoft.com/office/drawing/2014/main" id="{BCB092C8-0080-4E56-957E-0046D4C83988}"/>
+              </a:ext>
+            </a:extLst>
+          </p:cNvPr>
+          <p:cNvCxnSpPr>
+            <a:cxnSpLocks/>
+          </p:cNvCxnSpPr>
+          <p:nvPr/>
+        </p:nvCxnSpPr>
+        <p:spPr>
+          <a:xfrm flipH="1">
+            <a:off x="2216372" y="446356"/>
+            <a:ext cx="364332" cy="501657"/>
+          </a:xfrm>
+          <a:prstGeom prst="line">
+            <a:avLst/>
+          </a:prstGeom>
+        </p:spPr>
+        <p:style>
+          <a:lnRef idx="3">
+            <a:schemeClr val="dk1"/>
+          </a:lnRef>
+          <a:fillRef idx="0">
+            <a:schemeClr val="dk1"/>
+          </a:fillRef>
+          <a:effectRef idx="2">
+            <a:schemeClr val="dk1"/>
+          </a:effectRef>
+          <a:fontRef idx="minor">
+            <a:schemeClr val="tx1"/>
+          </a:fontRef>
+        </p:style>
+      </p:cxnSp>
+      <p:pic>
+        <p:nvPicPr>
+          <p:cNvPr id="57" name="Image 56">
+            <a:extLst>
+              <a:ext uri="{FF2B5EF4-FFF2-40B4-BE49-F238E27FC236}">
+                <a16:creationId xmlns:a16="http://schemas.microsoft.com/office/drawing/2014/main" id="{12B16FB2-5844-4B92-AE69-9BAC858C22BB}"/>
+              </a:ext>
+            </a:extLst>
+          </p:cNvPr>
+          <p:cNvPicPr>
+            <a:picLocks noChangeAspect="1"/>
+          </p:cNvPicPr>
+          <p:nvPr/>
+        </p:nvPicPr>
+        <p:blipFill>
+          <a:blip r:embed="rId3">
+            <a:extLst>
+              <a:ext uri="{28A0092B-C50C-407E-A947-70E740481C1C}">
+                <a14:useLocalDpi xmlns:a14="http://schemas.microsoft.com/office/drawing/2010/main" val="0"/>
+              </a:ext>
+            </a:extLst>
+          </a:blip>
+          <a:stretch>
+            <a:fillRect/>
+          </a:stretch>
+        </p:blipFill>
+        <p:spPr>
+          <a:xfrm>
+            <a:off x="9681085" y="238153"/>
+            <a:ext cx="1802101" cy="569807"/>
+          </a:xfrm>
+          <a:prstGeom prst="rect">
+            <a:avLst/>
+          </a:prstGeom>
+        </p:spPr>
+      </p:pic>
+      <p:cxnSp>
+        <p:nvCxnSpPr>
+          <p:cNvPr id="58" name="Connecteur droit 57">
+            <a:extLst>
+              <a:ext uri="{FF2B5EF4-FFF2-40B4-BE49-F238E27FC236}">
+                <a16:creationId xmlns:a16="http://schemas.microsoft.com/office/drawing/2014/main" id="{01599350-F8B0-4FDC-B003-981189A8D654}"/>
+              </a:ext>
+            </a:extLst>
+          </p:cNvPr>
+          <p:cNvCxnSpPr>
+            <a:cxnSpLocks/>
+          </p:cNvCxnSpPr>
+          <p:nvPr/>
+        </p:nvCxnSpPr>
+        <p:spPr>
+          <a:xfrm>
+            <a:off x="2573222" y="454803"/>
+            <a:ext cx="6829482" cy="10398"/>
+          </a:xfrm>
+          <a:prstGeom prst="line">
+            <a:avLst/>
+          </a:prstGeom>
+        </p:spPr>
+        <p:style>
+          <a:lnRef idx="3">
+            <a:schemeClr val="dk1"/>
+          </a:lnRef>
+          <a:fillRef idx="0">
+            <a:schemeClr val="dk1"/>
+          </a:fillRef>
+          <a:effectRef idx="2">
+            <a:schemeClr val="dk1"/>
+          </a:effectRef>
+          <a:fontRef idx="minor">
+            <a:schemeClr val="tx1"/>
+          </a:fontRef>
+        </p:style>
+      </p:cxnSp>
+      <p:cxnSp>
+        <p:nvCxnSpPr>
+          <p:cNvPr id="59" name="Connecteur droit 58">
+            <a:extLst>
+              <a:ext uri="{FF2B5EF4-FFF2-40B4-BE49-F238E27FC236}">
+                <a16:creationId xmlns:a16="http://schemas.microsoft.com/office/drawing/2014/main" id="{BC6E6150-6054-4785-84EC-0C46D82034C2}"/>
+              </a:ext>
+            </a:extLst>
+          </p:cNvPr>
+          <p:cNvCxnSpPr>
+            <a:cxnSpLocks/>
+          </p:cNvCxnSpPr>
+          <p:nvPr/>
+        </p:nvCxnSpPr>
+        <p:spPr>
+          <a:xfrm>
+            <a:off x="738231" y="454803"/>
+            <a:ext cx="344203" cy="484764"/>
+          </a:xfrm>
+          <a:prstGeom prst="line">
+            <a:avLst/>
+          </a:prstGeom>
+        </p:spPr>
+        <p:style>
+          <a:lnRef idx="3">
+            <a:schemeClr val="dk1"/>
+          </a:lnRef>
+          <a:fillRef idx="0">
+            <a:schemeClr val="dk1"/>
+          </a:fillRef>
+          <a:effectRef idx="2">
+            <a:schemeClr val="dk1"/>
+          </a:effectRef>
+          <a:fontRef idx="minor">
+            <a:schemeClr val="tx1"/>
+          </a:fontRef>
+        </p:style>
+      </p:cxnSp>
+      <p:cxnSp>
+        <p:nvCxnSpPr>
+          <p:cNvPr id="60" name="Connecteur droit 59">
+            <a:extLst>
+              <a:ext uri="{FF2B5EF4-FFF2-40B4-BE49-F238E27FC236}">
+                <a16:creationId xmlns:a16="http://schemas.microsoft.com/office/drawing/2014/main" id="{CBC9961A-8EC2-4287-A398-BCA4138D409D}"/>
+              </a:ext>
+            </a:extLst>
+          </p:cNvPr>
+          <p:cNvCxnSpPr>
+            <a:cxnSpLocks/>
+          </p:cNvCxnSpPr>
+          <p:nvPr/>
+        </p:nvCxnSpPr>
+        <p:spPr>
+          <a:xfrm>
+            <a:off x="1082434" y="938268"/>
+            <a:ext cx="1146585" cy="0"/>
+          </a:xfrm>
+          <a:prstGeom prst="line">
+            <a:avLst/>
+          </a:prstGeom>
+        </p:spPr>
+        <p:style>
+          <a:lnRef idx="3">
+            <a:schemeClr val="dk1"/>
+          </a:lnRef>
+          <a:fillRef idx="0">
+            <a:schemeClr val="dk1"/>
+          </a:fillRef>
+          <a:effectRef idx="2">
+            <a:schemeClr val="dk1"/>
+          </a:effectRef>
+          <a:fontRef idx="minor">
+            <a:schemeClr val="tx1"/>
+          </a:fontRef>
+        </p:style>
+      </p:cxnSp>
+      <p:cxnSp>
+        <p:nvCxnSpPr>
+          <p:cNvPr id="61" name="Connecteur droit 60">
+            <a:extLst>
+              <a:ext uri="{FF2B5EF4-FFF2-40B4-BE49-F238E27FC236}">
+                <a16:creationId xmlns:a16="http://schemas.microsoft.com/office/drawing/2014/main" id="{152B7C45-2543-4665-BC07-4DB71CA9F337}"/>
+              </a:ext>
+            </a:extLst>
+          </p:cNvPr>
+          <p:cNvCxnSpPr>
+            <a:cxnSpLocks/>
+          </p:cNvCxnSpPr>
+          <p:nvPr/>
+        </p:nvCxnSpPr>
+        <p:spPr>
+          <a:xfrm>
+            <a:off x="9402704" y="465201"/>
+            <a:ext cx="344203" cy="495163"/>
+          </a:xfrm>
+          <a:prstGeom prst="line">
+            <a:avLst/>
+          </a:prstGeom>
+        </p:spPr>
+        <p:style>
+          <a:lnRef idx="3">
+            <a:schemeClr val="dk1"/>
+          </a:lnRef>
+          <a:fillRef idx="0">
+            <a:schemeClr val="dk1"/>
+          </a:fillRef>
+          <a:effectRef idx="2">
+            <a:schemeClr val="dk1"/>
+          </a:effectRef>
+          <a:fontRef idx="minor">
+            <a:schemeClr val="tx1"/>
+          </a:fontRef>
+        </p:style>
+      </p:cxnSp>
+      <p:cxnSp>
+        <p:nvCxnSpPr>
+          <p:cNvPr id="62" name="Connecteur droit 61">
+            <a:extLst>
+              <a:ext uri="{FF2B5EF4-FFF2-40B4-BE49-F238E27FC236}">
+                <a16:creationId xmlns:a16="http://schemas.microsoft.com/office/drawing/2014/main" id="{00A84DC3-A112-46A3-B71C-04D85339323D}"/>
+              </a:ext>
+            </a:extLst>
+          </p:cNvPr>
+          <p:cNvCxnSpPr>
+            <a:cxnSpLocks/>
+          </p:cNvCxnSpPr>
+          <p:nvPr/>
+        </p:nvCxnSpPr>
+        <p:spPr>
+          <a:xfrm flipH="1">
+            <a:off x="11370469" y="448308"/>
+            <a:ext cx="364332" cy="501657"/>
+          </a:xfrm>
+          <a:prstGeom prst="line">
+            <a:avLst/>
+          </a:prstGeom>
+        </p:spPr>
+        <p:style>
+          <a:lnRef idx="3">
+            <a:schemeClr val="dk1"/>
+          </a:lnRef>
+          <a:fillRef idx="0">
+            <a:schemeClr val="dk1"/>
+          </a:fillRef>
+          <a:effectRef idx="2">
+            <a:schemeClr val="dk1"/>
+          </a:effectRef>
+          <a:fontRef idx="minor">
+            <a:schemeClr val="tx1"/>
+          </a:fontRef>
+        </p:style>
+      </p:cxnSp>
+      <p:cxnSp>
+        <p:nvCxnSpPr>
+          <p:cNvPr id="63" name="Connecteur droit 62">
+            <a:extLst>
+              <a:ext uri="{FF2B5EF4-FFF2-40B4-BE49-F238E27FC236}">
+                <a16:creationId xmlns:a16="http://schemas.microsoft.com/office/drawing/2014/main" id="{C50788C6-8F68-44EC-AB54-94C1D2FE554D}"/>
+              </a:ext>
+            </a:extLst>
+          </p:cNvPr>
+          <p:cNvCxnSpPr>
+            <a:cxnSpLocks/>
+          </p:cNvCxnSpPr>
+          <p:nvPr/>
+        </p:nvCxnSpPr>
+        <p:spPr>
+          <a:xfrm>
+            <a:off x="9743203" y="949965"/>
+            <a:ext cx="1627266" cy="0"/>
+          </a:xfrm>
+          <a:prstGeom prst="line">
+            <a:avLst/>
+          </a:prstGeom>
+        </p:spPr>
+        <p:style>
+          <a:lnRef idx="3">
+            <a:schemeClr val="dk1"/>
+          </a:lnRef>
+          <a:fillRef idx="0">
+            <a:schemeClr val="dk1"/>
+          </a:fillRef>
+          <a:effectRef idx="2">
+            <a:schemeClr val="dk1"/>
+          </a:effectRef>
+          <a:fontRef idx="minor">
+            <a:schemeClr val="tx1"/>
+          </a:fontRef>
+        </p:style>
+      </p:cxnSp>
+      <p:cxnSp>
+        <p:nvCxnSpPr>
+          <p:cNvPr id="64" name="Connecteur droit 63">
+            <a:extLst>
+              <a:ext uri="{FF2B5EF4-FFF2-40B4-BE49-F238E27FC236}">
+                <a16:creationId xmlns:a16="http://schemas.microsoft.com/office/drawing/2014/main" id="{BC4D4E5F-5636-45CB-873C-EC085AB307A3}"/>
+              </a:ext>
+            </a:extLst>
+          </p:cNvPr>
+          <p:cNvCxnSpPr>
+            <a:cxnSpLocks/>
+          </p:cNvCxnSpPr>
+          <p:nvPr/>
+        </p:nvCxnSpPr>
+        <p:spPr>
+          <a:xfrm>
+            <a:off x="11715750" y="454801"/>
+            <a:ext cx="476249" cy="10400"/>
+          </a:xfrm>
+          <a:prstGeom prst="line">
+            <a:avLst/>
+          </a:prstGeom>
+        </p:spPr>
+        <p:style>
+          <a:lnRef idx="3">
+            <a:schemeClr val="dk1"/>
+          </a:lnRef>
+          <a:fillRef idx="0">
+            <a:schemeClr val="dk1"/>
+          </a:fillRef>
+          <a:effectRef idx="2">
+            <a:schemeClr val="dk1"/>
+          </a:effectRef>
+          <a:fontRef idx="minor">
+            <a:schemeClr val="tx1"/>
+          </a:fontRef>
+        </p:style>
+      </p:cxnSp>
+      <p:cxnSp>
+        <p:nvCxnSpPr>
+          <p:cNvPr id="65" name="Connecteur droit 64">
+            <a:extLst>
+              <a:ext uri="{FF2B5EF4-FFF2-40B4-BE49-F238E27FC236}">
+                <a16:creationId xmlns:a16="http://schemas.microsoft.com/office/drawing/2014/main" id="{E6F6B4C5-0E3B-46C9-859D-EE774175D36F}"/>
+              </a:ext>
+            </a:extLst>
+          </p:cNvPr>
+          <p:cNvCxnSpPr>
+            <a:cxnSpLocks/>
+          </p:cNvCxnSpPr>
+          <p:nvPr/>
+        </p:nvCxnSpPr>
+        <p:spPr>
+          <a:xfrm flipH="1">
+            <a:off x="2216372" y="446356"/>
+            <a:ext cx="364332" cy="501657"/>
+          </a:xfrm>
+          <a:prstGeom prst="line">
+            <a:avLst/>
+          </a:prstGeom>
+        </p:spPr>
+        <p:style>
+          <a:lnRef idx="3">
+            <a:schemeClr val="dk1"/>
+          </a:lnRef>
+          <a:fillRef idx="0">
+            <a:schemeClr val="dk1"/>
+          </a:fillRef>
+          <a:effectRef idx="2">
+            <a:schemeClr val="dk1"/>
+          </a:effectRef>
+          <a:fontRef idx="minor">
+            <a:schemeClr val="tx1"/>
+          </a:fontRef>
+        </p:style>
+      </p:cxnSp>
+    </p:spTree>
+    <p:extLst>
+      <p:ext uri="{BB962C8B-B14F-4D97-AF65-F5344CB8AC3E}">
+        <p14:creationId xmlns:p14="http://schemas.microsoft.com/office/powerpoint/2010/main" val="3586196131"/>
+      </p:ext>
+    </p:extLst>
+  </p:cSld>
+  <p:clrMapOvr>
+    <a:masterClrMapping/>
+  </p:clrMapOvr>
+  <mc:AlternateContent xmlns:mc="http://schemas.openxmlformats.org/markup-compatibility/2006" xmlns:p14="http://schemas.microsoft.com/office/powerpoint/2010/main">
+    <mc:Choice Requires="p14">
+      <p:transition spd="slow">
+        <p14:reveal/>
+      </p:transition>
+    </mc:Choice>
+    <mc:Fallback xmlns="">
+      <p:transition spd="slow">
+        <p:fade/>
+      </p:transition>
+    </mc:Fallback>
+  </mc:AlternateContent>
+</p:sld>
+</file>
+
+<file path=ppt/slides/slide9.xml><?xml version="1.0" encoding="utf-8"?>
+<p:sld xmlns:a="http://schemas.openxmlformats.org/drawingml/2006/main" xmlns:r="http://schemas.openxmlformats.org/officeDocument/2006/relationships" xmlns:p="http://schemas.openxmlformats.org/presentationml/2006/main">
+  <p:cSld>
+    <p:spTree>
+      <p:nvGrpSpPr>
+        <p:cNvPr id="1" name=""/>
+        <p:cNvGrpSpPr/>
+        <p:nvPr/>
+      </p:nvGrpSpPr>
+      <p:grpSpPr>
+        <a:xfrm>
+          <a:off x="0" y="0"/>
+          <a:ext cx="0" cy="0"/>
+          <a:chOff x="0" y="0"/>
+          <a:chExt cx="0" cy="0"/>
+        </a:xfrm>
+      </p:grpSpPr>
+      <p:pic>
+        <p:nvPicPr>
+          <p:cNvPr id="8" name="Image 7">
+            <a:extLst>
+              <a:ext uri="{FF2B5EF4-FFF2-40B4-BE49-F238E27FC236}">
+                <a16:creationId xmlns:a16="http://schemas.microsoft.com/office/drawing/2014/main" id="{2BB825C5-31DA-4A56-85EA-536DBF510A31}"/>
+              </a:ext>
+            </a:extLst>
+          </p:cNvPr>
+          <p:cNvPicPr>
+            <a:picLocks noChangeAspect="1"/>
+          </p:cNvPicPr>
+          <p:nvPr/>
+        </p:nvPicPr>
+        <p:blipFill>
+          <a:blip r:embed="rId2">
+            <a:extLst>
+              <a:ext uri="{28A0092B-C50C-407E-A947-70E740481C1C}">
+                <a14:useLocalDpi xmlns:a14="http://schemas.microsoft.com/office/drawing/2010/main" val="0"/>
+              </a:ext>
+            </a:extLst>
+          </a:blip>
+          <a:stretch>
+            <a:fillRect/>
+          </a:stretch>
+        </p:blipFill>
+        <p:spPr>
+          <a:xfrm>
+            <a:off x="1068751" y="66457"/>
+            <a:ext cx="1259497" cy="776690"/>
+          </a:xfrm>
+          <a:prstGeom prst="rect">
+            <a:avLst/>
+          </a:prstGeom>
+        </p:spPr>
+      </p:pic>
+      <p:pic>
+        <p:nvPicPr>
+          <p:cNvPr id="10" name="Image 9">
+            <a:extLst>
+              <a:ext uri="{FF2B5EF4-FFF2-40B4-BE49-F238E27FC236}">
+                <a16:creationId xmlns:a16="http://schemas.microsoft.com/office/drawing/2014/main" id="{8EE7436F-49F2-41E0-93E4-D247B4705294}"/>
+              </a:ext>
+            </a:extLst>
+          </p:cNvPr>
+          <p:cNvPicPr>
+            <a:picLocks noChangeAspect="1"/>
+          </p:cNvPicPr>
+          <p:nvPr/>
+        </p:nvPicPr>
+        <p:blipFill>
+          <a:blip r:embed="rId3">
+            <a:extLst>
+              <a:ext uri="{28A0092B-C50C-407E-A947-70E740481C1C}">
+                <a14:useLocalDpi xmlns:a14="http://schemas.microsoft.com/office/drawing/2010/main" val="0"/>
+              </a:ext>
+            </a:extLst>
+          </a:blip>
+          <a:stretch>
+            <a:fillRect/>
+          </a:stretch>
+        </p:blipFill>
+        <p:spPr>
+          <a:xfrm>
+            <a:off x="9681085" y="238153"/>
+            <a:ext cx="1802101" cy="569807"/>
+          </a:xfrm>
+          <a:prstGeom prst="rect">
+            <a:avLst/>
+          </a:prstGeom>
+        </p:spPr>
+      </p:pic>
+      <p:cxnSp>
+        <p:nvCxnSpPr>
+          <p:cNvPr id="16" name="Connecteur droit 15">
+            <a:extLst>
+              <a:ext uri="{FF2B5EF4-FFF2-40B4-BE49-F238E27FC236}">
+                <a16:creationId xmlns:a16="http://schemas.microsoft.com/office/drawing/2014/main" id="{7319284A-BD6F-4A96-8E2B-E0A4B52E53C6}"/>
+              </a:ext>
+            </a:extLst>
+          </p:cNvPr>
+          <p:cNvCxnSpPr>
+            <a:cxnSpLocks/>
+          </p:cNvCxnSpPr>
+          <p:nvPr/>
+        </p:nvCxnSpPr>
+        <p:spPr>
+          <a:xfrm flipV="1">
+            <a:off x="0" y="454803"/>
+            <a:ext cx="738231" cy="1798"/>
+          </a:xfrm>
+          <a:prstGeom prst="line">
+            <a:avLst/>
+          </a:prstGeom>
+        </p:spPr>
+        <p:style>
+          <a:lnRef idx="3">
+            <a:schemeClr val="dk1"/>
+          </a:lnRef>
+          <a:fillRef idx="0">
+            <a:schemeClr val="dk1"/>
+          </a:fillRef>
+          <a:effectRef idx="2">
+            <a:schemeClr val="dk1"/>
+          </a:effectRef>
+          <a:fontRef idx="minor">
+            <a:schemeClr val="tx1"/>
+          </a:fontRef>
+        </p:style>
+      </p:cxnSp>
+      <p:cxnSp>
+        <p:nvCxnSpPr>
+          <p:cNvPr id="20" name="Connecteur droit 19">
+            <a:extLst>
+              <a:ext uri="{FF2B5EF4-FFF2-40B4-BE49-F238E27FC236}">
+                <a16:creationId xmlns:a16="http://schemas.microsoft.com/office/drawing/2014/main" id="{08874CF7-F149-4C81-B61E-74E18342BA8A}"/>
+              </a:ext>
+            </a:extLst>
+          </p:cNvPr>
+          <p:cNvCxnSpPr>
+            <a:cxnSpLocks/>
+          </p:cNvCxnSpPr>
+          <p:nvPr/>
+        </p:nvCxnSpPr>
+        <p:spPr>
+          <a:xfrm>
+            <a:off x="2573222" y="454803"/>
+            <a:ext cx="6829482" cy="10398"/>
+          </a:xfrm>
+          <a:prstGeom prst="line">
+            <a:avLst/>
+          </a:prstGeom>
+        </p:spPr>
+        <p:style>
+          <a:lnRef idx="3">
+            <a:schemeClr val="dk1"/>
+          </a:lnRef>
+          <a:fillRef idx="0">
+            <a:schemeClr val="dk1"/>
+          </a:fillRef>
+          <a:effectRef idx="2">
+            <a:schemeClr val="dk1"/>
+          </a:effectRef>
+          <a:fontRef idx="minor">
+            <a:schemeClr val="tx1"/>
+          </a:fontRef>
+        </p:style>
+      </p:cxnSp>
+      <p:cxnSp>
+        <p:nvCxnSpPr>
+          <p:cNvPr id="26" name="Connecteur droit 25">
+            <a:extLst>
+              <a:ext uri="{FF2B5EF4-FFF2-40B4-BE49-F238E27FC236}">
+                <a16:creationId xmlns:a16="http://schemas.microsoft.com/office/drawing/2014/main" id="{BB3B35CC-057B-48C1-880F-3306A6559175}"/>
+              </a:ext>
+            </a:extLst>
+          </p:cNvPr>
+          <p:cNvCxnSpPr>
+            <a:cxnSpLocks/>
+          </p:cNvCxnSpPr>
+          <p:nvPr/>
+        </p:nvCxnSpPr>
+        <p:spPr>
+          <a:xfrm>
+            <a:off x="738231" y="454803"/>
+            <a:ext cx="344203" cy="484764"/>
+          </a:xfrm>
+          <a:prstGeom prst="line">
+            <a:avLst/>
+          </a:prstGeom>
+        </p:spPr>
+        <p:style>
+          <a:lnRef idx="3">
+            <a:schemeClr val="dk1"/>
+          </a:lnRef>
+          <a:fillRef idx="0">
+            <a:schemeClr val="dk1"/>
+          </a:fillRef>
+          <a:effectRef idx="2">
+            <a:schemeClr val="dk1"/>
+          </a:effectRef>
+          <a:fontRef idx="minor">
+            <a:schemeClr val="tx1"/>
+          </a:fontRef>
+        </p:style>
+      </p:cxnSp>
+      <p:cxnSp>
+        <p:nvCxnSpPr>
+          <p:cNvPr id="32" name="Connecteur droit 31">
+            <a:extLst>
+              <a:ext uri="{FF2B5EF4-FFF2-40B4-BE49-F238E27FC236}">
+                <a16:creationId xmlns:a16="http://schemas.microsoft.com/office/drawing/2014/main" id="{4AD96496-1EB6-4E48-9BB2-5C255495C686}"/>
+              </a:ext>
+            </a:extLst>
+          </p:cNvPr>
+          <p:cNvCxnSpPr>
+            <a:cxnSpLocks/>
+          </p:cNvCxnSpPr>
+          <p:nvPr/>
+        </p:nvCxnSpPr>
+        <p:spPr>
+          <a:xfrm>
+            <a:off x="1082434" y="938268"/>
+            <a:ext cx="1146585" cy="0"/>
+          </a:xfrm>
+          <a:prstGeom prst="line">
+            <a:avLst/>
+          </a:prstGeom>
+        </p:spPr>
+        <p:style>
+          <a:lnRef idx="3">
+            <a:schemeClr val="dk1"/>
+          </a:lnRef>
+          <a:fillRef idx="0">
+            <a:schemeClr val="dk1"/>
+          </a:fillRef>
+          <a:effectRef idx="2">
+            <a:schemeClr val="dk1"/>
+          </a:effectRef>
+          <a:fontRef idx="minor">
+            <a:schemeClr val="tx1"/>
+          </a:fontRef>
+        </p:style>
+      </p:cxnSp>
+      <p:cxnSp>
+        <p:nvCxnSpPr>
+          <p:cNvPr id="51" name="Connecteur droit 50">
+            <a:extLst>
+              <a:ext uri="{FF2B5EF4-FFF2-40B4-BE49-F238E27FC236}">
+                <a16:creationId xmlns:a16="http://schemas.microsoft.com/office/drawing/2014/main" id="{C035BFA6-ECBF-4775-BA81-19D2CA41AA8D}"/>
+              </a:ext>
+            </a:extLst>
+          </p:cNvPr>
+          <p:cNvCxnSpPr>
+            <a:cxnSpLocks/>
+          </p:cNvCxnSpPr>
+          <p:nvPr/>
+        </p:nvCxnSpPr>
+        <p:spPr>
+          <a:xfrm>
+            <a:off x="9402704" y="465201"/>
+            <a:ext cx="344203" cy="495163"/>
+          </a:xfrm>
+          <a:prstGeom prst="line">
+            <a:avLst/>
+          </a:prstGeom>
+        </p:spPr>
+        <p:style>
+          <a:lnRef idx="3">
+            <a:schemeClr val="dk1"/>
+          </a:lnRef>
+          <a:fillRef idx="0">
+            <a:schemeClr val="dk1"/>
+          </a:fillRef>
+          <a:effectRef idx="2">
+            <a:schemeClr val="dk1"/>
+          </a:effectRef>
+          <a:fontRef idx="minor">
+            <a:schemeClr val="tx1"/>
+          </a:fontRef>
+        </p:style>
+      </p:cxnSp>
+      <p:cxnSp>
+        <p:nvCxnSpPr>
+          <p:cNvPr id="52" name="Connecteur droit 51">
+            <a:extLst>
+              <a:ext uri="{FF2B5EF4-FFF2-40B4-BE49-F238E27FC236}">
+                <a16:creationId xmlns:a16="http://schemas.microsoft.com/office/drawing/2014/main" id="{FA310BC7-694B-4984-99A2-61A1F4F6EBF9}"/>
+              </a:ext>
+            </a:extLst>
+          </p:cNvPr>
+          <p:cNvCxnSpPr>
+            <a:cxnSpLocks/>
+          </p:cNvCxnSpPr>
+          <p:nvPr/>
+        </p:nvCxnSpPr>
+        <p:spPr>
+          <a:xfrm flipH="1">
+            <a:off x="11370469" y="448308"/>
+            <a:ext cx="364332" cy="501657"/>
+          </a:xfrm>
+          <a:prstGeom prst="line">
+            <a:avLst/>
+          </a:prstGeom>
+        </p:spPr>
+        <p:style>
+          <a:lnRef idx="3">
+            <a:schemeClr val="dk1"/>
+          </a:lnRef>
+          <a:fillRef idx="0">
+            <a:schemeClr val="dk1"/>
+          </a:fillRef>
+          <a:effectRef idx="2">
+            <a:schemeClr val="dk1"/>
+          </a:effectRef>
+          <a:fontRef idx="minor">
+            <a:schemeClr val="tx1"/>
+          </a:fontRef>
+        </p:style>
+      </p:cxnSp>
+      <p:cxnSp>
+        <p:nvCxnSpPr>
+          <p:cNvPr id="53" name="Connecteur droit 52">
+            <a:extLst>
+              <a:ext uri="{FF2B5EF4-FFF2-40B4-BE49-F238E27FC236}">
+                <a16:creationId xmlns:a16="http://schemas.microsoft.com/office/drawing/2014/main" id="{BE0649BD-EE59-4DDA-960F-95B2572F9F13}"/>
+              </a:ext>
+            </a:extLst>
+          </p:cNvPr>
+          <p:cNvCxnSpPr>
+            <a:cxnSpLocks/>
+          </p:cNvCxnSpPr>
+          <p:nvPr/>
+        </p:nvCxnSpPr>
+        <p:spPr>
+          <a:xfrm>
+            <a:off x="9743203" y="949965"/>
+            <a:ext cx="1627266" cy="0"/>
+          </a:xfrm>
+          <a:prstGeom prst="line">
+            <a:avLst/>
+          </a:prstGeom>
+        </p:spPr>
+        <p:style>
+          <a:lnRef idx="3">
+            <a:schemeClr val="dk1"/>
+          </a:lnRef>
+          <a:fillRef idx="0">
+            <a:schemeClr val="dk1"/>
+          </a:fillRef>
+          <a:effectRef idx="2">
+            <a:schemeClr val="dk1"/>
+          </a:effectRef>
+          <a:fontRef idx="minor">
+            <a:schemeClr val="tx1"/>
+          </a:fontRef>
+        </p:style>
+      </p:cxnSp>
+      <p:cxnSp>
+        <p:nvCxnSpPr>
+          <p:cNvPr id="55" name="Connecteur droit 54">
+            <a:extLst>
+              <a:ext uri="{FF2B5EF4-FFF2-40B4-BE49-F238E27FC236}">
+                <a16:creationId xmlns:a16="http://schemas.microsoft.com/office/drawing/2014/main" id="{52AA9200-DAFA-4EEF-AC13-4C7CE82A59EC}"/>
+              </a:ext>
+            </a:extLst>
+          </p:cNvPr>
+          <p:cNvCxnSpPr>
+            <a:cxnSpLocks/>
+          </p:cNvCxnSpPr>
+          <p:nvPr/>
+        </p:nvCxnSpPr>
+        <p:spPr>
+          <a:xfrm>
+            <a:off x="11715750" y="454801"/>
+            <a:ext cx="476249" cy="10400"/>
+          </a:xfrm>
+          <a:prstGeom prst="line">
+            <a:avLst/>
+          </a:prstGeom>
+        </p:spPr>
+        <p:style>
+          <a:lnRef idx="3">
+            <a:schemeClr val="dk1"/>
+          </a:lnRef>
+          <a:fillRef idx="0">
+            <a:schemeClr val="dk1"/>
+          </a:fillRef>
+          <a:effectRef idx="2">
+            <a:schemeClr val="dk1"/>
+          </a:effectRef>
+          <a:fontRef idx="minor">
+            <a:schemeClr val="tx1"/>
+          </a:fontRef>
+        </p:style>
+      </p:cxnSp>
+      <p:cxnSp>
+        <p:nvCxnSpPr>
+          <p:cNvPr id="23" name="Connecteur droit 22">
+            <a:extLst>
+              <a:ext uri="{FF2B5EF4-FFF2-40B4-BE49-F238E27FC236}">
+                <a16:creationId xmlns:a16="http://schemas.microsoft.com/office/drawing/2014/main" id="{BCB092C8-0080-4E56-957E-0046D4C83988}"/>
+              </a:ext>
+            </a:extLst>
+          </p:cNvPr>
+          <p:cNvCxnSpPr>
+            <a:cxnSpLocks/>
+          </p:cNvCxnSpPr>
+          <p:nvPr/>
+        </p:nvCxnSpPr>
+        <p:spPr>
+          <a:xfrm flipH="1">
+            <a:off x="2216372" y="446356"/>
+            <a:ext cx="364332" cy="501657"/>
+          </a:xfrm>
+          <a:prstGeom prst="line">
+            <a:avLst/>
+          </a:prstGeom>
+        </p:spPr>
+        <p:style>
+          <a:lnRef idx="3">
+            <a:schemeClr val="dk1"/>
+          </a:lnRef>
+          <a:fillRef idx="0">
+            <a:schemeClr val="dk1"/>
+          </a:fillRef>
+          <a:effectRef idx="2">
+            <a:schemeClr val="dk1"/>
+          </a:effectRef>
+          <a:fontRef idx="minor">
+            <a:schemeClr val="tx1"/>
+          </a:fontRef>
+        </p:style>
+      </p:cxnSp>
+      <p:pic>
+        <p:nvPicPr>
+          <p:cNvPr id="57" name="Image 56">
+            <a:extLst>
+              <a:ext uri="{FF2B5EF4-FFF2-40B4-BE49-F238E27FC236}">
+                <a16:creationId xmlns:a16="http://schemas.microsoft.com/office/drawing/2014/main" id="{12B16FB2-5844-4B92-AE69-9BAC858C22BB}"/>
+              </a:ext>
+            </a:extLst>
+          </p:cNvPr>
+          <p:cNvPicPr>
+            <a:picLocks noChangeAspect="1"/>
+          </p:cNvPicPr>
+          <p:nvPr/>
+        </p:nvPicPr>
+        <p:blipFill>
+          <a:blip r:embed="rId3">
+            <a:extLst>
+              <a:ext uri="{28A0092B-C50C-407E-A947-70E740481C1C}">
+                <a14:useLocalDpi xmlns:a14="http://schemas.microsoft.com/office/drawing/2010/main" val="0"/>
+              </a:ext>
+            </a:extLst>
+          </a:blip>
+          <a:stretch>
+            <a:fillRect/>
+          </a:stretch>
+        </p:blipFill>
+        <p:spPr>
+          <a:xfrm>
+            <a:off x="9681085" y="238153"/>
+            <a:ext cx="1802101" cy="569807"/>
+          </a:xfrm>
+          <a:prstGeom prst="rect">
+            <a:avLst/>
+          </a:prstGeom>
+        </p:spPr>
+      </p:pic>
+      <p:cxnSp>
+        <p:nvCxnSpPr>
+          <p:cNvPr id="58" name="Connecteur droit 57">
+            <a:extLst>
+              <a:ext uri="{FF2B5EF4-FFF2-40B4-BE49-F238E27FC236}">
+                <a16:creationId xmlns:a16="http://schemas.microsoft.com/office/drawing/2014/main" id="{01599350-F8B0-4FDC-B003-981189A8D654}"/>
+              </a:ext>
+            </a:extLst>
+          </p:cNvPr>
+          <p:cNvCxnSpPr>
+            <a:cxnSpLocks/>
+          </p:cNvCxnSpPr>
+          <p:nvPr/>
+        </p:nvCxnSpPr>
+        <p:spPr>
+          <a:xfrm>
+            <a:off x="2573222" y="454803"/>
+            <a:ext cx="6829482" cy="10398"/>
+          </a:xfrm>
+          <a:prstGeom prst="line">
+            <a:avLst/>
+          </a:prstGeom>
+        </p:spPr>
+        <p:style>
+          <a:lnRef idx="3">
+            <a:schemeClr val="dk1"/>
+          </a:lnRef>
+          <a:fillRef idx="0">
+            <a:schemeClr val="dk1"/>
+          </a:fillRef>
+          <a:effectRef idx="2">
+            <a:schemeClr val="dk1"/>
+          </a:effectRef>
+          <a:fontRef idx="minor">
+            <a:schemeClr val="tx1"/>
+          </a:fontRef>
+        </p:style>
+      </p:cxnSp>
+      <p:cxnSp>
+        <p:nvCxnSpPr>
+          <p:cNvPr id="59" name="Connecteur droit 58">
+            <a:extLst>
+              <a:ext uri="{FF2B5EF4-FFF2-40B4-BE49-F238E27FC236}">
+                <a16:creationId xmlns:a16="http://schemas.microsoft.com/office/drawing/2014/main" id="{BC6E6150-6054-4785-84EC-0C46D82034C2}"/>
+              </a:ext>
+            </a:extLst>
+          </p:cNvPr>
+          <p:cNvCxnSpPr>
+            <a:cxnSpLocks/>
+          </p:cNvCxnSpPr>
+          <p:nvPr/>
+        </p:nvCxnSpPr>
+        <p:spPr>
+          <a:xfrm>
+            <a:off x="738231" y="454803"/>
+            <a:ext cx="344203" cy="484764"/>
+          </a:xfrm>
+          <a:prstGeom prst="line">
+            <a:avLst/>
+          </a:prstGeom>
+        </p:spPr>
+        <p:style>
+          <a:lnRef idx="3">
+            <a:schemeClr val="dk1"/>
+          </a:lnRef>
+          <a:fillRef idx="0">
+            <a:schemeClr val="dk1"/>
+          </a:fillRef>
+          <a:effectRef idx="2">
+            <a:schemeClr val="dk1"/>
+          </a:effectRef>
+          <a:fontRef idx="minor">
+            <a:schemeClr val="tx1"/>
+          </a:fontRef>
+        </p:style>
+      </p:cxnSp>
+      <p:cxnSp>
+        <p:nvCxnSpPr>
+          <p:cNvPr id="60" name="Connecteur droit 59">
+            <a:extLst>
+              <a:ext uri="{FF2B5EF4-FFF2-40B4-BE49-F238E27FC236}">
+                <a16:creationId xmlns:a16="http://schemas.microsoft.com/office/drawing/2014/main" id="{CBC9961A-8EC2-4287-A398-BCA4138D409D}"/>
+              </a:ext>
+            </a:extLst>
+          </p:cNvPr>
+          <p:cNvCxnSpPr>
+            <a:cxnSpLocks/>
+          </p:cNvCxnSpPr>
+          <p:nvPr/>
+        </p:nvCxnSpPr>
+        <p:spPr>
+          <a:xfrm>
+            <a:off x="1082434" y="938268"/>
+            <a:ext cx="1146585" cy="0"/>
+          </a:xfrm>
+          <a:prstGeom prst="line">
+            <a:avLst/>
+          </a:prstGeom>
+        </p:spPr>
+        <p:style>
+          <a:lnRef idx="3">
+            <a:schemeClr val="dk1"/>
+          </a:lnRef>
+          <a:fillRef idx="0">
+            <a:schemeClr val="dk1"/>
+          </a:fillRef>
+          <a:effectRef idx="2">
+            <a:schemeClr val="dk1"/>
+          </a:effectRef>
+          <a:fontRef idx="minor">
+            <a:schemeClr val="tx1"/>
+          </a:fontRef>
+        </p:style>
+      </p:cxnSp>
+      <p:cxnSp>
+        <p:nvCxnSpPr>
+          <p:cNvPr id="61" name="Connecteur droit 60">
+            <a:extLst>
+              <a:ext uri="{FF2B5EF4-FFF2-40B4-BE49-F238E27FC236}">
+                <a16:creationId xmlns:a16="http://schemas.microsoft.com/office/drawing/2014/main" id="{152B7C45-2543-4665-BC07-4DB71CA9F337}"/>
+              </a:ext>
+            </a:extLst>
+          </p:cNvPr>
+          <p:cNvCxnSpPr>
+            <a:cxnSpLocks/>
+          </p:cNvCxnSpPr>
+          <p:nvPr/>
+        </p:nvCxnSpPr>
+        <p:spPr>
+          <a:xfrm>
+            <a:off x="9402704" y="465201"/>
+            <a:ext cx="344203" cy="495163"/>
+          </a:xfrm>
+          <a:prstGeom prst="line">
+            <a:avLst/>
+          </a:prstGeom>
+        </p:spPr>
+        <p:style>
+          <a:lnRef idx="3">
+            <a:schemeClr val="dk1"/>
+          </a:lnRef>
+          <a:fillRef idx="0">
+            <a:schemeClr val="dk1"/>
+          </a:fillRef>
+          <a:effectRef idx="2">
+            <a:schemeClr val="dk1"/>
+          </a:effectRef>
+          <a:fontRef idx="minor">
+            <a:schemeClr val="tx1"/>
+          </a:fontRef>
+        </p:style>
+      </p:cxnSp>
+      <p:cxnSp>
+        <p:nvCxnSpPr>
+          <p:cNvPr id="62" name="Connecteur droit 61">
+            <a:extLst>
+              <a:ext uri="{FF2B5EF4-FFF2-40B4-BE49-F238E27FC236}">
+                <a16:creationId xmlns:a16="http://schemas.microsoft.com/office/drawing/2014/main" id="{00A84DC3-A112-46A3-B71C-04D85339323D}"/>
+              </a:ext>
+            </a:extLst>
+          </p:cNvPr>
+          <p:cNvCxnSpPr>
+            <a:cxnSpLocks/>
+          </p:cNvCxnSpPr>
+          <p:nvPr/>
+        </p:nvCxnSpPr>
+        <p:spPr>
+          <a:xfrm flipH="1">
+            <a:off x="11370469" y="448308"/>
+            <a:ext cx="364332" cy="501657"/>
+          </a:xfrm>
+          <a:prstGeom prst="line">
+            <a:avLst/>
+          </a:prstGeom>
+        </p:spPr>
+        <p:style>
+          <a:lnRef idx="3">
+            <a:schemeClr val="dk1"/>
+          </a:lnRef>
+          <a:fillRef idx="0">
+            <a:schemeClr val="dk1"/>
+          </a:fillRef>
+          <a:effectRef idx="2">
+            <a:schemeClr val="dk1"/>
+          </a:effectRef>
+          <a:fontRef idx="minor">
+            <a:schemeClr val="tx1"/>
+          </a:fontRef>
+        </p:style>
+      </p:cxnSp>
+      <p:cxnSp>
+        <p:nvCxnSpPr>
+          <p:cNvPr id="63" name="Connecteur droit 62">
+            <a:extLst>
+              <a:ext uri="{FF2B5EF4-FFF2-40B4-BE49-F238E27FC236}">
+                <a16:creationId xmlns:a16="http://schemas.microsoft.com/office/drawing/2014/main" id="{C50788C6-8F68-44EC-AB54-94C1D2FE554D}"/>
+              </a:ext>
+            </a:extLst>
+          </p:cNvPr>
+          <p:cNvCxnSpPr>
+            <a:cxnSpLocks/>
+          </p:cNvCxnSpPr>
+          <p:nvPr/>
+        </p:nvCxnSpPr>
+        <p:spPr>
+          <a:xfrm>
+            <a:off x="9743203" y="949965"/>
+            <a:ext cx="1627266" cy="0"/>
+          </a:xfrm>
+          <a:prstGeom prst="line">
+            <a:avLst/>
+          </a:prstGeom>
+        </p:spPr>
+        <p:style>
+          <a:lnRef idx="3">
+            <a:schemeClr val="dk1"/>
+          </a:lnRef>
+          <a:fillRef idx="0">
+            <a:schemeClr val="dk1"/>
+          </a:fillRef>
+          <a:effectRef idx="2">
+            <a:schemeClr val="dk1"/>
+          </a:effectRef>
+          <a:fontRef idx="minor">
+            <a:schemeClr val="tx1"/>
+          </a:fontRef>
+        </p:style>
+      </p:cxnSp>
+      <p:cxnSp>
+        <p:nvCxnSpPr>
+          <p:cNvPr id="64" name="Connecteur droit 63">
+            <a:extLst>
+              <a:ext uri="{FF2B5EF4-FFF2-40B4-BE49-F238E27FC236}">
+                <a16:creationId xmlns:a16="http://schemas.microsoft.com/office/drawing/2014/main" id="{BC4D4E5F-5636-45CB-873C-EC085AB307A3}"/>
+              </a:ext>
+            </a:extLst>
+          </p:cNvPr>
+          <p:cNvCxnSpPr>
+            <a:cxnSpLocks/>
+          </p:cNvCxnSpPr>
+          <p:nvPr/>
+        </p:nvCxnSpPr>
+        <p:spPr>
+          <a:xfrm>
+            <a:off x="11715750" y="454801"/>
+            <a:ext cx="476249" cy="10400"/>
+          </a:xfrm>
+          <a:prstGeom prst="line">
+            <a:avLst/>
+          </a:prstGeom>
+        </p:spPr>
+        <p:style>
+          <a:lnRef idx="3">
+            <a:schemeClr val="dk1"/>
+          </a:lnRef>
+          <a:fillRef idx="0">
+            <a:schemeClr val="dk1"/>
+          </a:fillRef>
+          <a:effectRef idx="2">
+            <a:schemeClr val="dk1"/>
+          </a:effectRef>
+          <a:fontRef idx="minor">
+            <a:schemeClr val="tx1"/>
+          </a:fontRef>
+        </p:style>
+      </p:cxnSp>
+      <p:cxnSp>
+        <p:nvCxnSpPr>
+          <p:cNvPr id="65" name="Connecteur droit 64">
+            <a:extLst>
+              <a:ext uri="{FF2B5EF4-FFF2-40B4-BE49-F238E27FC236}">
+                <a16:creationId xmlns:a16="http://schemas.microsoft.com/office/drawing/2014/main" id="{E6F6B4C5-0E3B-46C9-859D-EE774175D36F}"/>
+              </a:ext>
+            </a:extLst>
+          </p:cNvPr>
+          <p:cNvCxnSpPr>
+            <a:cxnSpLocks/>
+          </p:cNvCxnSpPr>
+          <p:nvPr/>
+        </p:nvCxnSpPr>
+        <p:spPr>
+          <a:xfrm flipH="1">
+            <a:off x="2216372" y="446356"/>
+            <a:ext cx="364332" cy="501657"/>
+          </a:xfrm>
+          <a:prstGeom prst="line">
+            <a:avLst/>
+          </a:prstGeom>
+        </p:spPr>
+        <p:style>
+          <a:lnRef idx="3">
+            <a:schemeClr val="dk1"/>
+          </a:lnRef>
+          <a:fillRef idx="0">
+            <a:schemeClr val="dk1"/>
+          </a:fillRef>
+          <a:effectRef idx="2">
+            <a:schemeClr val="dk1"/>
+          </a:effectRef>
+          <a:fontRef idx="minor">
+            <a:schemeClr val="tx1"/>
+          </a:fontRef>
+        </p:style>
+      </p:cxnSp>
+    </p:spTree>
+    <p:extLst>
+      <p:ext uri="{BB962C8B-B14F-4D97-AF65-F5344CB8AC3E}">
+        <p14:creationId xmlns:p14="http://schemas.microsoft.com/office/powerpoint/2010/main" val="1093378480"/>
       </p:ext>
     </p:extLst>
   </p:cSld>

--- a/oral_projet/revue_2/diaporama_revue_1_steven.pptx
+++ b/oral_projet/revue_2/diaporama_revue_1_steven.pptx
@@ -5,7 +5,7 @@
     <p:sldMasterId id="2147483648" r:id="rId1"/>
   </p:sldMasterIdLst>
   <p:notesMasterIdLst>
-    <p:notesMasterId r:id="rId11"/>
+    <p:notesMasterId r:id="rId14"/>
   </p:notesMasterIdLst>
   <p:sldIdLst>
     <p:sldId id="256" r:id="rId2"/>
@@ -17,6 +17,9 @@
     <p:sldId id="263" r:id="rId8"/>
     <p:sldId id="264" r:id="rId9"/>
     <p:sldId id="265" r:id="rId10"/>
+    <p:sldId id="266" r:id="rId11"/>
+    <p:sldId id="267" r:id="rId12"/>
+    <p:sldId id="268" r:id="rId13"/>
   </p:sldIdLst>
   <p:sldSz cx="12192000" cy="6858000"/>
   <p:notesSz cx="6858000" cy="9144000"/>
@@ -4509,6 +4512,2394 @@
     <p:extLst>
       <p:ext uri="{BB962C8B-B14F-4D97-AF65-F5344CB8AC3E}">
         <p14:creationId xmlns:p14="http://schemas.microsoft.com/office/powerpoint/2010/main" val="3665396700"/>
+      </p:ext>
+    </p:extLst>
+  </p:cSld>
+  <p:clrMapOvr>
+    <a:masterClrMapping/>
+  </p:clrMapOvr>
+  <mc:AlternateContent xmlns:mc="http://schemas.openxmlformats.org/markup-compatibility/2006" xmlns:p14="http://schemas.microsoft.com/office/powerpoint/2010/main">
+    <mc:Choice Requires="p14">
+      <p:transition spd="slow">
+        <p14:reveal/>
+      </p:transition>
+    </mc:Choice>
+    <mc:Fallback xmlns="">
+      <p:transition spd="slow">
+        <p:fade/>
+      </p:transition>
+    </mc:Fallback>
+  </mc:AlternateContent>
+</p:sld>
+</file>
+
+<file path=ppt/slides/slide10.xml><?xml version="1.0" encoding="utf-8"?>
+<p:sld xmlns:a="http://schemas.openxmlformats.org/drawingml/2006/main" xmlns:r="http://schemas.openxmlformats.org/officeDocument/2006/relationships" xmlns:p="http://schemas.openxmlformats.org/presentationml/2006/main">
+  <p:cSld>
+    <p:spTree>
+      <p:nvGrpSpPr>
+        <p:cNvPr id="1" name=""/>
+        <p:cNvGrpSpPr/>
+        <p:nvPr/>
+      </p:nvGrpSpPr>
+      <p:grpSpPr>
+        <a:xfrm>
+          <a:off x="0" y="0"/>
+          <a:ext cx="0" cy="0"/>
+          <a:chOff x="0" y="0"/>
+          <a:chExt cx="0" cy="0"/>
+        </a:xfrm>
+      </p:grpSpPr>
+      <p:pic>
+        <p:nvPicPr>
+          <p:cNvPr id="8" name="Image 7">
+            <a:extLst>
+              <a:ext uri="{FF2B5EF4-FFF2-40B4-BE49-F238E27FC236}">
+                <a16:creationId xmlns:a16="http://schemas.microsoft.com/office/drawing/2014/main" id="{2BB825C5-31DA-4A56-85EA-536DBF510A31}"/>
+              </a:ext>
+            </a:extLst>
+          </p:cNvPr>
+          <p:cNvPicPr>
+            <a:picLocks noChangeAspect="1"/>
+          </p:cNvPicPr>
+          <p:nvPr/>
+        </p:nvPicPr>
+        <p:blipFill>
+          <a:blip r:embed="rId2">
+            <a:extLst>
+              <a:ext uri="{28A0092B-C50C-407E-A947-70E740481C1C}">
+                <a14:useLocalDpi xmlns:a14="http://schemas.microsoft.com/office/drawing/2010/main" val="0"/>
+              </a:ext>
+            </a:extLst>
+          </a:blip>
+          <a:stretch>
+            <a:fillRect/>
+          </a:stretch>
+        </p:blipFill>
+        <p:spPr>
+          <a:xfrm>
+            <a:off x="1068751" y="66457"/>
+            <a:ext cx="1259497" cy="776690"/>
+          </a:xfrm>
+          <a:prstGeom prst="rect">
+            <a:avLst/>
+          </a:prstGeom>
+        </p:spPr>
+      </p:pic>
+      <p:pic>
+        <p:nvPicPr>
+          <p:cNvPr id="10" name="Image 9">
+            <a:extLst>
+              <a:ext uri="{FF2B5EF4-FFF2-40B4-BE49-F238E27FC236}">
+                <a16:creationId xmlns:a16="http://schemas.microsoft.com/office/drawing/2014/main" id="{8EE7436F-49F2-41E0-93E4-D247B4705294}"/>
+              </a:ext>
+            </a:extLst>
+          </p:cNvPr>
+          <p:cNvPicPr>
+            <a:picLocks noChangeAspect="1"/>
+          </p:cNvPicPr>
+          <p:nvPr/>
+        </p:nvPicPr>
+        <p:blipFill>
+          <a:blip r:embed="rId3">
+            <a:extLst>
+              <a:ext uri="{28A0092B-C50C-407E-A947-70E740481C1C}">
+                <a14:useLocalDpi xmlns:a14="http://schemas.microsoft.com/office/drawing/2010/main" val="0"/>
+              </a:ext>
+            </a:extLst>
+          </a:blip>
+          <a:stretch>
+            <a:fillRect/>
+          </a:stretch>
+        </p:blipFill>
+        <p:spPr>
+          <a:xfrm>
+            <a:off x="9681085" y="238153"/>
+            <a:ext cx="1802101" cy="569807"/>
+          </a:xfrm>
+          <a:prstGeom prst="rect">
+            <a:avLst/>
+          </a:prstGeom>
+        </p:spPr>
+      </p:pic>
+      <p:cxnSp>
+        <p:nvCxnSpPr>
+          <p:cNvPr id="16" name="Connecteur droit 15">
+            <a:extLst>
+              <a:ext uri="{FF2B5EF4-FFF2-40B4-BE49-F238E27FC236}">
+                <a16:creationId xmlns:a16="http://schemas.microsoft.com/office/drawing/2014/main" id="{7319284A-BD6F-4A96-8E2B-E0A4B52E53C6}"/>
+              </a:ext>
+            </a:extLst>
+          </p:cNvPr>
+          <p:cNvCxnSpPr>
+            <a:cxnSpLocks/>
+          </p:cNvCxnSpPr>
+          <p:nvPr/>
+        </p:nvCxnSpPr>
+        <p:spPr>
+          <a:xfrm flipV="1">
+            <a:off x="0" y="454803"/>
+            <a:ext cx="738231" cy="1798"/>
+          </a:xfrm>
+          <a:prstGeom prst="line">
+            <a:avLst/>
+          </a:prstGeom>
+        </p:spPr>
+        <p:style>
+          <a:lnRef idx="3">
+            <a:schemeClr val="dk1"/>
+          </a:lnRef>
+          <a:fillRef idx="0">
+            <a:schemeClr val="dk1"/>
+          </a:fillRef>
+          <a:effectRef idx="2">
+            <a:schemeClr val="dk1"/>
+          </a:effectRef>
+          <a:fontRef idx="minor">
+            <a:schemeClr val="tx1"/>
+          </a:fontRef>
+        </p:style>
+      </p:cxnSp>
+      <p:cxnSp>
+        <p:nvCxnSpPr>
+          <p:cNvPr id="20" name="Connecteur droit 19">
+            <a:extLst>
+              <a:ext uri="{FF2B5EF4-FFF2-40B4-BE49-F238E27FC236}">
+                <a16:creationId xmlns:a16="http://schemas.microsoft.com/office/drawing/2014/main" id="{08874CF7-F149-4C81-B61E-74E18342BA8A}"/>
+              </a:ext>
+            </a:extLst>
+          </p:cNvPr>
+          <p:cNvCxnSpPr>
+            <a:cxnSpLocks/>
+          </p:cNvCxnSpPr>
+          <p:nvPr/>
+        </p:nvCxnSpPr>
+        <p:spPr>
+          <a:xfrm>
+            <a:off x="2573222" y="454803"/>
+            <a:ext cx="6829482" cy="10398"/>
+          </a:xfrm>
+          <a:prstGeom prst="line">
+            <a:avLst/>
+          </a:prstGeom>
+        </p:spPr>
+        <p:style>
+          <a:lnRef idx="3">
+            <a:schemeClr val="dk1"/>
+          </a:lnRef>
+          <a:fillRef idx="0">
+            <a:schemeClr val="dk1"/>
+          </a:fillRef>
+          <a:effectRef idx="2">
+            <a:schemeClr val="dk1"/>
+          </a:effectRef>
+          <a:fontRef idx="minor">
+            <a:schemeClr val="tx1"/>
+          </a:fontRef>
+        </p:style>
+      </p:cxnSp>
+      <p:cxnSp>
+        <p:nvCxnSpPr>
+          <p:cNvPr id="26" name="Connecteur droit 25">
+            <a:extLst>
+              <a:ext uri="{FF2B5EF4-FFF2-40B4-BE49-F238E27FC236}">
+                <a16:creationId xmlns:a16="http://schemas.microsoft.com/office/drawing/2014/main" id="{BB3B35CC-057B-48C1-880F-3306A6559175}"/>
+              </a:ext>
+            </a:extLst>
+          </p:cNvPr>
+          <p:cNvCxnSpPr>
+            <a:cxnSpLocks/>
+          </p:cNvCxnSpPr>
+          <p:nvPr/>
+        </p:nvCxnSpPr>
+        <p:spPr>
+          <a:xfrm>
+            <a:off x="738231" y="454803"/>
+            <a:ext cx="344203" cy="484764"/>
+          </a:xfrm>
+          <a:prstGeom prst="line">
+            <a:avLst/>
+          </a:prstGeom>
+        </p:spPr>
+        <p:style>
+          <a:lnRef idx="3">
+            <a:schemeClr val="dk1"/>
+          </a:lnRef>
+          <a:fillRef idx="0">
+            <a:schemeClr val="dk1"/>
+          </a:fillRef>
+          <a:effectRef idx="2">
+            <a:schemeClr val="dk1"/>
+          </a:effectRef>
+          <a:fontRef idx="minor">
+            <a:schemeClr val="tx1"/>
+          </a:fontRef>
+        </p:style>
+      </p:cxnSp>
+      <p:cxnSp>
+        <p:nvCxnSpPr>
+          <p:cNvPr id="32" name="Connecteur droit 31">
+            <a:extLst>
+              <a:ext uri="{FF2B5EF4-FFF2-40B4-BE49-F238E27FC236}">
+                <a16:creationId xmlns:a16="http://schemas.microsoft.com/office/drawing/2014/main" id="{4AD96496-1EB6-4E48-9BB2-5C255495C686}"/>
+              </a:ext>
+            </a:extLst>
+          </p:cNvPr>
+          <p:cNvCxnSpPr>
+            <a:cxnSpLocks/>
+          </p:cNvCxnSpPr>
+          <p:nvPr/>
+        </p:nvCxnSpPr>
+        <p:spPr>
+          <a:xfrm>
+            <a:off x="1082434" y="938268"/>
+            <a:ext cx="1146585" cy="0"/>
+          </a:xfrm>
+          <a:prstGeom prst="line">
+            <a:avLst/>
+          </a:prstGeom>
+        </p:spPr>
+        <p:style>
+          <a:lnRef idx="3">
+            <a:schemeClr val="dk1"/>
+          </a:lnRef>
+          <a:fillRef idx="0">
+            <a:schemeClr val="dk1"/>
+          </a:fillRef>
+          <a:effectRef idx="2">
+            <a:schemeClr val="dk1"/>
+          </a:effectRef>
+          <a:fontRef idx="minor">
+            <a:schemeClr val="tx1"/>
+          </a:fontRef>
+        </p:style>
+      </p:cxnSp>
+      <p:cxnSp>
+        <p:nvCxnSpPr>
+          <p:cNvPr id="51" name="Connecteur droit 50">
+            <a:extLst>
+              <a:ext uri="{FF2B5EF4-FFF2-40B4-BE49-F238E27FC236}">
+                <a16:creationId xmlns:a16="http://schemas.microsoft.com/office/drawing/2014/main" id="{C035BFA6-ECBF-4775-BA81-19D2CA41AA8D}"/>
+              </a:ext>
+            </a:extLst>
+          </p:cNvPr>
+          <p:cNvCxnSpPr>
+            <a:cxnSpLocks/>
+          </p:cNvCxnSpPr>
+          <p:nvPr/>
+        </p:nvCxnSpPr>
+        <p:spPr>
+          <a:xfrm>
+            <a:off x="9402704" y="465201"/>
+            <a:ext cx="344203" cy="495163"/>
+          </a:xfrm>
+          <a:prstGeom prst="line">
+            <a:avLst/>
+          </a:prstGeom>
+        </p:spPr>
+        <p:style>
+          <a:lnRef idx="3">
+            <a:schemeClr val="dk1"/>
+          </a:lnRef>
+          <a:fillRef idx="0">
+            <a:schemeClr val="dk1"/>
+          </a:fillRef>
+          <a:effectRef idx="2">
+            <a:schemeClr val="dk1"/>
+          </a:effectRef>
+          <a:fontRef idx="minor">
+            <a:schemeClr val="tx1"/>
+          </a:fontRef>
+        </p:style>
+      </p:cxnSp>
+      <p:cxnSp>
+        <p:nvCxnSpPr>
+          <p:cNvPr id="52" name="Connecteur droit 51">
+            <a:extLst>
+              <a:ext uri="{FF2B5EF4-FFF2-40B4-BE49-F238E27FC236}">
+                <a16:creationId xmlns:a16="http://schemas.microsoft.com/office/drawing/2014/main" id="{FA310BC7-694B-4984-99A2-61A1F4F6EBF9}"/>
+              </a:ext>
+            </a:extLst>
+          </p:cNvPr>
+          <p:cNvCxnSpPr>
+            <a:cxnSpLocks/>
+          </p:cNvCxnSpPr>
+          <p:nvPr/>
+        </p:nvCxnSpPr>
+        <p:spPr>
+          <a:xfrm flipH="1">
+            <a:off x="11370469" y="448308"/>
+            <a:ext cx="364332" cy="501657"/>
+          </a:xfrm>
+          <a:prstGeom prst="line">
+            <a:avLst/>
+          </a:prstGeom>
+        </p:spPr>
+        <p:style>
+          <a:lnRef idx="3">
+            <a:schemeClr val="dk1"/>
+          </a:lnRef>
+          <a:fillRef idx="0">
+            <a:schemeClr val="dk1"/>
+          </a:fillRef>
+          <a:effectRef idx="2">
+            <a:schemeClr val="dk1"/>
+          </a:effectRef>
+          <a:fontRef idx="minor">
+            <a:schemeClr val="tx1"/>
+          </a:fontRef>
+        </p:style>
+      </p:cxnSp>
+      <p:cxnSp>
+        <p:nvCxnSpPr>
+          <p:cNvPr id="53" name="Connecteur droit 52">
+            <a:extLst>
+              <a:ext uri="{FF2B5EF4-FFF2-40B4-BE49-F238E27FC236}">
+                <a16:creationId xmlns:a16="http://schemas.microsoft.com/office/drawing/2014/main" id="{BE0649BD-EE59-4DDA-960F-95B2572F9F13}"/>
+              </a:ext>
+            </a:extLst>
+          </p:cNvPr>
+          <p:cNvCxnSpPr>
+            <a:cxnSpLocks/>
+          </p:cNvCxnSpPr>
+          <p:nvPr/>
+        </p:nvCxnSpPr>
+        <p:spPr>
+          <a:xfrm>
+            <a:off x="9743203" y="949965"/>
+            <a:ext cx="1627266" cy="0"/>
+          </a:xfrm>
+          <a:prstGeom prst="line">
+            <a:avLst/>
+          </a:prstGeom>
+        </p:spPr>
+        <p:style>
+          <a:lnRef idx="3">
+            <a:schemeClr val="dk1"/>
+          </a:lnRef>
+          <a:fillRef idx="0">
+            <a:schemeClr val="dk1"/>
+          </a:fillRef>
+          <a:effectRef idx="2">
+            <a:schemeClr val="dk1"/>
+          </a:effectRef>
+          <a:fontRef idx="minor">
+            <a:schemeClr val="tx1"/>
+          </a:fontRef>
+        </p:style>
+      </p:cxnSp>
+      <p:cxnSp>
+        <p:nvCxnSpPr>
+          <p:cNvPr id="55" name="Connecteur droit 54">
+            <a:extLst>
+              <a:ext uri="{FF2B5EF4-FFF2-40B4-BE49-F238E27FC236}">
+                <a16:creationId xmlns:a16="http://schemas.microsoft.com/office/drawing/2014/main" id="{52AA9200-DAFA-4EEF-AC13-4C7CE82A59EC}"/>
+              </a:ext>
+            </a:extLst>
+          </p:cNvPr>
+          <p:cNvCxnSpPr>
+            <a:cxnSpLocks/>
+          </p:cNvCxnSpPr>
+          <p:nvPr/>
+        </p:nvCxnSpPr>
+        <p:spPr>
+          <a:xfrm>
+            <a:off x="11715750" y="454801"/>
+            <a:ext cx="476249" cy="10400"/>
+          </a:xfrm>
+          <a:prstGeom prst="line">
+            <a:avLst/>
+          </a:prstGeom>
+        </p:spPr>
+        <p:style>
+          <a:lnRef idx="3">
+            <a:schemeClr val="dk1"/>
+          </a:lnRef>
+          <a:fillRef idx="0">
+            <a:schemeClr val="dk1"/>
+          </a:fillRef>
+          <a:effectRef idx="2">
+            <a:schemeClr val="dk1"/>
+          </a:effectRef>
+          <a:fontRef idx="minor">
+            <a:schemeClr val="tx1"/>
+          </a:fontRef>
+        </p:style>
+      </p:cxnSp>
+      <p:cxnSp>
+        <p:nvCxnSpPr>
+          <p:cNvPr id="23" name="Connecteur droit 22">
+            <a:extLst>
+              <a:ext uri="{FF2B5EF4-FFF2-40B4-BE49-F238E27FC236}">
+                <a16:creationId xmlns:a16="http://schemas.microsoft.com/office/drawing/2014/main" id="{BCB092C8-0080-4E56-957E-0046D4C83988}"/>
+              </a:ext>
+            </a:extLst>
+          </p:cNvPr>
+          <p:cNvCxnSpPr>
+            <a:cxnSpLocks/>
+          </p:cNvCxnSpPr>
+          <p:nvPr/>
+        </p:nvCxnSpPr>
+        <p:spPr>
+          <a:xfrm flipH="1">
+            <a:off x="2216372" y="446356"/>
+            <a:ext cx="364332" cy="501657"/>
+          </a:xfrm>
+          <a:prstGeom prst="line">
+            <a:avLst/>
+          </a:prstGeom>
+        </p:spPr>
+        <p:style>
+          <a:lnRef idx="3">
+            <a:schemeClr val="dk1"/>
+          </a:lnRef>
+          <a:fillRef idx="0">
+            <a:schemeClr val="dk1"/>
+          </a:fillRef>
+          <a:effectRef idx="2">
+            <a:schemeClr val="dk1"/>
+          </a:effectRef>
+          <a:fontRef idx="minor">
+            <a:schemeClr val="tx1"/>
+          </a:fontRef>
+        </p:style>
+      </p:cxnSp>
+      <p:pic>
+        <p:nvPicPr>
+          <p:cNvPr id="57" name="Image 56">
+            <a:extLst>
+              <a:ext uri="{FF2B5EF4-FFF2-40B4-BE49-F238E27FC236}">
+                <a16:creationId xmlns:a16="http://schemas.microsoft.com/office/drawing/2014/main" id="{12B16FB2-5844-4B92-AE69-9BAC858C22BB}"/>
+              </a:ext>
+            </a:extLst>
+          </p:cNvPr>
+          <p:cNvPicPr>
+            <a:picLocks noChangeAspect="1"/>
+          </p:cNvPicPr>
+          <p:nvPr/>
+        </p:nvPicPr>
+        <p:blipFill>
+          <a:blip r:embed="rId3">
+            <a:extLst>
+              <a:ext uri="{28A0092B-C50C-407E-A947-70E740481C1C}">
+                <a14:useLocalDpi xmlns:a14="http://schemas.microsoft.com/office/drawing/2010/main" val="0"/>
+              </a:ext>
+            </a:extLst>
+          </a:blip>
+          <a:stretch>
+            <a:fillRect/>
+          </a:stretch>
+        </p:blipFill>
+        <p:spPr>
+          <a:xfrm>
+            <a:off x="9681085" y="238153"/>
+            <a:ext cx="1802101" cy="569807"/>
+          </a:xfrm>
+          <a:prstGeom prst="rect">
+            <a:avLst/>
+          </a:prstGeom>
+        </p:spPr>
+      </p:pic>
+      <p:cxnSp>
+        <p:nvCxnSpPr>
+          <p:cNvPr id="58" name="Connecteur droit 57">
+            <a:extLst>
+              <a:ext uri="{FF2B5EF4-FFF2-40B4-BE49-F238E27FC236}">
+                <a16:creationId xmlns:a16="http://schemas.microsoft.com/office/drawing/2014/main" id="{01599350-F8B0-4FDC-B003-981189A8D654}"/>
+              </a:ext>
+            </a:extLst>
+          </p:cNvPr>
+          <p:cNvCxnSpPr>
+            <a:cxnSpLocks/>
+          </p:cNvCxnSpPr>
+          <p:nvPr/>
+        </p:nvCxnSpPr>
+        <p:spPr>
+          <a:xfrm>
+            <a:off x="2573222" y="454803"/>
+            <a:ext cx="6829482" cy="10398"/>
+          </a:xfrm>
+          <a:prstGeom prst="line">
+            <a:avLst/>
+          </a:prstGeom>
+        </p:spPr>
+        <p:style>
+          <a:lnRef idx="3">
+            <a:schemeClr val="dk1"/>
+          </a:lnRef>
+          <a:fillRef idx="0">
+            <a:schemeClr val="dk1"/>
+          </a:fillRef>
+          <a:effectRef idx="2">
+            <a:schemeClr val="dk1"/>
+          </a:effectRef>
+          <a:fontRef idx="minor">
+            <a:schemeClr val="tx1"/>
+          </a:fontRef>
+        </p:style>
+      </p:cxnSp>
+      <p:cxnSp>
+        <p:nvCxnSpPr>
+          <p:cNvPr id="59" name="Connecteur droit 58">
+            <a:extLst>
+              <a:ext uri="{FF2B5EF4-FFF2-40B4-BE49-F238E27FC236}">
+                <a16:creationId xmlns:a16="http://schemas.microsoft.com/office/drawing/2014/main" id="{BC6E6150-6054-4785-84EC-0C46D82034C2}"/>
+              </a:ext>
+            </a:extLst>
+          </p:cNvPr>
+          <p:cNvCxnSpPr>
+            <a:cxnSpLocks/>
+          </p:cNvCxnSpPr>
+          <p:nvPr/>
+        </p:nvCxnSpPr>
+        <p:spPr>
+          <a:xfrm>
+            <a:off x="738231" y="454803"/>
+            <a:ext cx="344203" cy="484764"/>
+          </a:xfrm>
+          <a:prstGeom prst="line">
+            <a:avLst/>
+          </a:prstGeom>
+        </p:spPr>
+        <p:style>
+          <a:lnRef idx="3">
+            <a:schemeClr val="dk1"/>
+          </a:lnRef>
+          <a:fillRef idx="0">
+            <a:schemeClr val="dk1"/>
+          </a:fillRef>
+          <a:effectRef idx="2">
+            <a:schemeClr val="dk1"/>
+          </a:effectRef>
+          <a:fontRef idx="minor">
+            <a:schemeClr val="tx1"/>
+          </a:fontRef>
+        </p:style>
+      </p:cxnSp>
+      <p:cxnSp>
+        <p:nvCxnSpPr>
+          <p:cNvPr id="60" name="Connecteur droit 59">
+            <a:extLst>
+              <a:ext uri="{FF2B5EF4-FFF2-40B4-BE49-F238E27FC236}">
+                <a16:creationId xmlns:a16="http://schemas.microsoft.com/office/drawing/2014/main" id="{CBC9961A-8EC2-4287-A398-BCA4138D409D}"/>
+              </a:ext>
+            </a:extLst>
+          </p:cNvPr>
+          <p:cNvCxnSpPr>
+            <a:cxnSpLocks/>
+          </p:cNvCxnSpPr>
+          <p:nvPr/>
+        </p:nvCxnSpPr>
+        <p:spPr>
+          <a:xfrm>
+            <a:off x="1082434" y="938268"/>
+            <a:ext cx="1146585" cy="0"/>
+          </a:xfrm>
+          <a:prstGeom prst="line">
+            <a:avLst/>
+          </a:prstGeom>
+        </p:spPr>
+        <p:style>
+          <a:lnRef idx="3">
+            <a:schemeClr val="dk1"/>
+          </a:lnRef>
+          <a:fillRef idx="0">
+            <a:schemeClr val="dk1"/>
+          </a:fillRef>
+          <a:effectRef idx="2">
+            <a:schemeClr val="dk1"/>
+          </a:effectRef>
+          <a:fontRef idx="minor">
+            <a:schemeClr val="tx1"/>
+          </a:fontRef>
+        </p:style>
+      </p:cxnSp>
+      <p:cxnSp>
+        <p:nvCxnSpPr>
+          <p:cNvPr id="61" name="Connecteur droit 60">
+            <a:extLst>
+              <a:ext uri="{FF2B5EF4-FFF2-40B4-BE49-F238E27FC236}">
+                <a16:creationId xmlns:a16="http://schemas.microsoft.com/office/drawing/2014/main" id="{152B7C45-2543-4665-BC07-4DB71CA9F337}"/>
+              </a:ext>
+            </a:extLst>
+          </p:cNvPr>
+          <p:cNvCxnSpPr>
+            <a:cxnSpLocks/>
+          </p:cNvCxnSpPr>
+          <p:nvPr/>
+        </p:nvCxnSpPr>
+        <p:spPr>
+          <a:xfrm>
+            <a:off x="9402704" y="465201"/>
+            <a:ext cx="344203" cy="495163"/>
+          </a:xfrm>
+          <a:prstGeom prst="line">
+            <a:avLst/>
+          </a:prstGeom>
+        </p:spPr>
+        <p:style>
+          <a:lnRef idx="3">
+            <a:schemeClr val="dk1"/>
+          </a:lnRef>
+          <a:fillRef idx="0">
+            <a:schemeClr val="dk1"/>
+          </a:fillRef>
+          <a:effectRef idx="2">
+            <a:schemeClr val="dk1"/>
+          </a:effectRef>
+          <a:fontRef idx="minor">
+            <a:schemeClr val="tx1"/>
+          </a:fontRef>
+        </p:style>
+      </p:cxnSp>
+      <p:cxnSp>
+        <p:nvCxnSpPr>
+          <p:cNvPr id="62" name="Connecteur droit 61">
+            <a:extLst>
+              <a:ext uri="{FF2B5EF4-FFF2-40B4-BE49-F238E27FC236}">
+                <a16:creationId xmlns:a16="http://schemas.microsoft.com/office/drawing/2014/main" id="{00A84DC3-A112-46A3-B71C-04D85339323D}"/>
+              </a:ext>
+            </a:extLst>
+          </p:cNvPr>
+          <p:cNvCxnSpPr>
+            <a:cxnSpLocks/>
+          </p:cNvCxnSpPr>
+          <p:nvPr/>
+        </p:nvCxnSpPr>
+        <p:spPr>
+          <a:xfrm flipH="1">
+            <a:off x="11370469" y="448308"/>
+            <a:ext cx="364332" cy="501657"/>
+          </a:xfrm>
+          <a:prstGeom prst="line">
+            <a:avLst/>
+          </a:prstGeom>
+        </p:spPr>
+        <p:style>
+          <a:lnRef idx="3">
+            <a:schemeClr val="dk1"/>
+          </a:lnRef>
+          <a:fillRef idx="0">
+            <a:schemeClr val="dk1"/>
+          </a:fillRef>
+          <a:effectRef idx="2">
+            <a:schemeClr val="dk1"/>
+          </a:effectRef>
+          <a:fontRef idx="minor">
+            <a:schemeClr val="tx1"/>
+          </a:fontRef>
+        </p:style>
+      </p:cxnSp>
+      <p:cxnSp>
+        <p:nvCxnSpPr>
+          <p:cNvPr id="63" name="Connecteur droit 62">
+            <a:extLst>
+              <a:ext uri="{FF2B5EF4-FFF2-40B4-BE49-F238E27FC236}">
+                <a16:creationId xmlns:a16="http://schemas.microsoft.com/office/drawing/2014/main" id="{C50788C6-8F68-44EC-AB54-94C1D2FE554D}"/>
+              </a:ext>
+            </a:extLst>
+          </p:cNvPr>
+          <p:cNvCxnSpPr>
+            <a:cxnSpLocks/>
+          </p:cNvCxnSpPr>
+          <p:nvPr/>
+        </p:nvCxnSpPr>
+        <p:spPr>
+          <a:xfrm>
+            <a:off x="9743203" y="949965"/>
+            <a:ext cx="1627266" cy="0"/>
+          </a:xfrm>
+          <a:prstGeom prst="line">
+            <a:avLst/>
+          </a:prstGeom>
+        </p:spPr>
+        <p:style>
+          <a:lnRef idx="3">
+            <a:schemeClr val="dk1"/>
+          </a:lnRef>
+          <a:fillRef idx="0">
+            <a:schemeClr val="dk1"/>
+          </a:fillRef>
+          <a:effectRef idx="2">
+            <a:schemeClr val="dk1"/>
+          </a:effectRef>
+          <a:fontRef idx="minor">
+            <a:schemeClr val="tx1"/>
+          </a:fontRef>
+        </p:style>
+      </p:cxnSp>
+      <p:cxnSp>
+        <p:nvCxnSpPr>
+          <p:cNvPr id="64" name="Connecteur droit 63">
+            <a:extLst>
+              <a:ext uri="{FF2B5EF4-FFF2-40B4-BE49-F238E27FC236}">
+                <a16:creationId xmlns:a16="http://schemas.microsoft.com/office/drawing/2014/main" id="{BC4D4E5F-5636-45CB-873C-EC085AB307A3}"/>
+              </a:ext>
+            </a:extLst>
+          </p:cNvPr>
+          <p:cNvCxnSpPr>
+            <a:cxnSpLocks/>
+          </p:cNvCxnSpPr>
+          <p:nvPr/>
+        </p:nvCxnSpPr>
+        <p:spPr>
+          <a:xfrm>
+            <a:off x="11715750" y="454801"/>
+            <a:ext cx="476249" cy="10400"/>
+          </a:xfrm>
+          <a:prstGeom prst="line">
+            <a:avLst/>
+          </a:prstGeom>
+        </p:spPr>
+        <p:style>
+          <a:lnRef idx="3">
+            <a:schemeClr val="dk1"/>
+          </a:lnRef>
+          <a:fillRef idx="0">
+            <a:schemeClr val="dk1"/>
+          </a:fillRef>
+          <a:effectRef idx="2">
+            <a:schemeClr val="dk1"/>
+          </a:effectRef>
+          <a:fontRef idx="minor">
+            <a:schemeClr val="tx1"/>
+          </a:fontRef>
+        </p:style>
+      </p:cxnSp>
+      <p:cxnSp>
+        <p:nvCxnSpPr>
+          <p:cNvPr id="65" name="Connecteur droit 64">
+            <a:extLst>
+              <a:ext uri="{FF2B5EF4-FFF2-40B4-BE49-F238E27FC236}">
+                <a16:creationId xmlns:a16="http://schemas.microsoft.com/office/drawing/2014/main" id="{E6F6B4C5-0E3B-46C9-859D-EE774175D36F}"/>
+              </a:ext>
+            </a:extLst>
+          </p:cNvPr>
+          <p:cNvCxnSpPr>
+            <a:cxnSpLocks/>
+          </p:cNvCxnSpPr>
+          <p:nvPr/>
+        </p:nvCxnSpPr>
+        <p:spPr>
+          <a:xfrm flipH="1">
+            <a:off x="2216372" y="446356"/>
+            <a:ext cx="364332" cy="501657"/>
+          </a:xfrm>
+          <a:prstGeom prst="line">
+            <a:avLst/>
+          </a:prstGeom>
+        </p:spPr>
+        <p:style>
+          <a:lnRef idx="3">
+            <a:schemeClr val="dk1"/>
+          </a:lnRef>
+          <a:fillRef idx="0">
+            <a:schemeClr val="dk1"/>
+          </a:fillRef>
+          <a:effectRef idx="2">
+            <a:schemeClr val="dk1"/>
+          </a:effectRef>
+          <a:fontRef idx="minor">
+            <a:schemeClr val="tx1"/>
+          </a:fontRef>
+        </p:style>
+      </p:cxnSp>
+    </p:spTree>
+    <p:extLst>
+      <p:ext uri="{BB962C8B-B14F-4D97-AF65-F5344CB8AC3E}">
+        <p14:creationId xmlns:p14="http://schemas.microsoft.com/office/powerpoint/2010/main" val="4183481209"/>
+      </p:ext>
+    </p:extLst>
+  </p:cSld>
+  <p:clrMapOvr>
+    <a:masterClrMapping/>
+  </p:clrMapOvr>
+  <mc:AlternateContent xmlns:mc="http://schemas.openxmlformats.org/markup-compatibility/2006" xmlns:p14="http://schemas.microsoft.com/office/powerpoint/2010/main">
+    <mc:Choice Requires="p14">
+      <p:transition spd="slow">
+        <p14:reveal/>
+      </p:transition>
+    </mc:Choice>
+    <mc:Fallback xmlns="">
+      <p:transition spd="slow">
+        <p:fade/>
+      </p:transition>
+    </mc:Fallback>
+  </mc:AlternateContent>
+</p:sld>
+</file>
+
+<file path=ppt/slides/slide11.xml><?xml version="1.0" encoding="utf-8"?>
+<p:sld xmlns:a="http://schemas.openxmlformats.org/drawingml/2006/main" xmlns:r="http://schemas.openxmlformats.org/officeDocument/2006/relationships" xmlns:p="http://schemas.openxmlformats.org/presentationml/2006/main">
+  <p:cSld>
+    <p:spTree>
+      <p:nvGrpSpPr>
+        <p:cNvPr id="1" name=""/>
+        <p:cNvGrpSpPr/>
+        <p:nvPr/>
+      </p:nvGrpSpPr>
+      <p:grpSpPr>
+        <a:xfrm>
+          <a:off x="0" y="0"/>
+          <a:ext cx="0" cy="0"/>
+          <a:chOff x="0" y="0"/>
+          <a:chExt cx="0" cy="0"/>
+        </a:xfrm>
+      </p:grpSpPr>
+      <p:pic>
+        <p:nvPicPr>
+          <p:cNvPr id="8" name="Image 7">
+            <a:extLst>
+              <a:ext uri="{FF2B5EF4-FFF2-40B4-BE49-F238E27FC236}">
+                <a16:creationId xmlns:a16="http://schemas.microsoft.com/office/drawing/2014/main" id="{2BB825C5-31DA-4A56-85EA-536DBF510A31}"/>
+              </a:ext>
+            </a:extLst>
+          </p:cNvPr>
+          <p:cNvPicPr>
+            <a:picLocks noChangeAspect="1"/>
+          </p:cNvPicPr>
+          <p:nvPr/>
+        </p:nvPicPr>
+        <p:blipFill>
+          <a:blip r:embed="rId2">
+            <a:extLst>
+              <a:ext uri="{28A0092B-C50C-407E-A947-70E740481C1C}">
+                <a14:useLocalDpi xmlns:a14="http://schemas.microsoft.com/office/drawing/2010/main" val="0"/>
+              </a:ext>
+            </a:extLst>
+          </a:blip>
+          <a:stretch>
+            <a:fillRect/>
+          </a:stretch>
+        </p:blipFill>
+        <p:spPr>
+          <a:xfrm>
+            <a:off x="1068751" y="66457"/>
+            <a:ext cx="1259497" cy="776690"/>
+          </a:xfrm>
+          <a:prstGeom prst="rect">
+            <a:avLst/>
+          </a:prstGeom>
+        </p:spPr>
+      </p:pic>
+      <p:pic>
+        <p:nvPicPr>
+          <p:cNvPr id="10" name="Image 9">
+            <a:extLst>
+              <a:ext uri="{FF2B5EF4-FFF2-40B4-BE49-F238E27FC236}">
+                <a16:creationId xmlns:a16="http://schemas.microsoft.com/office/drawing/2014/main" id="{8EE7436F-49F2-41E0-93E4-D247B4705294}"/>
+              </a:ext>
+            </a:extLst>
+          </p:cNvPr>
+          <p:cNvPicPr>
+            <a:picLocks noChangeAspect="1"/>
+          </p:cNvPicPr>
+          <p:nvPr/>
+        </p:nvPicPr>
+        <p:blipFill>
+          <a:blip r:embed="rId3">
+            <a:extLst>
+              <a:ext uri="{28A0092B-C50C-407E-A947-70E740481C1C}">
+                <a14:useLocalDpi xmlns:a14="http://schemas.microsoft.com/office/drawing/2010/main" val="0"/>
+              </a:ext>
+            </a:extLst>
+          </a:blip>
+          <a:stretch>
+            <a:fillRect/>
+          </a:stretch>
+        </p:blipFill>
+        <p:spPr>
+          <a:xfrm>
+            <a:off x="9681085" y="238153"/>
+            <a:ext cx="1802101" cy="569807"/>
+          </a:xfrm>
+          <a:prstGeom prst="rect">
+            <a:avLst/>
+          </a:prstGeom>
+        </p:spPr>
+      </p:pic>
+      <p:cxnSp>
+        <p:nvCxnSpPr>
+          <p:cNvPr id="16" name="Connecteur droit 15">
+            <a:extLst>
+              <a:ext uri="{FF2B5EF4-FFF2-40B4-BE49-F238E27FC236}">
+                <a16:creationId xmlns:a16="http://schemas.microsoft.com/office/drawing/2014/main" id="{7319284A-BD6F-4A96-8E2B-E0A4B52E53C6}"/>
+              </a:ext>
+            </a:extLst>
+          </p:cNvPr>
+          <p:cNvCxnSpPr>
+            <a:cxnSpLocks/>
+          </p:cNvCxnSpPr>
+          <p:nvPr/>
+        </p:nvCxnSpPr>
+        <p:spPr>
+          <a:xfrm flipV="1">
+            <a:off x="0" y="454803"/>
+            <a:ext cx="738231" cy="1798"/>
+          </a:xfrm>
+          <a:prstGeom prst="line">
+            <a:avLst/>
+          </a:prstGeom>
+        </p:spPr>
+        <p:style>
+          <a:lnRef idx="3">
+            <a:schemeClr val="dk1"/>
+          </a:lnRef>
+          <a:fillRef idx="0">
+            <a:schemeClr val="dk1"/>
+          </a:fillRef>
+          <a:effectRef idx="2">
+            <a:schemeClr val="dk1"/>
+          </a:effectRef>
+          <a:fontRef idx="minor">
+            <a:schemeClr val="tx1"/>
+          </a:fontRef>
+        </p:style>
+      </p:cxnSp>
+      <p:cxnSp>
+        <p:nvCxnSpPr>
+          <p:cNvPr id="20" name="Connecteur droit 19">
+            <a:extLst>
+              <a:ext uri="{FF2B5EF4-FFF2-40B4-BE49-F238E27FC236}">
+                <a16:creationId xmlns:a16="http://schemas.microsoft.com/office/drawing/2014/main" id="{08874CF7-F149-4C81-B61E-74E18342BA8A}"/>
+              </a:ext>
+            </a:extLst>
+          </p:cNvPr>
+          <p:cNvCxnSpPr>
+            <a:cxnSpLocks/>
+          </p:cNvCxnSpPr>
+          <p:nvPr/>
+        </p:nvCxnSpPr>
+        <p:spPr>
+          <a:xfrm>
+            <a:off x="2573222" y="454803"/>
+            <a:ext cx="6829482" cy="10398"/>
+          </a:xfrm>
+          <a:prstGeom prst="line">
+            <a:avLst/>
+          </a:prstGeom>
+        </p:spPr>
+        <p:style>
+          <a:lnRef idx="3">
+            <a:schemeClr val="dk1"/>
+          </a:lnRef>
+          <a:fillRef idx="0">
+            <a:schemeClr val="dk1"/>
+          </a:fillRef>
+          <a:effectRef idx="2">
+            <a:schemeClr val="dk1"/>
+          </a:effectRef>
+          <a:fontRef idx="minor">
+            <a:schemeClr val="tx1"/>
+          </a:fontRef>
+        </p:style>
+      </p:cxnSp>
+      <p:cxnSp>
+        <p:nvCxnSpPr>
+          <p:cNvPr id="26" name="Connecteur droit 25">
+            <a:extLst>
+              <a:ext uri="{FF2B5EF4-FFF2-40B4-BE49-F238E27FC236}">
+                <a16:creationId xmlns:a16="http://schemas.microsoft.com/office/drawing/2014/main" id="{BB3B35CC-057B-48C1-880F-3306A6559175}"/>
+              </a:ext>
+            </a:extLst>
+          </p:cNvPr>
+          <p:cNvCxnSpPr>
+            <a:cxnSpLocks/>
+          </p:cNvCxnSpPr>
+          <p:nvPr/>
+        </p:nvCxnSpPr>
+        <p:spPr>
+          <a:xfrm>
+            <a:off x="738231" y="454803"/>
+            <a:ext cx="344203" cy="484764"/>
+          </a:xfrm>
+          <a:prstGeom prst="line">
+            <a:avLst/>
+          </a:prstGeom>
+        </p:spPr>
+        <p:style>
+          <a:lnRef idx="3">
+            <a:schemeClr val="dk1"/>
+          </a:lnRef>
+          <a:fillRef idx="0">
+            <a:schemeClr val="dk1"/>
+          </a:fillRef>
+          <a:effectRef idx="2">
+            <a:schemeClr val="dk1"/>
+          </a:effectRef>
+          <a:fontRef idx="minor">
+            <a:schemeClr val="tx1"/>
+          </a:fontRef>
+        </p:style>
+      </p:cxnSp>
+      <p:cxnSp>
+        <p:nvCxnSpPr>
+          <p:cNvPr id="32" name="Connecteur droit 31">
+            <a:extLst>
+              <a:ext uri="{FF2B5EF4-FFF2-40B4-BE49-F238E27FC236}">
+                <a16:creationId xmlns:a16="http://schemas.microsoft.com/office/drawing/2014/main" id="{4AD96496-1EB6-4E48-9BB2-5C255495C686}"/>
+              </a:ext>
+            </a:extLst>
+          </p:cNvPr>
+          <p:cNvCxnSpPr>
+            <a:cxnSpLocks/>
+          </p:cNvCxnSpPr>
+          <p:nvPr/>
+        </p:nvCxnSpPr>
+        <p:spPr>
+          <a:xfrm>
+            <a:off x="1082434" y="938268"/>
+            <a:ext cx="1146585" cy="0"/>
+          </a:xfrm>
+          <a:prstGeom prst="line">
+            <a:avLst/>
+          </a:prstGeom>
+        </p:spPr>
+        <p:style>
+          <a:lnRef idx="3">
+            <a:schemeClr val="dk1"/>
+          </a:lnRef>
+          <a:fillRef idx="0">
+            <a:schemeClr val="dk1"/>
+          </a:fillRef>
+          <a:effectRef idx="2">
+            <a:schemeClr val="dk1"/>
+          </a:effectRef>
+          <a:fontRef idx="minor">
+            <a:schemeClr val="tx1"/>
+          </a:fontRef>
+        </p:style>
+      </p:cxnSp>
+      <p:cxnSp>
+        <p:nvCxnSpPr>
+          <p:cNvPr id="51" name="Connecteur droit 50">
+            <a:extLst>
+              <a:ext uri="{FF2B5EF4-FFF2-40B4-BE49-F238E27FC236}">
+                <a16:creationId xmlns:a16="http://schemas.microsoft.com/office/drawing/2014/main" id="{C035BFA6-ECBF-4775-BA81-19D2CA41AA8D}"/>
+              </a:ext>
+            </a:extLst>
+          </p:cNvPr>
+          <p:cNvCxnSpPr>
+            <a:cxnSpLocks/>
+          </p:cNvCxnSpPr>
+          <p:nvPr/>
+        </p:nvCxnSpPr>
+        <p:spPr>
+          <a:xfrm>
+            <a:off x="9402704" y="465201"/>
+            <a:ext cx="344203" cy="495163"/>
+          </a:xfrm>
+          <a:prstGeom prst="line">
+            <a:avLst/>
+          </a:prstGeom>
+        </p:spPr>
+        <p:style>
+          <a:lnRef idx="3">
+            <a:schemeClr val="dk1"/>
+          </a:lnRef>
+          <a:fillRef idx="0">
+            <a:schemeClr val="dk1"/>
+          </a:fillRef>
+          <a:effectRef idx="2">
+            <a:schemeClr val="dk1"/>
+          </a:effectRef>
+          <a:fontRef idx="minor">
+            <a:schemeClr val="tx1"/>
+          </a:fontRef>
+        </p:style>
+      </p:cxnSp>
+      <p:cxnSp>
+        <p:nvCxnSpPr>
+          <p:cNvPr id="52" name="Connecteur droit 51">
+            <a:extLst>
+              <a:ext uri="{FF2B5EF4-FFF2-40B4-BE49-F238E27FC236}">
+                <a16:creationId xmlns:a16="http://schemas.microsoft.com/office/drawing/2014/main" id="{FA310BC7-694B-4984-99A2-61A1F4F6EBF9}"/>
+              </a:ext>
+            </a:extLst>
+          </p:cNvPr>
+          <p:cNvCxnSpPr>
+            <a:cxnSpLocks/>
+          </p:cNvCxnSpPr>
+          <p:nvPr/>
+        </p:nvCxnSpPr>
+        <p:spPr>
+          <a:xfrm flipH="1">
+            <a:off x="11370469" y="448308"/>
+            <a:ext cx="364332" cy="501657"/>
+          </a:xfrm>
+          <a:prstGeom prst="line">
+            <a:avLst/>
+          </a:prstGeom>
+        </p:spPr>
+        <p:style>
+          <a:lnRef idx="3">
+            <a:schemeClr val="dk1"/>
+          </a:lnRef>
+          <a:fillRef idx="0">
+            <a:schemeClr val="dk1"/>
+          </a:fillRef>
+          <a:effectRef idx="2">
+            <a:schemeClr val="dk1"/>
+          </a:effectRef>
+          <a:fontRef idx="minor">
+            <a:schemeClr val="tx1"/>
+          </a:fontRef>
+        </p:style>
+      </p:cxnSp>
+      <p:cxnSp>
+        <p:nvCxnSpPr>
+          <p:cNvPr id="53" name="Connecteur droit 52">
+            <a:extLst>
+              <a:ext uri="{FF2B5EF4-FFF2-40B4-BE49-F238E27FC236}">
+                <a16:creationId xmlns:a16="http://schemas.microsoft.com/office/drawing/2014/main" id="{BE0649BD-EE59-4DDA-960F-95B2572F9F13}"/>
+              </a:ext>
+            </a:extLst>
+          </p:cNvPr>
+          <p:cNvCxnSpPr>
+            <a:cxnSpLocks/>
+          </p:cNvCxnSpPr>
+          <p:nvPr/>
+        </p:nvCxnSpPr>
+        <p:spPr>
+          <a:xfrm>
+            <a:off x="9743203" y="949965"/>
+            <a:ext cx="1627266" cy="0"/>
+          </a:xfrm>
+          <a:prstGeom prst="line">
+            <a:avLst/>
+          </a:prstGeom>
+        </p:spPr>
+        <p:style>
+          <a:lnRef idx="3">
+            <a:schemeClr val="dk1"/>
+          </a:lnRef>
+          <a:fillRef idx="0">
+            <a:schemeClr val="dk1"/>
+          </a:fillRef>
+          <a:effectRef idx="2">
+            <a:schemeClr val="dk1"/>
+          </a:effectRef>
+          <a:fontRef idx="minor">
+            <a:schemeClr val="tx1"/>
+          </a:fontRef>
+        </p:style>
+      </p:cxnSp>
+      <p:cxnSp>
+        <p:nvCxnSpPr>
+          <p:cNvPr id="55" name="Connecteur droit 54">
+            <a:extLst>
+              <a:ext uri="{FF2B5EF4-FFF2-40B4-BE49-F238E27FC236}">
+                <a16:creationId xmlns:a16="http://schemas.microsoft.com/office/drawing/2014/main" id="{52AA9200-DAFA-4EEF-AC13-4C7CE82A59EC}"/>
+              </a:ext>
+            </a:extLst>
+          </p:cNvPr>
+          <p:cNvCxnSpPr>
+            <a:cxnSpLocks/>
+          </p:cNvCxnSpPr>
+          <p:nvPr/>
+        </p:nvCxnSpPr>
+        <p:spPr>
+          <a:xfrm>
+            <a:off x="11715750" y="454801"/>
+            <a:ext cx="476249" cy="10400"/>
+          </a:xfrm>
+          <a:prstGeom prst="line">
+            <a:avLst/>
+          </a:prstGeom>
+        </p:spPr>
+        <p:style>
+          <a:lnRef idx="3">
+            <a:schemeClr val="dk1"/>
+          </a:lnRef>
+          <a:fillRef idx="0">
+            <a:schemeClr val="dk1"/>
+          </a:fillRef>
+          <a:effectRef idx="2">
+            <a:schemeClr val="dk1"/>
+          </a:effectRef>
+          <a:fontRef idx="minor">
+            <a:schemeClr val="tx1"/>
+          </a:fontRef>
+        </p:style>
+      </p:cxnSp>
+      <p:cxnSp>
+        <p:nvCxnSpPr>
+          <p:cNvPr id="23" name="Connecteur droit 22">
+            <a:extLst>
+              <a:ext uri="{FF2B5EF4-FFF2-40B4-BE49-F238E27FC236}">
+                <a16:creationId xmlns:a16="http://schemas.microsoft.com/office/drawing/2014/main" id="{BCB092C8-0080-4E56-957E-0046D4C83988}"/>
+              </a:ext>
+            </a:extLst>
+          </p:cNvPr>
+          <p:cNvCxnSpPr>
+            <a:cxnSpLocks/>
+          </p:cNvCxnSpPr>
+          <p:nvPr/>
+        </p:nvCxnSpPr>
+        <p:spPr>
+          <a:xfrm flipH="1">
+            <a:off x="2216372" y="446356"/>
+            <a:ext cx="364332" cy="501657"/>
+          </a:xfrm>
+          <a:prstGeom prst="line">
+            <a:avLst/>
+          </a:prstGeom>
+        </p:spPr>
+        <p:style>
+          <a:lnRef idx="3">
+            <a:schemeClr val="dk1"/>
+          </a:lnRef>
+          <a:fillRef idx="0">
+            <a:schemeClr val="dk1"/>
+          </a:fillRef>
+          <a:effectRef idx="2">
+            <a:schemeClr val="dk1"/>
+          </a:effectRef>
+          <a:fontRef idx="minor">
+            <a:schemeClr val="tx1"/>
+          </a:fontRef>
+        </p:style>
+      </p:cxnSp>
+      <p:pic>
+        <p:nvPicPr>
+          <p:cNvPr id="57" name="Image 56">
+            <a:extLst>
+              <a:ext uri="{FF2B5EF4-FFF2-40B4-BE49-F238E27FC236}">
+                <a16:creationId xmlns:a16="http://schemas.microsoft.com/office/drawing/2014/main" id="{12B16FB2-5844-4B92-AE69-9BAC858C22BB}"/>
+              </a:ext>
+            </a:extLst>
+          </p:cNvPr>
+          <p:cNvPicPr>
+            <a:picLocks noChangeAspect="1"/>
+          </p:cNvPicPr>
+          <p:nvPr/>
+        </p:nvPicPr>
+        <p:blipFill>
+          <a:blip r:embed="rId3">
+            <a:extLst>
+              <a:ext uri="{28A0092B-C50C-407E-A947-70E740481C1C}">
+                <a14:useLocalDpi xmlns:a14="http://schemas.microsoft.com/office/drawing/2010/main" val="0"/>
+              </a:ext>
+            </a:extLst>
+          </a:blip>
+          <a:stretch>
+            <a:fillRect/>
+          </a:stretch>
+        </p:blipFill>
+        <p:spPr>
+          <a:xfrm>
+            <a:off x="9681085" y="238153"/>
+            <a:ext cx="1802101" cy="569807"/>
+          </a:xfrm>
+          <a:prstGeom prst="rect">
+            <a:avLst/>
+          </a:prstGeom>
+        </p:spPr>
+      </p:pic>
+      <p:cxnSp>
+        <p:nvCxnSpPr>
+          <p:cNvPr id="58" name="Connecteur droit 57">
+            <a:extLst>
+              <a:ext uri="{FF2B5EF4-FFF2-40B4-BE49-F238E27FC236}">
+                <a16:creationId xmlns:a16="http://schemas.microsoft.com/office/drawing/2014/main" id="{01599350-F8B0-4FDC-B003-981189A8D654}"/>
+              </a:ext>
+            </a:extLst>
+          </p:cNvPr>
+          <p:cNvCxnSpPr>
+            <a:cxnSpLocks/>
+          </p:cNvCxnSpPr>
+          <p:nvPr/>
+        </p:nvCxnSpPr>
+        <p:spPr>
+          <a:xfrm>
+            <a:off x="2573222" y="454803"/>
+            <a:ext cx="6829482" cy="10398"/>
+          </a:xfrm>
+          <a:prstGeom prst="line">
+            <a:avLst/>
+          </a:prstGeom>
+        </p:spPr>
+        <p:style>
+          <a:lnRef idx="3">
+            <a:schemeClr val="dk1"/>
+          </a:lnRef>
+          <a:fillRef idx="0">
+            <a:schemeClr val="dk1"/>
+          </a:fillRef>
+          <a:effectRef idx="2">
+            <a:schemeClr val="dk1"/>
+          </a:effectRef>
+          <a:fontRef idx="minor">
+            <a:schemeClr val="tx1"/>
+          </a:fontRef>
+        </p:style>
+      </p:cxnSp>
+      <p:cxnSp>
+        <p:nvCxnSpPr>
+          <p:cNvPr id="59" name="Connecteur droit 58">
+            <a:extLst>
+              <a:ext uri="{FF2B5EF4-FFF2-40B4-BE49-F238E27FC236}">
+                <a16:creationId xmlns:a16="http://schemas.microsoft.com/office/drawing/2014/main" id="{BC6E6150-6054-4785-84EC-0C46D82034C2}"/>
+              </a:ext>
+            </a:extLst>
+          </p:cNvPr>
+          <p:cNvCxnSpPr>
+            <a:cxnSpLocks/>
+          </p:cNvCxnSpPr>
+          <p:nvPr/>
+        </p:nvCxnSpPr>
+        <p:spPr>
+          <a:xfrm>
+            <a:off x="738231" y="454803"/>
+            <a:ext cx="344203" cy="484764"/>
+          </a:xfrm>
+          <a:prstGeom prst="line">
+            <a:avLst/>
+          </a:prstGeom>
+        </p:spPr>
+        <p:style>
+          <a:lnRef idx="3">
+            <a:schemeClr val="dk1"/>
+          </a:lnRef>
+          <a:fillRef idx="0">
+            <a:schemeClr val="dk1"/>
+          </a:fillRef>
+          <a:effectRef idx="2">
+            <a:schemeClr val="dk1"/>
+          </a:effectRef>
+          <a:fontRef idx="minor">
+            <a:schemeClr val="tx1"/>
+          </a:fontRef>
+        </p:style>
+      </p:cxnSp>
+      <p:cxnSp>
+        <p:nvCxnSpPr>
+          <p:cNvPr id="60" name="Connecteur droit 59">
+            <a:extLst>
+              <a:ext uri="{FF2B5EF4-FFF2-40B4-BE49-F238E27FC236}">
+                <a16:creationId xmlns:a16="http://schemas.microsoft.com/office/drawing/2014/main" id="{CBC9961A-8EC2-4287-A398-BCA4138D409D}"/>
+              </a:ext>
+            </a:extLst>
+          </p:cNvPr>
+          <p:cNvCxnSpPr>
+            <a:cxnSpLocks/>
+          </p:cNvCxnSpPr>
+          <p:nvPr/>
+        </p:nvCxnSpPr>
+        <p:spPr>
+          <a:xfrm>
+            <a:off x="1082434" y="938268"/>
+            <a:ext cx="1146585" cy="0"/>
+          </a:xfrm>
+          <a:prstGeom prst="line">
+            <a:avLst/>
+          </a:prstGeom>
+        </p:spPr>
+        <p:style>
+          <a:lnRef idx="3">
+            <a:schemeClr val="dk1"/>
+          </a:lnRef>
+          <a:fillRef idx="0">
+            <a:schemeClr val="dk1"/>
+          </a:fillRef>
+          <a:effectRef idx="2">
+            <a:schemeClr val="dk1"/>
+          </a:effectRef>
+          <a:fontRef idx="minor">
+            <a:schemeClr val="tx1"/>
+          </a:fontRef>
+        </p:style>
+      </p:cxnSp>
+      <p:cxnSp>
+        <p:nvCxnSpPr>
+          <p:cNvPr id="61" name="Connecteur droit 60">
+            <a:extLst>
+              <a:ext uri="{FF2B5EF4-FFF2-40B4-BE49-F238E27FC236}">
+                <a16:creationId xmlns:a16="http://schemas.microsoft.com/office/drawing/2014/main" id="{152B7C45-2543-4665-BC07-4DB71CA9F337}"/>
+              </a:ext>
+            </a:extLst>
+          </p:cNvPr>
+          <p:cNvCxnSpPr>
+            <a:cxnSpLocks/>
+          </p:cNvCxnSpPr>
+          <p:nvPr/>
+        </p:nvCxnSpPr>
+        <p:spPr>
+          <a:xfrm>
+            <a:off x="9402704" y="465201"/>
+            <a:ext cx="344203" cy="495163"/>
+          </a:xfrm>
+          <a:prstGeom prst="line">
+            <a:avLst/>
+          </a:prstGeom>
+        </p:spPr>
+        <p:style>
+          <a:lnRef idx="3">
+            <a:schemeClr val="dk1"/>
+          </a:lnRef>
+          <a:fillRef idx="0">
+            <a:schemeClr val="dk1"/>
+          </a:fillRef>
+          <a:effectRef idx="2">
+            <a:schemeClr val="dk1"/>
+          </a:effectRef>
+          <a:fontRef idx="minor">
+            <a:schemeClr val="tx1"/>
+          </a:fontRef>
+        </p:style>
+      </p:cxnSp>
+      <p:cxnSp>
+        <p:nvCxnSpPr>
+          <p:cNvPr id="62" name="Connecteur droit 61">
+            <a:extLst>
+              <a:ext uri="{FF2B5EF4-FFF2-40B4-BE49-F238E27FC236}">
+                <a16:creationId xmlns:a16="http://schemas.microsoft.com/office/drawing/2014/main" id="{00A84DC3-A112-46A3-B71C-04D85339323D}"/>
+              </a:ext>
+            </a:extLst>
+          </p:cNvPr>
+          <p:cNvCxnSpPr>
+            <a:cxnSpLocks/>
+          </p:cNvCxnSpPr>
+          <p:nvPr/>
+        </p:nvCxnSpPr>
+        <p:spPr>
+          <a:xfrm flipH="1">
+            <a:off x="11370469" y="448308"/>
+            <a:ext cx="364332" cy="501657"/>
+          </a:xfrm>
+          <a:prstGeom prst="line">
+            <a:avLst/>
+          </a:prstGeom>
+        </p:spPr>
+        <p:style>
+          <a:lnRef idx="3">
+            <a:schemeClr val="dk1"/>
+          </a:lnRef>
+          <a:fillRef idx="0">
+            <a:schemeClr val="dk1"/>
+          </a:fillRef>
+          <a:effectRef idx="2">
+            <a:schemeClr val="dk1"/>
+          </a:effectRef>
+          <a:fontRef idx="minor">
+            <a:schemeClr val="tx1"/>
+          </a:fontRef>
+        </p:style>
+      </p:cxnSp>
+      <p:cxnSp>
+        <p:nvCxnSpPr>
+          <p:cNvPr id="63" name="Connecteur droit 62">
+            <a:extLst>
+              <a:ext uri="{FF2B5EF4-FFF2-40B4-BE49-F238E27FC236}">
+                <a16:creationId xmlns:a16="http://schemas.microsoft.com/office/drawing/2014/main" id="{C50788C6-8F68-44EC-AB54-94C1D2FE554D}"/>
+              </a:ext>
+            </a:extLst>
+          </p:cNvPr>
+          <p:cNvCxnSpPr>
+            <a:cxnSpLocks/>
+          </p:cNvCxnSpPr>
+          <p:nvPr/>
+        </p:nvCxnSpPr>
+        <p:spPr>
+          <a:xfrm>
+            <a:off x="9743203" y="949965"/>
+            <a:ext cx="1627266" cy="0"/>
+          </a:xfrm>
+          <a:prstGeom prst="line">
+            <a:avLst/>
+          </a:prstGeom>
+        </p:spPr>
+        <p:style>
+          <a:lnRef idx="3">
+            <a:schemeClr val="dk1"/>
+          </a:lnRef>
+          <a:fillRef idx="0">
+            <a:schemeClr val="dk1"/>
+          </a:fillRef>
+          <a:effectRef idx="2">
+            <a:schemeClr val="dk1"/>
+          </a:effectRef>
+          <a:fontRef idx="minor">
+            <a:schemeClr val="tx1"/>
+          </a:fontRef>
+        </p:style>
+      </p:cxnSp>
+      <p:cxnSp>
+        <p:nvCxnSpPr>
+          <p:cNvPr id="64" name="Connecteur droit 63">
+            <a:extLst>
+              <a:ext uri="{FF2B5EF4-FFF2-40B4-BE49-F238E27FC236}">
+                <a16:creationId xmlns:a16="http://schemas.microsoft.com/office/drawing/2014/main" id="{BC4D4E5F-5636-45CB-873C-EC085AB307A3}"/>
+              </a:ext>
+            </a:extLst>
+          </p:cNvPr>
+          <p:cNvCxnSpPr>
+            <a:cxnSpLocks/>
+          </p:cNvCxnSpPr>
+          <p:nvPr/>
+        </p:nvCxnSpPr>
+        <p:spPr>
+          <a:xfrm>
+            <a:off x="11715750" y="454801"/>
+            <a:ext cx="476249" cy="10400"/>
+          </a:xfrm>
+          <a:prstGeom prst="line">
+            <a:avLst/>
+          </a:prstGeom>
+        </p:spPr>
+        <p:style>
+          <a:lnRef idx="3">
+            <a:schemeClr val="dk1"/>
+          </a:lnRef>
+          <a:fillRef idx="0">
+            <a:schemeClr val="dk1"/>
+          </a:fillRef>
+          <a:effectRef idx="2">
+            <a:schemeClr val="dk1"/>
+          </a:effectRef>
+          <a:fontRef idx="minor">
+            <a:schemeClr val="tx1"/>
+          </a:fontRef>
+        </p:style>
+      </p:cxnSp>
+      <p:cxnSp>
+        <p:nvCxnSpPr>
+          <p:cNvPr id="65" name="Connecteur droit 64">
+            <a:extLst>
+              <a:ext uri="{FF2B5EF4-FFF2-40B4-BE49-F238E27FC236}">
+                <a16:creationId xmlns:a16="http://schemas.microsoft.com/office/drawing/2014/main" id="{E6F6B4C5-0E3B-46C9-859D-EE774175D36F}"/>
+              </a:ext>
+            </a:extLst>
+          </p:cNvPr>
+          <p:cNvCxnSpPr>
+            <a:cxnSpLocks/>
+          </p:cNvCxnSpPr>
+          <p:nvPr/>
+        </p:nvCxnSpPr>
+        <p:spPr>
+          <a:xfrm flipH="1">
+            <a:off x="2216372" y="446356"/>
+            <a:ext cx="364332" cy="501657"/>
+          </a:xfrm>
+          <a:prstGeom prst="line">
+            <a:avLst/>
+          </a:prstGeom>
+        </p:spPr>
+        <p:style>
+          <a:lnRef idx="3">
+            <a:schemeClr val="dk1"/>
+          </a:lnRef>
+          <a:fillRef idx="0">
+            <a:schemeClr val="dk1"/>
+          </a:fillRef>
+          <a:effectRef idx="2">
+            <a:schemeClr val="dk1"/>
+          </a:effectRef>
+          <a:fontRef idx="minor">
+            <a:schemeClr val="tx1"/>
+          </a:fontRef>
+        </p:style>
+      </p:cxnSp>
+    </p:spTree>
+    <p:extLst>
+      <p:ext uri="{BB962C8B-B14F-4D97-AF65-F5344CB8AC3E}">
+        <p14:creationId xmlns:p14="http://schemas.microsoft.com/office/powerpoint/2010/main" val="3444587573"/>
+      </p:ext>
+    </p:extLst>
+  </p:cSld>
+  <p:clrMapOvr>
+    <a:masterClrMapping/>
+  </p:clrMapOvr>
+  <mc:AlternateContent xmlns:mc="http://schemas.openxmlformats.org/markup-compatibility/2006" xmlns:p14="http://schemas.microsoft.com/office/powerpoint/2010/main">
+    <mc:Choice Requires="p14">
+      <p:transition spd="slow">
+        <p14:reveal/>
+      </p:transition>
+    </mc:Choice>
+    <mc:Fallback xmlns="">
+      <p:transition spd="slow">
+        <p:fade/>
+      </p:transition>
+    </mc:Fallback>
+  </mc:AlternateContent>
+</p:sld>
+</file>
+
+<file path=ppt/slides/slide12.xml><?xml version="1.0" encoding="utf-8"?>
+<p:sld xmlns:a="http://schemas.openxmlformats.org/drawingml/2006/main" xmlns:r="http://schemas.openxmlformats.org/officeDocument/2006/relationships" xmlns:p="http://schemas.openxmlformats.org/presentationml/2006/main">
+  <p:cSld>
+    <p:spTree>
+      <p:nvGrpSpPr>
+        <p:cNvPr id="1" name=""/>
+        <p:cNvGrpSpPr/>
+        <p:nvPr/>
+      </p:nvGrpSpPr>
+      <p:grpSpPr>
+        <a:xfrm>
+          <a:off x="0" y="0"/>
+          <a:ext cx="0" cy="0"/>
+          <a:chOff x="0" y="0"/>
+          <a:chExt cx="0" cy="0"/>
+        </a:xfrm>
+      </p:grpSpPr>
+      <p:pic>
+        <p:nvPicPr>
+          <p:cNvPr id="8" name="Image 7">
+            <a:extLst>
+              <a:ext uri="{FF2B5EF4-FFF2-40B4-BE49-F238E27FC236}">
+                <a16:creationId xmlns:a16="http://schemas.microsoft.com/office/drawing/2014/main" id="{2BB825C5-31DA-4A56-85EA-536DBF510A31}"/>
+              </a:ext>
+            </a:extLst>
+          </p:cNvPr>
+          <p:cNvPicPr>
+            <a:picLocks noChangeAspect="1"/>
+          </p:cNvPicPr>
+          <p:nvPr/>
+        </p:nvPicPr>
+        <p:blipFill>
+          <a:blip r:embed="rId2">
+            <a:extLst>
+              <a:ext uri="{28A0092B-C50C-407E-A947-70E740481C1C}">
+                <a14:useLocalDpi xmlns:a14="http://schemas.microsoft.com/office/drawing/2010/main" val="0"/>
+              </a:ext>
+            </a:extLst>
+          </a:blip>
+          <a:stretch>
+            <a:fillRect/>
+          </a:stretch>
+        </p:blipFill>
+        <p:spPr>
+          <a:xfrm>
+            <a:off x="1068751" y="66457"/>
+            <a:ext cx="1259497" cy="776690"/>
+          </a:xfrm>
+          <a:prstGeom prst="rect">
+            <a:avLst/>
+          </a:prstGeom>
+        </p:spPr>
+      </p:pic>
+      <p:pic>
+        <p:nvPicPr>
+          <p:cNvPr id="10" name="Image 9">
+            <a:extLst>
+              <a:ext uri="{FF2B5EF4-FFF2-40B4-BE49-F238E27FC236}">
+                <a16:creationId xmlns:a16="http://schemas.microsoft.com/office/drawing/2014/main" id="{8EE7436F-49F2-41E0-93E4-D247B4705294}"/>
+              </a:ext>
+            </a:extLst>
+          </p:cNvPr>
+          <p:cNvPicPr>
+            <a:picLocks noChangeAspect="1"/>
+          </p:cNvPicPr>
+          <p:nvPr/>
+        </p:nvPicPr>
+        <p:blipFill>
+          <a:blip r:embed="rId3">
+            <a:extLst>
+              <a:ext uri="{28A0092B-C50C-407E-A947-70E740481C1C}">
+                <a14:useLocalDpi xmlns:a14="http://schemas.microsoft.com/office/drawing/2010/main" val="0"/>
+              </a:ext>
+            </a:extLst>
+          </a:blip>
+          <a:stretch>
+            <a:fillRect/>
+          </a:stretch>
+        </p:blipFill>
+        <p:spPr>
+          <a:xfrm>
+            <a:off x="9681085" y="238153"/>
+            <a:ext cx="1802101" cy="569807"/>
+          </a:xfrm>
+          <a:prstGeom prst="rect">
+            <a:avLst/>
+          </a:prstGeom>
+        </p:spPr>
+      </p:pic>
+      <p:cxnSp>
+        <p:nvCxnSpPr>
+          <p:cNvPr id="16" name="Connecteur droit 15">
+            <a:extLst>
+              <a:ext uri="{FF2B5EF4-FFF2-40B4-BE49-F238E27FC236}">
+                <a16:creationId xmlns:a16="http://schemas.microsoft.com/office/drawing/2014/main" id="{7319284A-BD6F-4A96-8E2B-E0A4B52E53C6}"/>
+              </a:ext>
+            </a:extLst>
+          </p:cNvPr>
+          <p:cNvCxnSpPr>
+            <a:cxnSpLocks/>
+          </p:cNvCxnSpPr>
+          <p:nvPr/>
+        </p:nvCxnSpPr>
+        <p:spPr>
+          <a:xfrm flipV="1">
+            <a:off x="0" y="454803"/>
+            <a:ext cx="738231" cy="1798"/>
+          </a:xfrm>
+          <a:prstGeom prst="line">
+            <a:avLst/>
+          </a:prstGeom>
+        </p:spPr>
+        <p:style>
+          <a:lnRef idx="3">
+            <a:schemeClr val="dk1"/>
+          </a:lnRef>
+          <a:fillRef idx="0">
+            <a:schemeClr val="dk1"/>
+          </a:fillRef>
+          <a:effectRef idx="2">
+            <a:schemeClr val="dk1"/>
+          </a:effectRef>
+          <a:fontRef idx="minor">
+            <a:schemeClr val="tx1"/>
+          </a:fontRef>
+        </p:style>
+      </p:cxnSp>
+      <p:cxnSp>
+        <p:nvCxnSpPr>
+          <p:cNvPr id="20" name="Connecteur droit 19">
+            <a:extLst>
+              <a:ext uri="{FF2B5EF4-FFF2-40B4-BE49-F238E27FC236}">
+                <a16:creationId xmlns:a16="http://schemas.microsoft.com/office/drawing/2014/main" id="{08874CF7-F149-4C81-B61E-74E18342BA8A}"/>
+              </a:ext>
+            </a:extLst>
+          </p:cNvPr>
+          <p:cNvCxnSpPr>
+            <a:cxnSpLocks/>
+          </p:cNvCxnSpPr>
+          <p:nvPr/>
+        </p:nvCxnSpPr>
+        <p:spPr>
+          <a:xfrm>
+            <a:off x="2573222" y="454803"/>
+            <a:ext cx="6829482" cy="10398"/>
+          </a:xfrm>
+          <a:prstGeom prst="line">
+            <a:avLst/>
+          </a:prstGeom>
+        </p:spPr>
+        <p:style>
+          <a:lnRef idx="3">
+            <a:schemeClr val="dk1"/>
+          </a:lnRef>
+          <a:fillRef idx="0">
+            <a:schemeClr val="dk1"/>
+          </a:fillRef>
+          <a:effectRef idx="2">
+            <a:schemeClr val="dk1"/>
+          </a:effectRef>
+          <a:fontRef idx="minor">
+            <a:schemeClr val="tx1"/>
+          </a:fontRef>
+        </p:style>
+      </p:cxnSp>
+      <p:cxnSp>
+        <p:nvCxnSpPr>
+          <p:cNvPr id="26" name="Connecteur droit 25">
+            <a:extLst>
+              <a:ext uri="{FF2B5EF4-FFF2-40B4-BE49-F238E27FC236}">
+                <a16:creationId xmlns:a16="http://schemas.microsoft.com/office/drawing/2014/main" id="{BB3B35CC-057B-48C1-880F-3306A6559175}"/>
+              </a:ext>
+            </a:extLst>
+          </p:cNvPr>
+          <p:cNvCxnSpPr>
+            <a:cxnSpLocks/>
+          </p:cNvCxnSpPr>
+          <p:nvPr/>
+        </p:nvCxnSpPr>
+        <p:spPr>
+          <a:xfrm>
+            <a:off x="738231" y="454803"/>
+            <a:ext cx="344203" cy="484764"/>
+          </a:xfrm>
+          <a:prstGeom prst="line">
+            <a:avLst/>
+          </a:prstGeom>
+        </p:spPr>
+        <p:style>
+          <a:lnRef idx="3">
+            <a:schemeClr val="dk1"/>
+          </a:lnRef>
+          <a:fillRef idx="0">
+            <a:schemeClr val="dk1"/>
+          </a:fillRef>
+          <a:effectRef idx="2">
+            <a:schemeClr val="dk1"/>
+          </a:effectRef>
+          <a:fontRef idx="minor">
+            <a:schemeClr val="tx1"/>
+          </a:fontRef>
+        </p:style>
+      </p:cxnSp>
+      <p:cxnSp>
+        <p:nvCxnSpPr>
+          <p:cNvPr id="32" name="Connecteur droit 31">
+            <a:extLst>
+              <a:ext uri="{FF2B5EF4-FFF2-40B4-BE49-F238E27FC236}">
+                <a16:creationId xmlns:a16="http://schemas.microsoft.com/office/drawing/2014/main" id="{4AD96496-1EB6-4E48-9BB2-5C255495C686}"/>
+              </a:ext>
+            </a:extLst>
+          </p:cNvPr>
+          <p:cNvCxnSpPr>
+            <a:cxnSpLocks/>
+          </p:cNvCxnSpPr>
+          <p:nvPr/>
+        </p:nvCxnSpPr>
+        <p:spPr>
+          <a:xfrm>
+            <a:off x="1082434" y="938268"/>
+            <a:ext cx="1146585" cy="0"/>
+          </a:xfrm>
+          <a:prstGeom prst="line">
+            <a:avLst/>
+          </a:prstGeom>
+        </p:spPr>
+        <p:style>
+          <a:lnRef idx="3">
+            <a:schemeClr val="dk1"/>
+          </a:lnRef>
+          <a:fillRef idx="0">
+            <a:schemeClr val="dk1"/>
+          </a:fillRef>
+          <a:effectRef idx="2">
+            <a:schemeClr val="dk1"/>
+          </a:effectRef>
+          <a:fontRef idx="minor">
+            <a:schemeClr val="tx1"/>
+          </a:fontRef>
+        </p:style>
+      </p:cxnSp>
+      <p:cxnSp>
+        <p:nvCxnSpPr>
+          <p:cNvPr id="51" name="Connecteur droit 50">
+            <a:extLst>
+              <a:ext uri="{FF2B5EF4-FFF2-40B4-BE49-F238E27FC236}">
+                <a16:creationId xmlns:a16="http://schemas.microsoft.com/office/drawing/2014/main" id="{C035BFA6-ECBF-4775-BA81-19D2CA41AA8D}"/>
+              </a:ext>
+            </a:extLst>
+          </p:cNvPr>
+          <p:cNvCxnSpPr>
+            <a:cxnSpLocks/>
+          </p:cNvCxnSpPr>
+          <p:nvPr/>
+        </p:nvCxnSpPr>
+        <p:spPr>
+          <a:xfrm>
+            <a:off x="9402704" y="465201"/>
+            <a:ext cx="344203" cy="495163"/>
+          </a:xfrm>
+          <a:prstGeom prst="line">
+            <a:avLst/>
+          </a:prstGeom>
+        </p:spPr>
+        <p:style>
+          <a:lnRef idx="3">
+            <a:schemeClr val="dk1"/>
+          </a:lnRef>
+          <a:fillRef idx="0">
+            <a:schemeClr val="dk1"/>
+          </a:fillRef>
+          <a:effectRef idx="2">
+            <a:schemeClr val="dk1"/>
+          </a:effectRef>
+          <a:fontRef idx="minor">
+            <a:schemeClr val="tx1"/>
+          </a:fontRef>
+        </p:style>
+      </p:cxnSp>
+      <p:cxnSp>
+        <p:nvCxnSpPr>
+          <p:cNvPr id="52" name="Connecteur droit 51">
+            <a:extLst>
+              <a:ext uri="{FF2B5EF4-FFF2-40B4-BE49-F238E27FC236}">
+                <a16:creationId xmlns:a16="http://schemas.microsoft.com/office/drawing/2014/main" id="{FA310BC7-694B-4984-99A2-61A1F4F6EBF9}"/>
+              </a:ext>
+            </a:extLst>
+          </p:cNvPr>
+          <p:cNvCxnSpPr>
+            <a:cxnSpLocks/>
+          </p:cNvCxnSpPr>
+          <p:nvPr/>
+        </p:nvCxnSpPr>
+        <p:spPr>
+          <a:xfrm flipH="1">
+            <a:off x="11370469" y="448308"/>
+            <a:ext cx="364332" cy="501657"/>
+          </a:xfrm>
+          <a:prstGeom prst="line">
+            <a:avLst/>
+          </a:prstGeom>
+        </p:spPr>
+        <p:style>
+          <a:lnRef idx="3">
+            <a:schemeClr val="dk1"/>
+          </a:lnRef>
+          <a:fillRef idx="0">
+            <a:schemeClr val="dk1"/>
+          </a:fillRef>
+          <a:effectRef idx="2">
+            <a:schemeClr val="dk1"/>
+          </a:effectRef>
+          <a:fontRef idx="minor">
+            <a:schemeClr val="tx1"/>
+          </a:fontRef>
+        </p:style>
+      </p:cxnSp>
+      <p:cxnSp>
+        <p:nvCxnSpPr>
+          <p:cNvPr id="53" name="Connecteur droit 52">
+            <a:extLst>
+              <a:ext uri="{FF2B5EF4-FFF2-40B4-BE49-F238E27FC236}">
+                <a16:creationId xmlns:a16="http://schemas.microsoft.com/office/drawing/2014/main" id="{BE0649BD-EE59-4DDA-960F-95B2572F9F13}"/>
+              </a:ext>
+            </a:extLst>
+          </p:cNvPr>
+          <p:cNvCxnSpPr>
+            <a:cxnSpLocks/>
+          </p:cNvCxnSpPr>
+          <p:nvPr/>
+        </p:nvCxnSpPr>
+        <p:spPr>
+          <a:xfrm>
+            <a:off x="9743203" y="949965"/>
+            <a:ext cx="1627266" cy="0"/>
+          </a:xfrm>
+          <a:prstGeom prst="line">
+            <a:avLst/>
+          </a:prstGeom>
+        </p:spPr>
+        <p:style>
+          <a:lnRef idx="3">
+            <a:schemeClr val="dk1"/>
+          </a:lnRef>
+          <a:fillRef idx="0">
+            <a:schemeClr val="dk1"/>
+          </a:fillRef>
+          <a:effectRef idx="2">
+            <a:schemeClr val="dk1"/>
+          </a:effectRef>
+          <a:fontRef idx="minor">
+            <a:schemeClr val="tx1"/>
+          </a:fontRef>
+        </p:style>
+      </p:cxnSp>
+      <p:cxnSp>
+        <p:nvCxnSpPr>
+          <p:cNvPr id="55" name="Connecteur droit 54">
+            <a:extLst>
+              <a:ext uri="{FF2B5EF4-FFF2-40B4-BE49-F238E27FC236}">
+                <a16:creationId xmlns:a16="http://schemas.microsoft.com/office/drawing/2014/main" id="{52AA9200-DAFA-4EEF-AC13-4C7CE82A59EC}"/>
+              </a:ext>
+            </a:extLst>
+          </p:cNvPr>
+          <p:cNvCxnSpPr>
+            <a:cxnSpLocks/>
+          </p:cNvCxnSpPr>
+          <p:nvPr/>
+        </p:nvCxnSpPr>
+        <p:spPr>
+          <a:xfrm>
+            <a:off x="11715750" y="454801"/>
+            <a:ext cx="476249" cy="10400"/>
+          </a:xfrm>
+          <a:prstGeom prst="line">
+            <a:avLst/>
+          </a:prstGeom>
+        </p:spPr>
+        <p:style>
+          <a:lnRef idx="3">
+            <a:schemeClr val="dk1"/>
+          </a:lnRef>
+          <a:fillRef idx="0">
+            <a:schemeClr val="dk1"/>
+          </a:fillRef>
+          <a:effectRef idx="2">
+            <a:schemeClr val="dk1"/>
+          </a:effectRef>
+          <a:fontRef idx="minor">
+            <a:schemeClr val="tx1"/>
+          </a:fontRef>
+        </p:style>
+      </p:cxnSp>
+      <p:cxnSp>
+        <p:nvCxnSpPr>
+          <p:cNvPr id="23" name="Connecteur droit 22">
+            <a:extLst>
+              <a:ext uri="{FF2B5EF4-FFF2-40B4-BE49-F238E27FC236}">
+                <a16:creationId xmlns:a16="http://schemas.microsoft.com/office/drawing/2014/main" id="{BCB092C8-0080-4E56-957E-0046D4C83988}"/>
+              </a:ext>
+            </a:extLst>
+          </p:cNvPr>
+          <p:cNvCxnSpPr>
+            <a:cxnSpLocks/>
+          </p:cNvCxnSpPr>
+          <p:nvPr/>
+        </p:nvCxnSpPr>
+        <p:spPr>
+          <a:xfrm flipH="1">
+            <a:off x="2216372" y="446356"/>
+            <a:ext cx="364332" cy="501657"/>
+          </a:xfrm>
+          <a:prstGeom prst="line">
+            <a:avLst/>
+          </a:prstGeom>
+        </p:spPr>
+        <p:style>
+          <a:lnRef idx="3">
+            <a:schemeClr val="dk1"/>
+          </a:lnRef>
+          <a:fillRef idx="0">
+            <a:schemeClr val="dk1"/>
+          </a:fillRef>
+          <a:effectRef idx="2">
+            <a:schemeClr val="dk1"/>
+          </a:effectRef>
+          <a:fontRef idx="minor">
+            <a:schemeClr val="tx1"/>
+          </a:fontRef>
+        </p:style>
+      </p:cxnSp>
+      <p:pic>
+        <p:nvPicPr>
+          <p:cNvPr id="57" name="Image 56">
+            <a:extLst>
+              <a:ext uri="{FF2B5EF4-FFF2-40B4-BE49-F238E27FC236}">
+                <a16:creationId xmlns:a16="http://schemas.microsoft.com/office/drawing/2014/main" id="{12B16FB2-5844-4B92-AE69-9BAC858C22BB}"/>
+              </a:ext>
+            </a:extLst>
+          </p:cNvPr>
+          <p:cNvPicPr>
+            <a:picLocks noChangeAspect="1"/>
+          </p:cNvPicPr>
+          <p:nvPr/>
+        </p:nvPicPr>
+        <p:blipFill>
+          <a:blip r:embed="rId3">
+            <a:extLst>
+              <a:ext uri="{28A0092B-C50C-407E-A947-70E740481C1C}">
+                <a14:useLocalDpi xmlns:a14="http://schemas.microsoft.com/office/drawing/2010/main" val="0"/>
+              </a:ext>
+            </a:extLst>
+          </a:blip>
+          <a:stretch>
+            <a:fillRect/>
+          </a:stretch>
+        </p:blipFill>
+        <p:spPr>
+          <a:xfrm>
+            <a:off x="9681085" y="238153"/>
+            <a:ext cx="1802101" cy="569807"/>
+          </a:xfrm>
+          <a:prstGeom prst="rect">
+            <a:avLst/>
+          </a:prstGeom>
+        </p:spPr>
+      </p:pic>
+      <p:cxnSp>
+        <p:nvCxnSpPr>
+          <p:cNvPr id="58" name="Connecteur droit 57">
+            <a:extLst>
+              <a:ext uri="{FF2B5EF4-FFF2-40B4-BE49-F238E27FC236}">
+                <a16:creationId xmlns:a16="http://schemas.microsoft.com/office/drawing/2014/main" id="{01599350-F8B0-4FDC-B003-981189A8D654}"/>
+              </a:ext>
+            </a:extLst>
+          </p:cNvPr>
+          <p:cNvCxnSpPr>
+            <a:cxnSpLocks/>
+          </p:cNvCxnSpPr>
+          <p:nvPr/>
+        </p:nvCxnSpPr>
+        <p:spPr>
+          <a:xfrm>
+            <a:off x="2573222" y="454803"/>
+            <a:ext cx="6829482" cy="10398"/>
+          </a:xfrm>
+          <a:prstGeom prst="line">
+            <a:avLst/>
+          </a:prstGeom>
+        </p:spPr>
+        <p:style>
+          <a:lnRef idx="3">
+            <a:schemeClr val="dk1"/>
+          </a:lnRef>
+          <a:fillRef idx="0">
+            <a:schemeClr val="dk1"/>
+          </a:fillRef>
+          <a:effectRef idx="2">
+            <a:schemeClr val="dk1"/>
+          </a:effectRef>
+          <a:fontRef idx="minor">
+            <a:schemeClr val="tx1"/>
+          </a:fontRef>
+        </p:style>
+      </p:cxnSp>
+      <p:cxnSp>
+        <p:nvCxnSpPr>
+          <p:cNvPr id="59" name="Connecteur droit 58">
+            <a:extLst>
+              <a:ext uri="{FF2B5EF4-FFF2-40B4-BE49-F238E27FC236}">
+                <a16:creationId xmlns:a16="http://schemas.microsoft.com/office/drawing/2014/main" id="{BC6E6150-6054-4785-84EC-0C46D82034C2}"/>
+              </a:ext>
+            </a:extLst>
+          </p:cNvPr>
+          <p:cNvCxnSpPr>
+            <a:cxnSpLocks/>
+          </p:cNvCxnSpPr>
+          <p:nvPr/>
+        </p:nvCxnSpPr>
+        <p:spPr>
+          <a:xfrm>
+            <a:off x="738231" y="454803"/>
+            <a:ext cx="344203" cy="484764"/>
+          </a:xfrm>
+          <a:prstGeom prst="line">
+            <a:avLst/>
+          </a:prstGeom>
+        </p:spPr>
+        <p:style>
+          <a:lnRef idx="3">
+            <a:schemeClr val="dk1"/>
+          </a:lnRef>
+          <a:fillRef idx="0">
+            <a:schemeClr val="dk1"/>
+          </a:fillRef>
+          <a:effectRef idx="2">
+            <a:schemeClr val="dk1"/>
+          </a:effectRef>
+          <a:fontRef idx="minor">
+            <a:schemeClr val="tx1"/>
+          </a:fontRef>
+        </p:style>
+      </p:cxnSp>
+      <p:cxnSp>
+        <p:nvCxnSpPr>
+          <p:cNvPr id="60" name="Connecteur droit 59">
+            <a:extLst>
+              <a:ext uri="{FF2B5EF4-FFF2-40B4-BE49-F238E27FC236}">
+                <a16:creationId xmlns:a16="http://schemas.microsoft.com/office/drawing/2014/main" id="{CBC9961A-8EC2-4287-A398-BCA4138D409D}"/>
+              </a:ext>
+            </a:extLst>
+          </p:cNvPr>
+          <p:cNvCxnSpPr>
+            <a:cxnSpLocks/>
+          </p:cNvCxnSpPr>
+          <p:nvPr/>
+        </p:nvCxnSpPr>
+        <p:spPr>
+          <a:xfrm>
+            <a:off x="1082434" y="938268"/>
+            <a:ext cx="1146585" cy="0"/>
+          </a:xfrm>
+          <a:prstGeom prst="line">
+            <a:avLst/>
+          </a:prstGeom>
+        </p:spPr>
+        <p:style>
+          <a:lnRef idx="3">
+            <a:schemeClr val="dk1"/>
+          </a:lnRef>
+          <a:fillRef idx="0">
+            <a:schemeClr val="dk1"/>
+          </a:fillRef>
+          <a:effectRef idx="2">
+            <a:schemeClr val="dk1"/>
+          </a:effectRef>
+          <a:fontRef idx="minor">
+            <a:schemeClr val="tx1"/>
+          </a:fontRef>
+        </p:style>
+      </p:cxnSp>
+      <p:cxnSp>
+        <p:nvCxnSpPr>
+          <p:cNvPr id="61" name="Connecteur droit 60">
+            <a:extLst>
+              <a:ext uri="{FF2B5EF4-FFF2-40B4-BE49-F238E27FC236}">
+                <a16:creationId xmlns:a16="http://schemas.microsoft.com/office/drawing/2014/main" id="{152B7C45-2543-4665-BC07-4DB71CA9F337}"/>
+              </a:ext>
+            </a:extLst>
+          </p:cNvPr>
+          <p:cNvCxnSpPr>
+            <a:cxnSpLocks/>
+          </p:cNvCxnSpPr>
+          <p:nvPr/>
+        </p:nvCxnSpPr>
+        <p:spPr>
+          <a:xfrm>
+            <a:off x="9402704" y="465201"/>
+            <a:ext cx="344203" cy="495163"/>
+          </a:xfrm>
+          <a:prstGeom prst="line">
+            <a:avLst/>
+          </a:prstGeom>
+        </p:spPr>
+        <p:style>
+          <a:lnRef idx="3">
+            <a:schemeClr val="dk1"/>
+          </a:lnRef>
+          <a:fillRef idx="0">
+            <a:schemeClr val="dk1"/>
+          </a:fillRef>
+          <a:effectRef idx="2">
+            <a:schemeClr val="dk1"/>
+          </a:effectRef>
+          <a:fontRef idx="minor">
+            <a:schemeClr val="tx1"/>
+          </a:fontRef>
+        </p:style>
+      </p:cxnSp>
+      <p:cxnSp>
+        <p:nvCxnSpPr>
+          <p:cNvPr id="62" name="Connecteur droit 61">
+            <a:extLst>
+              <a:ext uri="{FF2B5EF4-FFF2-40B4-BE49-F238E27FC236}">
+                <a16:creationId xmlns:a16="http://schemas.microsoft.com/office/drawing/2014/main" id="{00A84DC3-A112-46A3-B71C-04D85339323D}"/>
+              </a:ext>
+            </a:extLst>
+          </p:cNvPr>
+          <p:cNvCxnSpPr>
+            <a:cxnSpLocks/>
+          </p:cNvCxnSpPr>
+          <p:nvPr/>
+        </p:nvCxnSpPr>
+        <p:spPr>
+          <a:xfrm flipH="1">
+            <a:off x="11370469" y="448308"/>
+            <a:ext cx="364332" cy="501657"/>
+          </a:xfrm>
+          <a:prstGeom prst="line">
+            <a:avLst/>
+          </a:prstGeom>
+        </p:spPr>
+        <p:style>
+          <a:lnRef idx="3">
+            <a:schemeClr val="dk1"/>
+          </a:lnRef>
+          <a:fillRef idx="0">
+            <a:schemeClr val="dk1"/>
+          </a:fillRef>
+          <a:effectRef idx="2">
+            <a:schemeClr val="dk1"/>
+          </a:effectRef>
+          <a:fontRef idx="minor">
+            <a:schemeClr val="tx1"/>
+          </a:fontRef>
+        </p:style>
+      </p:cxnSp>
+      <p:cxnSp>
+        <p:nvCxnSpPr>
+          <p:cNvPr id="63" name="Connecteur droit 62">
+            <a:extLst>
+              <a:ext uri="{FF2B5EF4-FFF2-40B4-BE49-F238E27FC236}">
+                <a16:creationId xmlns:a16="http://schemas.microsoft.com/office/drawing/2014/main" id="{C50788C6-8F68-44EC-AB54-94C1D2FE554D}"/>
+              </a:ext>
+            </a:extLst>
+          </p:cNvPr>
+          <p:cNvCxnSpPr>
+            <a:cxnSpLocks/>
+          </p:cNvCxnSpPr>
+          <p:nvPr/>
+        </p:nvCxnSpPr>
+        <p:spPr>
+          <a:xfrm>
+            <a:off x="9743203" y="949965"/>
+            <a:ext cx="1627266" cy="0"/>
+          </a:xfrm>
+          <a:prstGeom prst="line">
+            <a:avLst/>
+          </a:prstGeom>
+        </p:spPr>
+        <p:style>
+          <a:lnRef idx="3">
+            <a:schemeClr val="dk1"/>
+          </a:lnRef>
+          <a:fillRef idx="0">
+            <a:schemeClr val="dk1"/>
+          </a:fillRef>
+          <a:effectRef idx="2">
+            <a:schemeClr val="dk1"/>
+          </a:effectRef>
+          <a:fontRef idx="minor">
+            <a:schemeClr val="tx1"/>
+          </a:fontRef>
+        </p:style>
+      </p:cxnSp>
+      <p:cxnSp>
+        <p:nvCxnSpPr>
+          <p:cNvPr id="64" name="Connecteur droit 63">
+            <a:extLst>
+              <a:ext uri="{FF2B5EF4-FFF2-40B4-BE49-F238E27FC236}">
+                <a16:creationId xmlns:a16="http://schemas.microsoft.com/office/drawing/2014/main" id="{BC4D4E5F-5636-45CB-873C-EC085AB307A3}"/>
+              </a:ext>
+            </a:extLst>
+          </p:cNvPr>
+          <p:cNvCxnSpPr>
+            <a:cxnSpLocks/>
+          </p:cNvCxnSpPr>
+          <p:nvPr/>
+        </p:nvCxnSpPr>
+        <p:spPr>
+          <a:xfrm>
+            <a:off x="11715750" y="454801"/>
+            <a:ext cx="476249" cy="10400"/>
+          </a:xfrm>
+          <a:prstGeom prst="line">
+            <a:avLst/>
+          </a:prstGeom>
+        </p:spPr>
+        <p:style>
+          <a:lnRef idx="3">
+            <a:schemeClr val="dk1"/>
+          </a:lnRef>
+          <a:fillRef idx="0">
+            <a:schemeClr val="dk1"/>
+          </a:fillRef>
+          <a:effectRef idx="2">
+            <a:schemeClr val="dk1"/>
+          </a:effectRef>
+          <a:fontRef idx="minor">
+            <a:schemeClr val="tx1"/>
+          </a:fontRef>
+        </p:style>
+      </p:cxnSp>
+      <p:cxnSp>
+        <p:nvCxnSpPr>
+          <p:cNvPr id="65" name="Connecteur droit 64">
+            <a:extLst>
+              <a:ext uri="{FF2B5EF4-FFF2-40B4-BE49-F238E27FC236}">
+                <a16:creationId xmlns:a16="http://schemas.microsoft.com/office/drawing/2014/main" id="{E6F6B4C5-0E3B-46C9-859D-EE774175D36F}"/>
+              </a:ext>
+            </a:extLst>
+          </p:cNvPr>
+          <p:cNvCxnSpPr>
+            <a:cxnSpLocks/>
+          </p:cNvCxnSpPr>
+          <p:nvPr/>
+        </p:nvCxnSpPr>
+        <p:spPr>
+          <a:xfrm flipH="1">
+            <a:off x="2216372" y="446356"/>
+            <a:ext cx="364332" cy="501657"/>
+          </a:xfrm>
+          <a:prstGeom prst="line">
+            <a:avLst/>
+          </a:prstGeom>
+        </p:spPr>
+        <p:style>
+          <a:lnRef idx="3">
+            <a:schemeClr val="dk1"/>
+          </a:lnRef>
+          <a:fillRef idx="0">
+            <a:schemeClr val="dk1"/>
+          </a:fillRef>
+          <a:effectRef idx="2">
+            <a:schemeClr val="dk1"/>
+          </a:effectRef>
+          <a:fontRef idx="minor">
+            <a:schemeClr val="tx1"/>
+          </a:fontRef>
+        </p:style>
+      </p:cxnSp>
+    </p:spTree>
+    <p:extLst>
+      <p:ext uri="{BB962C8B-B14F-4D97-AF65-F5344CB8AC3E}">
+        <p14:creationId xmlns:p14="http://schemas.microsoft.com/office/powerpoint/2010/main" val="675812002"/>
       </p:ext>
     </p:extLst>
   </p:cSld>
@@ -13668,6 +16059,43 @@
           </a:fontRef>
         </p:style>
       </p:cxnSp>
+      <p:sp>
+        <p:nvSpPr>
+          <p:cNvPr id="2" name="ZoneTexte 1">
+            <a:extLst>
+              <a:ext uri="{FF2B5EF4-FFF2-40B4-BE49-F238E27FC236}">
+                <a16:creationId xmlns:a16="http://schemas.microsoft.com/office/drawing/2014/main" id="{E8762E70-88D2-4566-9A54-94377E9A9CC8}"/>
+              </a:ext>
+            </a:extLst>
+          </p:cNvPr>
+          <p:cNvSpPr txBox="1"/>
+          <p:nvPr/>
+        </p:nvSpPr>
+        <p:spPr>
+          <a:xfrm>
+            <a:off x="3462186" y="623294"/>
+            <a:ext cx="6149130" cy="769441"/>
+          </a:xfrm>
+          <a:prstGeom prst="rect">
+            <a:avLst/>
+          </a:prstGeom>
+          <a:noFill/>
+        </p:spPr>
+        <p:txBody>
+          <a:bodyPr wrap="square" rtlCol="0">
+            <a:spAutoFit/>
+          </a:bodyPr>
+          <a:lstStyle/>
+          <a:p>
+            <a:r>
+              <a:rPr lang="fr-FR" sz="4400" dirty="0">
+                <a:latin typeface="Berlin Sans FB" panose="020E0602020502020306" pitchFamily="34" charset="0"/>
+              </a:rPr>
+              <a:t>Diagramme de classe</a:t>
+            </a:r>
+          </a:p>
+        </p:txBody>
+      </p:sp>
     </p:spTree>
     <p:extLst>
       <p:ext uri="{BB962C8B-B14F-4D97-AF65-F5344CB8AC3E}">
